--- a/Assignment6/cell2cell analysis.pptx
+++ b/Assignment6/cell2cell analysis.pptx
@@ -2,15 +2,16 @@
 <file path=ppt/presentation.xml><?xml version="1.0" encoding="utf-8"?>
 <p:presentation xmlns:a="http://schemas.openxmlformats.org/drawingml/2006/main" xmlns:r="http://schemas.openxmlformats.org/officeDocument/2006/relationships" xmlns:p="http://schemas.openxmlformats.org/presentationml/2006/main" saveSubsetFonts="1">
   <p:sldMasterIdLst>
-    <p:sldMasterId id="2147483660" r:id="rId1"/>
+    <p:sldMasterId id="2147483703" r:id="rId1"/>
   </p:sldMasterIdLst>
   <p:sldIdLst>
     <p:sldId id="256" r:id="rId2"/>
-    <p:sldId id="257" r:id="rId3"/>
-    <p:sldId id="259" r:id="rId4"/>
-    <p:sldId id="260" r:id="rId5"/>
-    <p:sldId id="261" r:id="rId6"/>
-    <p:sldId id="258" r:id="rId7"/>
+    <p:sldId id="262" r:id="rId3"/>
+    <p:sldId id="257" r:id="rId4"/>
+    <p:sldId id="259" r:id="rId5"/>
+    <p:sldId id="260" r:id="rId6"/>
+    <p:sldId id="261" r:id="rId7"/>
+    <p:sldId id="258" r:id="rId8"/>
   </p:sldIdLst>
   <p:sldSz cx="9144000" cy="6858000" type="screen4x3"/>
   <p:notesSz cx="6858000" cy="9144000"/>
@@ -109,6 +110,11 @@
       </a:defRPr>
     </a:lvl9pPr>
   </p:defaultTextStyle>
+  <p:extLst>
+    <p:ext uri="{EFAFB233-063F-42B5-8137-9DF3F51BA10A}">
+      <p15:sldGuideLst xmlns:p15="http://schemas.microsoft.com/office/powerpoint/2012/main"/>
+    </p:ext>
+  </p:extLst>
 </p:presentation>
 </file>
 
@@ -587,7 +593,7 @@
 </file>
 
 <file path=ppt/slideLayouts/slideLayout1.xml><?xml version="1.0" encoding="utf-8"?>
-<p:sldLayout xmlns:a="http://schemas.openxmlformats.org/drawingml/2006/main" xmlns:r="http://schemas.openxmlformats.org/officeDocument/2006/relationships" xmlns:p="http://schemas.openxmlformats.org/presentationml/2006/main" type="title" preserve="1">
+<p:sldLayout xmlns:a="http://schemas.openxmlformats.org/drawingml/2006/main" xmlns:r="http://schemas.openxmlformats.org/officeDocument/2006/relationships" xmlns:p="http://schemas.openxmlformats.org/presentationml/2006/main" showMasterSp="0" type="title" preserve="1">
   <p:cSld name="Title Slide">
     <p:spTree>
       <p:nvGrpSpPr>
@@ -605,6 +611,82 @@
       </p:grpSpPr>
       <p:sp>
         <p:nvSpPr>
+          <p:cNvPr id="7" name="Rectangle 6"/>
+          <p:cNvSpPr/>
+          <p:nvPr/>
+        </p:nvSpPr>
+        <p:spPr>
+          <a:xfrm>
+            <a:off x="2382" y="6400800"/>
+            <a:ext cx="9141619" cy="457200"/>
+          </a:xfrm>
+          <a:prstGeom prst="rect">
+            <a:avLst/>
+          </a:prstGeom>
+          <a:solidFill>
+            <a:schemeClr val="accent2"/>
+          </a:solidFill>
+          <a:ln>
+            <a:noFill/>
+          </a:ln>
+        </p:spPr>
+        <p:style>
+          <a:lnRef idx="2">
+            <a:schemeClr val="accent1">
+              <a:shade val="50000"/>
+            </a:schemeClr>
+          </a:lnRef>
+          <a:fillRef idx="1">
+            <a:schemeClr val="accent1"/>
+          </a:fillRef>
+          <a:effectRef idx="0">
+            <a:schemeClr val="accent1"/>
+          </a:effectRef>
+          <a:fontRef idx="minor">
+            <a:schemeClr val="lt1"/>
+          </a:fontRef>
+        </p:style>
+      </p:sp>
+      <p:sp>
+        <p:nvSpPr>
+          <p:cNvPr id="8" name="Rectangle 7"/>
+          <p:cNvSpPr/>
+          <p:nvPr/>
+        </p:nvSpPr>
+        <p:spPr>
+          <a:xfrm>
+            <a:off x="12" y="6334316"/>
+            <a:ext cx="9141619" cy="64008"/>
+          </a:xfrm>
+          <a:prstGeom prst="rect">
+            <a:avLst/>
+          </a:prstGeom>
+          <a:solidFill>
+            <a:schemeClr val="accent1"/>
+          </a:solidFill>
+          <a:ln>
+            <a:noFill/>
+          </a:ln>
+        </p:spPr>
+        <p:style>
+          <a:lnRef idx="2">
+            <a:schemeClr val="accent1">
+              <a:shade val="50000"/>
+            </a:schemeClr>
+          </a:lnRef>
+          <a:fillRef idx="1">
+            <a:schemeClr val="accent1"/>
+          </a:fillRef>
+          <a:effectRef idx="0">
+            <a:schemeClr val="accent1"/>
+          </a:effectRef>
+          <a:fontRef idx="minor">
+            <a:schemeClr val="lt1"/>
+          </a:fontRef>
+        </p:style>
+      </p:sp>
+      <p:sp>
+        <p:nvSpPr>
           <p:cNvPr id="2" name="Title 1"/>
           <p:cNvSpPr>
             <a:spLocks noGrp="1"/>
@@ -615,15 +697,27 @@
         </p:nvSpPr>
         <p:spPr>
           <a:xfrm>
-            <a:off x="685800" y="1122363"/>
-            <a:ext cx="7772400" cy="2387600"/>
+            <a:off x="822960" y="758952"/>
+            <a:ext cx="7543800" cy="3566160"/>
           </a:xfrm>
         </p:spPr>
         <p:txBody>
-          <a:bodyPr anchor="b"/>
+          <a:bodyPr anchor="b">
+            <a:normAutofit/>
+          </a:bodyPr>
           <a:lstStyle>
-            <a:lvl1pPr algn="ctr">
-              <a:defRPr sz="6000"/>
+            <a:lvl1pPr algn="l">
+              <a:lnSpc>
+                <a:spcPct val="85000"/>
+              </a:lnSpc>
+              <a:defRPr sz="8000" spc="-50" baseline="0">
+                <a:solidFill>
+                  <a:schemeClr val="tx1">
+                    <a:lumMod val="85000"/>
+                    <a:lumOff val="15000"/>
+                  </a:schemeClr>
+                </a:solidFill>
+              </a:defRPr>
             </a:lvl1pPr>
           </a:lstStyle>
           <a:p>
@@ -647,48 +741,55 @@
         </p:nvSpPr>
         <p:spPr>
           <a:xfrm>
-            <a:off x="1143000" y="3602038"/>
-            <a:ext cx="6858000" cy="1655762"/>
+            <a:off x="825038" y="4455621"/>
+            <a:ext cx="7543800" cy="1143000"/>
           </a:xfrm>
         </p:spPr>
         <p:txBody>
-          <a:bodyPr/>
+          <a:bodyPr lIns="91440" rIns="91440">
+            <a:normAutofit/>
+          </a:bodyPr>
           <a:lstStyle>
-            <a:lvl1pPr marL="0" indent="0" algn="ctr">
+            <a:lvl1pPr marL="0" indent="0" algn="l">
               <a:buNone/>
-              <a:defRPr sz="2400"/>
+              <a:defRPr sz="2400" cap="all" spc="200" baseline="0">
+                <a:solidFill>
+                  <a:schemeClr val="tx2"/>
+                </a:solidFill>
+                <a:latin typeface="+mj-lt"/>
+              </a:defRPr>
             </a:lvl1pPr>
             <a:lvl2pPr marL="457200" indent="0" algn="ctr">
               <a:buNone/>
-              <a:defRPr sz="2000"/>
+              <a:defRPr sz="2400"/>
             </a:lvl2pPr>
             <a:lvl3pPr marL="914400" indent="0" algn="ctr">
               <a:buNone/>
-              <a:defRPr sz="1800"/>
+              <a:defRPr sz="2400"/>
             </a:lvl3pPr>
             <a:lvl4pPr marL="1371600" indent="0" algn="ctr">
               <a:buNone/>
-              <a:defRPr sz="1600"/>
+              <a:defRPr sz="2000"/>
             </a:lvl4pPr>
             <a:lvl5pPr marL="1828800" indent="0" algn="ctr">
               <a:buNone/>
-              <a:defRPr sz="1600"/>
+              <a:defRPr sz="2000"/>
             </a:lvl5pPr>
             <a:lvl6pPr marL="2286000" indent="0" algn="ctr">
               <a:buNone/>
-              <a:defRPr sz="1600"/>
+              <a:defRPr sz="2000"/>
             </a:lvl6pPr>
             <a:lvl7pPr marL="2743200" indent="0" algn="ctr">
               <a:buNone/>
-              <a:defRPr sz="1600"/>
+              <a:defRPr sz="2000"/>
             </a:lvl7pPr>
             <a:lvl8pPr marL="3200400" indent="0" algn="ctr">
               <a:buNone/>
-              <a:defRPr sz="1600"/>
+              <a:defRPr sz="2000"/>
             </a:lvl8pPr>
             <a:lvl9pPr marL="3657600" indent="0" algn="ctr">
               <a:buNone/>
-              <a:defRPr sz="1600"/>
+              <a:defRPr sz="2000"/>
             </a:lvl9pPr>
           </a:lstStyle>
           <a:p>
@@ -765,10 +866,48 @@
           </a:p>
         </p:txBody>
       </p:sp>
+      <p:cxnSp>
+        <p:nvCxnSpPr>
+          <p:cNvPr id="9" name="Straight Connector 8"/>
+          <p:cNvCxnSpPr/>
+          <p:nvPr/>
+        </p:nvCxnSpPr>
+        <p:spPr>
+          <a:xfrm>
+            <a:off x="905744" y="4343400"/>
+            <a:ext cx="7406640" cy="0"/>
+          </a:xfrm>
+          <a:prstGeom prst="line">
+            <a:avLst/>
+          </a:prstGeom>
+          <a:ln w="6350">
+            <a:solidFill>
+              <a:schemeClr val="tx1">
+                <a:lumMod val="50000"/>
+                <a:lumOff val="50000"/>
+              </a:schemeClr>
+            </a:solidFill>
+          </a:ln>
+        </p:spPr>
+        <p:style>
+          <a:lnRef idx="1">
+            <a:schemeClr val="accent1"/>
+          </a:lnRef>
+          <a:fillRef idx="0">
+            <a:schemeClr val="accent1"/>
+          </a:fillRef>
+          <a:effectRef idx="0">
+            <a:schemeClr val="accent1"/>
+          </a:effectRef>
+          <a:fontRef idx="minor">
+            <a:schemeClr val="tx1"/>
+          </a:fontRef>
+        </p:style>
+      </p:cxnSp>
     </p:spTree>
     <p:extLst>
       <p:ext uri="{BB962C8B-B14F-4D97-AF65-F5344CB8AC3E}">
-        <p14:creationId xmlns:p14="http://schemas.microsoft.com/office/powerpoint/2010/main" val="1324707273"/>
+        <p14:creationId xmlns:p14="http://schemas.microsoft.com/office/powerpoint/2010/main" val="2136038120"/>
       </p:ext>
     </p:extLst>
   </p:cSld>
@@ -830,7 +969,7 @@
         </p:nvSpPr>
         <p:spPr/>
         <p:txBody>
-          <a:bodyPr vert="eaVert"/>
+          <a:bodyPr vert="eaVert" lIns="45720" tIns="0" rIns="45720" bIns="0"/>
           <a:lstStyle/>
           <a:p>
             <a:pPr lvl="0"/>
@@ -938,7 +1077,7 @@
     </p:spTree>
     <p:extLst>
       <p:ext uri="{BB962C8B-B14F-4D97-AF65-F5344CB8AC3E}">
-        <p14:creationId xmlns:p14="http://schemas.microsoft.com/office/powerpoint/2010/main" val="368437270"/>
+        <p14:creationId xmlns:p14="http://schemas.microsoft.com/office/powerpoint/2010/main" val="2657197626"/>
       </p:ext>
     </p:extLst>
   </p:cSld>
@@ -949,7 +1088,7 @@
 </file>
 
 <file path=ppt/slideLayouts/slideLayout11.xml><?xml version="1.0" encoding="utf-8"?>
-<p:sldLayout xmlns:a="http://schemas.openxmlformats.org/drawingml/2006/main" xmlns:r="http://schemas.openxmlformats.org/officeDocument/2006/relationships" xmlns:p="http://schemas.openxmlformats.org/presentationml/2006/main" type="vertTitleAndTx" preserve="1">
+<p:sldLayout xmlns:a="http://schemas.openxmlformats.org/drawingml/2006/main" xmlns:r="http://schemas.openxmlformats.org/officeDocument/2006/relationships" xmlns:p="http://schemas.openxmlformats.org/presentationml/2006/main" showMasterSp="0" type="vertTitleAndTx" preserve="1">
   <p:cSld name="Vertical Title and Text">
     <p:spTree>
       <p:nvGrpSpPr>
@@ -967,6 +1106,82 @@
       </p:grpSpPr>
       <p:sp>
         <p:nvSpPr>
+          <p:cNvPr id="7" name="Rectangle 6"/>
+          <p:cNvSpPr/>
+          <p:nvPr/>
+        </p:nvSpPr>
+        <p:spPr>
+          <a:xfrm>
+            <a:off x="2382" y="6400800"/>
+            <a:ext cx="9141619" cy="457200"/>
+          </a:xfrm>
+          <a:prstGeom prst="rect">
+            <a:avLst/>
+          </a:prstGeom>
+          <a:solidFill>
+            <a:schemeClr val="accent2"/>
+          </a:solidFill>
+          <a:ln>
+            <a:noFill/>
+          </a:ln>
+        </p:spPr>
+        <p:style>
+          <a:lnRef idx="2">
+            <a:schemeClr val="accent1">
+              <a:shade val="50000"/>
+            </a:schemeClr>
+          </a:lnRef>
+          <a:fillRef idx="1">
+            <a:schemeClr val="accent1"/>
+          </a:fillRef>
+          <a:effectRef idx="0">
+            <a:schemeClr val="accent1"/>
+          </a:effectRef>
+          <a:fontRef idx="minor">
+            <a:schemeClr val="lt1"/>
+          </a:fontRef>
+        </p:style>
+      </p:sp>
+      <p:sp>
+        <p:nvSpPr>
+          <p:cNvPr id="8" name="Rectangle 7"/>
+          <p:cNvSpPr/>
+          <p:nvPr/>
+        </p:nvSpPr>
+        <p:spPr>
+          <a:xfrm>
+            <a:off x="12" y="6334316"/>
+            <a:ext cx="9141619" cy="64008"/>
+          </a:xfrm>
+          <a:prstGeom prst="rect">
+            <a:avLst/>
+          </a:prstGeom>
+          <a:solidFill>
+            <a:schemeClr val="accent1"/>
+          </a:solidFill>
+          <a:ln>
+            <a:noFill/>
+          </a:ln>
+        </p:spPr>
+        <p:style>
+          <a:lnRef idx="2">
+            <a:schemeClr val="accent1">
+              <a:shade val="50000"/>
+            </a:schemeClr>
+          </a:lnRef>
+          <a:fillRef idx="1">
+            <a:schemeClr val="accent1"/>
+          </a:fillRef>
+          <a:effectRef idx="0">
+            <a:schemeClr val="accent1"/>
+          </a:effectRef>
+          <a:fontRef idx="minor">
+            <a:schemeClr val="lt1"/>
+          </a:fontRef>
+        </p:style>
+      </p:sp>
+      <p:sp>
+        <p:nvSpPr>
           <p:cNvPr id="2" name="Vertical Title 1"/>
           <p:cNvSpPr>
             <a:spLocks noGrp="1"/>
@@ -977,8 +1192,8 @@
         </p:nvSpPr>
         <p:spPr>
           <a:xfrm>
-            <a:off x="6543675" y="365125"/>
-            <a:ext cx="1971675" cy="5811838"/>
+            <a:off x="6543675" y="414779"/>
+            <a:ext cx="1971675" cy="5757421"/>
           </a:xfrm>
         </p:spPr>
         <p:txBody>
@@ -1005,12 +1220,12 @@
         </p:nvSpPr>
         <p:spPr>
           <a:xfrm>
-            <a:off x="628650" y="365125"/>
-            <a:ext cx="5800725" cy="5811838"/>
+            <a:off x="628650" y="414779"/>
+            <a:ext cx="5800725" cy="5757420"/>
           </a:xfrm>
         </p:spPr>
         <p:txBody>
-          <a:bodyPr vert="eaVert"/>
+          <a:bodyPr vert="eaVert" lIns="45720" tIns="0" rIns="45720" bIns="0"/>
           <a:lstStyle/>
           <a:p>
             <a:pPr lvl="0"/>
@@ -1118,7 +1333,7 @@
     </p:spTree>
     <p:extLst>
       <p:ext uri="{BB962C8B-B14F-4D97-AF65-F5344CB8AC3E}">
-        <p14:creationId xmlns:p14="http://schemas.microsoft.com/office/powerpoint/2010/main" val="655209720"/>
+        <p14:creationId xmlns:p14="http://schemas.microsoft.com/office/powerpoint/2010/main" val="2883875558"/>
       </p:ext>
     </p:extLst>
   </p:cSld>
@@ -1288,7 +1503,7 @@
     </p:spTree>
     <p:extLst>
       <p:ext uri="{BB962C8B-B14F-4D97-AF65-F5344CB8AC3E}">
-        <p14:creationId xmlns:p14="http://schemas.microsoft.com/office/powerpoint/2010/main" val="676967420"/>
+        <p14:creationId xmlns:p14="http://schemas.microsoft.com/office/powerpoint/2010/main" val="2222861168"/>
       </p:ext>
     </p:extLst>
   </p:cSld>
@@ -1299,8 +1514,16 @@
 </file>
 
 <file path=ppt/slideLayouts/slideLayout3.xml><?xml version="1.0" encoding="utf-8"?>
-<p:sldLayout xmlns:a="http://schemas.openxmlformats.org/drawingml/2006/main" xmlns:r="http://schemas.openxmlformats.org/officeDocument/2006/relationships" xmlns:p="http://schemas.openxmlformats.org/presentationml/2006/main" type="secHead" preserve="1">
+<p:sldLayout xmlns:a="http://schemas.openxmlformats.org/drawingml/2006/main" xmlns:r="http://schemas.openxmlformats.org/officeDocument/2006/relationships" xmlns:p="http://schemas.openxmlformats.org/presentationml/2006/main" showMasterSp="0" type="secHead" preserve="1">
   <p:cSld name="Section Header">
+    <p:bg>
+      <p:bgPr>
+        <a:solidFill>
+          <a:schemeClr val="bg1"/>
+        </a:solidFill>
+        <a:effectLst/>
+      </p:bgPr>
+    </p:bg>
     <p:spTree>
       <p:nvGrpSpPr>
         <p:cNvPr id="1" name=""/>
@@ -1317,6 +1540,82 @@
       </p:grpSpPr>
       <p:sp>
         <p:nvSpPr>
+          <p:cNvPr id="7" name="Rectangle 6"/>
+          <p:cNvSpPr/>
+          <p:nvPr/>
+        </p:nvSpPr>
+        <p:spPr>
+          <a:xfrm>
+            <a:off x="2382" y="6400800"/>
+            <a:ext cx="9141619" cy="457200"/>
+          </a:xfrm>
+          <a:prstGeom prst="rect">
+            <a:avLst/>
+          </a:prstGeom>
+          <a:solidFill>
+            <a:schemeClr val="accent2"/>
+          </a:solidFill>
+          <a:ln>
+            <a:noFill/>
+          </a:ln>
+        </p:spPr>
+        <p:style>
+          <a:lnRef idx="2">
+            <a:schemeClr val="accent1">
+              <a:shade val="50000"/>
+            </a:schemeClr>
+          </a:lnRef>
+          <a:fillRef idx="1">
+            <a:schemeClr val="accent1"/>
+          </a:fillRef>
+          <a:effectRef idx="0">
+            <a:schemeClr val="accent1"/>
+          </a:effectRef>
+          <a:fontRef idx="minor">
+            <a:schemeClr val="lt1"/>
+          </a:fontRef>
+        </p:style>
+      </p:sp>
+      <p:sp>
+        <p:nvSpPr>
+          <p:cNvPr id="8" name="Rectangle 7"/>
+          <p:cNvSpPr/>
+          <p:nvPr/>
+        </p:nvSpPr>
+        <p:spPr>
+          <a:xfrm>
+            <a:off x="12" y="6334316"/>
+            <a:ext cx="9141619" cy="64008"/>
+          </a:xfrm>
+          <a:prstGeom prst="rect">
+            <a:avLst/>
+          </a:prstGeom>
+          <a:solidFill>
+            <a:schemeClr val="accent1"/>
+          </a:solidFill>
+          <a:ln>
+            <a:noFill/>
+          </a:ln>
+        </p:spPr>
+        <p:style>
+          <a:lnRef idx="2">
+            <a:schemeClr val="accent1">
+              <a:shade val="50000"/>
+            </a:schemeClr>
+          </a:lnRef>
+          <a:fillRef idx="1">
+            <a:schemeClr val="accent1"/>
+          </a:fillRef>
+          <a:effectRef idx="0">
+            <a:schemeClr val="accent1"/>
+          </a:effectRef>
+          <a:fontRef idx="minor">
+            <a:schemeClr val="lt1"/>
+          </a:fontRef>
+        </p:style>
+      </p:sp>
+      <p:sp>
+        <p:nvSpPr>
           <p:cNvPr id="2" name="Title 1"/>
           <p:cNvSpPr>
             <a:spLocks noGrp="1"/>
@@ -1327,15 +1626,27 @@
         </p:nvSpPr>
         <p:spPr>
           <a:xfrm>
-            <a:off x="623888" y="1709739"/>
-            <a:ext cx="7886700" cy="2852737"/>
+            <a:off x="822960" y="758952"/>
+            <a:ext cx="7543800" cy="3566160"/>
           </a:xfrm>
         </p:spPr>
         <p:txBody>
-          <a:bodyPr anchor="b"/>
+          <a:bodyPr anchor="b" anchorCtr="0">
+            <a:normAutofit/>
+          </a:bodyPr>
           <a:lstStyle>
             <a:lvl1pPr>
-              <a:defRPr sz="6000"/>
+              <a:lnSpc>
+                <a:spcPct val="85000"/>
+              </a:lnSpc>
+              <a:defRPr sz="8000" b="0">
+                <a:solidFill>
+                  <a:schemeClr val="tx1">
+                    <a:lumMod val="85000"/>
+                    <a:lumOff val="15000"/>
+                  </a:schemeClr>
+                </a:solidFill>
+              </a:defRPr>
             </a:lvl1pPr>
           </a:lstStyle>
           <a:p>
@@ -1359,24 +1670,27 @@
         </p:nvSpPr>
         <p:spPr>
           <a:xfrm>
-            <a:off x="623888" y="4589464"/>
-            <a:ext cx="7886700" cy="1500187"/>
+            <a:off x="822960" y="4453128"/>
+            <a:ext cx="7543800" cy="1143000"/>
           </a:xfrm>
         </p:spPr>
         <p:txBody>
-          <a:bodyPr/>
+          <a:bodyPr lIns="91440" rIns="91440" anchor="t" anchorCtr="0">
+            <a:normAutofit/>
+          </a:bodyPr>
           <a:lstStyle>
             <a:lvl1pPr marL="0" indent="0">
               <a:buNone/>
-              <a:defRPr sz="2400">
+              <a:defRPr sz="2400" cap="all" spc="200" baseline="0">
                 <a:solidFill>
-                  <a:schemeClr val="tx1"/>
+                  <a:schemeClr val="tx2"/>
                 </a:solidFill>
+                <a:latin typeface="+mj-lt"/>
               </a:defRPr>
             </a:lvl1pPr>
             <a:lvl2pPr marL="457200" indent="0">
               <a:buNone/>
-              <a:defRPr sz="2000">
+              <a:defRPr sz="1800">
                 <a:solidFill>
                   <a:schemeClr val="tx1">
                     <a:tint val="75000"/>
@@ -1386,7 +1700,7 @@
             </a:lvl2pPr>
             <a:lvl3pPr marL="914400" indent="0">
               <a:buNone/>
-              <a:defRPr sz="1800">
+              <a:defRPr sz="1600">
                 <a:solidFill>
                   <a:schemeClr val="tx1">
                     <a:tint val="75000"/>
@@ -1396,7 +1710,7 @@
             </a:lvl3pPr>
             <a:lvl4pPr marL="1371600" indent="0">
               <a:buNone/>
-              <a:defRPr sz="1600">
+              <a:defRPr sz="1400">
                 <a:solidFill>
                   <a:schemeClr val="tx1">
                     <a:tint val="75000"/>
@@ -1406,7 +1720,7 @@
             </a:lvl4pPr>
             <a:lvl5pPr marL="1828800" indent="0">
               <a:buNone/>
-              <a:defRPr sz="1600">
+              <a:defRPr sz="1400">
                 <a:solidFill>
                   <a:schemeClr val="tx1">
                     <a:tint val="75000"/>
@@ -1416,7 +1730,7 @@
             </a:lvl5pPr>
             <a:lvl6pPr marL="2286000" indent="0">
               <a:buNone/>
-              <a:defRPr sz="1600">
+              <a:defRPr sz="1400">
                 <a:solidFill>
                   <a:schemeClr val="tx1">
                     <a:tint val="75000"/>
@@ -1426,7 +1740,7 @@
             </a:lvl6pPr>
             <a:lvl7pPr marL="2743200" indent="0">
               <a:buNone/>
-              <a:defRPr sz="1600">
+              <a:defRPr sz="1400">
                 <a:solidFill>
                   <a:schemeClr val="tx1">
                     <a:tint val="75000"/>
@@ -1436,7 +1750,7 @@
             </a:lvl7pPr>
             <a:lvl8pPr marL="3200400" indent="0">
               <a:buNone/>
-              <a:defRPr sz="1600">
+              <a:defRPr sz="1400">
                 <a:solidFill>
                   <a:schemeClr val="tx1">
                     <a:tint val="75000"/>
@@ -1446,7 +1760,7 @@
             </a:lvl8pPr>
             <a:lvl9pPr marL="3657600" indent="0">
               <a:buNone/>
-              <a:defRPr sz="1600">
+              <a:defRPr sz="1400">
                 <a:solidFill>
                   <a:schemeClr val="tx1">
                     <a:tint val="75000"/>
@@ -1529,10 +1843,48 @@
           </a:p>
         </p:txBody>
       </p:sp>
+      <p:cxnSp>
+        <p:nvCxnSpPr>
+          <p:cNvPr id="9" name="Straight Connector 8"/>
+          <p:cNvCxnSpPr/>
+          <p:nvPr/>
+        </p:nvCxnSpPr>
+        <p:spPr>
+          <a:xfrm>
+            <a:off x="905744" y="4343400"/>
+            <a:ext cx="7406640" cy="0"/>
+          </a:xfrm>
+          <a:prstGeom prst="line">
+            <a:avLst/>
+          </a:prstGeom>
+          <a:ln w="6350">
+            <a:solidFill>
+              <a:schemeClr val="tx1">
+                <a:lumMod val="50000"/>
+                <a:lumOff val="50000"/>
+              </a:schemeClr>
+            </a:solidFill>
+          </a:ln>
+        </p:spPr>
+        <p:style>
+          <a:lnRef idx="1">
+            <a:schemeClr val="accent1"/>
+          </a:lnRef>
+          <a:fillRef idx="0">
+            <a:schemeClr val="accent1"/>
+          </a:fillRef>
+          <a:effectRef idx="0">
+            <a:schemeClr val="accent1"/>
+          </a:effectRef>
+          <a:fontRef idx="minor">
+            <a:schemeClr val="tx1"/>
+          </a:fontRef>
+        </p:style>
+      </p:cxnSp>
     </p:spTree>
     <p:extLst>
       <p:ext uri="{BB962C8B-B14F-4D97-AF65-F5344CB8AC3E}">
-        <p14:creationId xmlns:p14="http://schemas.microsoft.com/office/powerpoint/2010/main" val="357442230"/>
+        <p14:creationId xmlns:p14="http://schemas.microsoft.com/office/powerpoint/2010/main" val="2500377538"/>
       </p:ext>
     </p:extLst>
   </p:cSld>
@@ -1561,7 +1913,7 @@
       </p:grpSpPr>
       <p:sp>
         <p:nvSpPr>
-          <p:cNvPr id="2" name="Title 1"/>
+          <p:cNvPr id="8" name="Title 7"/>
           <p:cNvSpPr>
             <a:spLocks noGrp="1"/>
           </p:cNvSpPr>
@@ -1569,7 +1921,12 @@
             <p:ph type="title"/>
           </p:nvPr>
         </p:nvSpPr>
-        <p:spPr/>
+        <p:spPr>
+          <a:xfrm>
+            <a:off x="822960" y="286604"/>
+            <a:ext cx="7543800" cy="1450757"/>
+          </a:xfrm>
+        </p:spPr>
         <p:txBody>
           <a:bodyPr/>
           <a:lstStyle/>
@@ -1594,8 +1951,8 @@
         </p:nvSpPr>
         <p:spPr>
           <a:xfrm>
-            <a:off x="628650" y="1825625"/>
-            <a:ext cx="3886200" cy="4351338"/>
+            <a:off x="822960" y="1845734"/>
+            <a:ext cx="3703320" cy="4023360"/>
           </a:xfrm>
         </p:spPr>
         <p:txBody>
@@ -1651,8 +2008,8 @@
         </p:nvSpPr>
         <p:spPr>
           <a:xfrm>
-            <a:off x="4629150" y="1825625"/>
-            <a:ext cx="3886200" cy="4351338"/>
+            <a:off x="4663440" y="1845736"/>
+            <a:ext cx="3703320" cy="4023359"/>
           </a:xfrm>
         </p:spPr>
         <p:txBody>
@@ -1764,7 +2121,7 @@
     </p:spTree>
     <p:extLst>
       <p:ext uri="{BB962C8B-B14F-4D97-AF65-F5344CB8AC3E}">
-        <p14:creationId xmlns:p14="http://schemas.microsoft.com/office/powerpoint/2010/main" val="3851709015"/>
+        <p14:creationId xmlns:p14="http://schemas.microsoft.com/office/powerpoint/2010/main" val="473881168"/>
       </p:ext>
     </p:extLst>
   </p:cSld>
@@ -1793,7 +2150,7 @@
       </p:grpSpPr>
       <p:sp>
         <p:nvSpPr>
-          <p:cNvPr id="2" name="Title 1"/>
+          <p:cNvPr id="10" name="Title 9"/>
           <p:cNvSpPr>
             <a:spLocks noGrp="1"/>
           </p:cNvSpPr>
@@ -1803,8 +2160,8 @@
         </p:nvSpPr>
         <p:spPr>
           <a:xfrm>
-            <a:off x="629841" y="365126"/>
-            <a:ext cx="7886700" cy="1325563"/>
+            <a:off x="822960" y="286604"/>
+            <a:ext cx="7543800" cy="1450757"/>
           </a:xfrm>
         </p:spPr>
         <p:txBody>
@@ -1831,16 +2188,22 @@
         </p:nvSpPr>
         <p:spPr>
           <a:xfrm>
-            <a:off x="629842" y="1681163"/>
-            <a:ext cx="3868340" cy="823912"/>
+            <a:off x="822960" y="1846052"/>
+            <a:ext cx="3703320" cy="736282"/>
           </a:xfrm>
         </p:spPr>
         <p:txBody>
-          <a:bodyPr anchor="b"/>
+          <a:bodyPr lIns="91440" rIns="91440" anchor="ctr">
+            <a:normAutofit/>
+          </a:bodyPr>
           <a:lstStyle>
             <a:lvl1pPr marL="0" indent="0">
               <a:buNone/>
-              <a:defRPr sz="2400" b="1"/>
+              <a:defRPr sz="2000" b="0" cap="all" baseline="0">
+                <a:solidFill>
+                  <a:schemeClr val="tx2"/>
+                </a:solidFill>
+              </a:defRPr>
             </a:lvl1pPr>
             <a:lvl2pPr marL="457200" indent="0">
               <a:buNone/>
@@ -1896,8 +2259,8 @@
         </p:nvSpPr>
         <p:spPr>
           <a:xfrm>
-            <a:off x="629842" y="2505075"/>
-            <a:ext cx="3868340" cy="3684588"/>
+            <a:off x="822960" y="2582334"/>
+            <a:ext cx="3703320" cy="3286760"/>
           </a:xfrm>
         </p:spPr>
         <p:txBody>
@@ -1953,16 +2316,22 @@
         </p:nvSpPr>
         <p:spPr>
           <a:xfrm>
-            <a:off x="4629150" y="1681163"/>
-            <a:ext cx="3887391" cy="823912"/>
+            <a:off x="4663440" y="1846052"/>
+            <a:ext cx="3703320" cy="736282"/>
           </a:xfrm>
         </p:spPr>
         <p:txBody>
-          <a:bodyPr anchor="b"/>
+          <a:bodyPr lIns="91440" rIns="91440" anchor="ctr">
+            <a:normAutofit/>
+          </a:bodyPr>
           <a:lstStyle>
             <a:lvl1pPr marL="0" indent="0">
               <a:buNone/>
-              <a:defRPr sz="2400" b="1"/>
+              <a:defRPr sz="2000" b="0" cap="all" baseline="0">
+                <a:solidFill>
+                  <a:schemeClr val="tx2"/>
+                </a:solidFill>
+              </a:defRPr>
             </a:lvl1pPr>
             <a:lvl2pPr marL="457200" indent="0">
               <a:buNone/>
@@ -2018,8 +2387,8 @@
         </p:nvSpPr>
         <p:spPr>
           <a:xfrm>
-            <a:off x="4629150" y="2505075"/>
-            <a:ext cx="3887391" cy="3684588"/>
+            <a:off x="4663440" y="2582334"/>
+            <a:ext cx="3703320" cy="3286760"/>
           </a:xfrm>
         </p:spPr>
         <p:txBody>
@@ -2131,7 +2500,7 @@
     </p:spTree>
     <p:extLst>
       <p:ext uri="{BB962C8B-B14F-4D97-AF65-F5344CB8AC3E}">
-        <p14:creationId xmlns:p14="http://schemas.microsoft.com/office/powerpoint/2010/main" val="2950327402"/>
+        <p14:creationId xmlns:p14="http://schemas.microsoft.com/office/powerpoint/2010/main" val="2200612115"/>
       </p:ext>
     </p:extLst>
   </p:cSld>
@@ -2249,7 +2618,7 @@
     </p:spTree>
     <p:extLst>
       <p:ext uri="{BB962C8B-B14F-4D97-AF65-F5344CB8AC3E}">
-        <p14:creationId xmlns:p14="http://schemas.microsoft.com/office/powerpoint/2010/main" val="1903201737"/>
+        <p14:creationId xmlns:p14="http://schemas.microsoft.com/office/powerpoint/2010/main" val="338847848"/>
       </p:ext>
     </p:extLst>
   </p:cSld>
@@ -2260,7 +2629,7 @@
 </file>
 
 <file path=ppt/slideLayouts/slideLayout7.xml><?xml version="1.0" encoding="utf-8"?>
-<p:sldLayout xmlns:a="http://schemas.openxmlformats.org/drawingml/2006/main" xmlns:r="http://schemas.openxmlformats.org/officeDocument/2006/relationships" xmlns:p="http://schemas.openxmlformats.org/presentationml/2006/main" type="blank" preserve="1">
+<p:sldLayout xmlns:a="http://schemas.openxmlformats.org/drawingml/2006/main" xmlns:r="http://schemas.openxmlformats.org/officeDocument/2006/relationships" xmlns:p="http://schemas.openxmlformats.org/presentationml/2006/main" showMasterSp="0" type="blank" preserve="1">
   <p:cSld name="Blank">
     <p:spTree>
       <p:nvGrpSpPr>
@@ -2278,7 +2647,83 @@
       </p:grpSpPr>
       <p:sp>
         <p:nvSpPr>
-          <p:cNvPr id="2" name="Date Placeholder 1"/>
+          <p:cNvPr id="5" name="Rectangle 4"/>
+          <p:cNvSpPr/>
+          <p:nvPr/>
+        </p:nvSpPr>
+        <p:spPr>
+          <a:xfrm>
+            <a:off x="2382" y="6400800"/>
+            <a:ext cx="9141619" cy="457200"/>
+          </a:xfrm>
+          <a:prstGeom prst="rect">
+            <a:avLst/>
+          </a:prstGeom>
+          <a:solidFill>
+            <a:schemeClr val="accent2"/>
+          </a:solidFill>
+          <a:ln>
+            <a:noFill/>
+          </a:ln>
+        </p:spPr>
+        <p:style>
+          <a:lnRef idx="2">
+            <a:schemeClr val="accent1">
+              <a:shade val="50000"/>
+            </a:schemeClr>
+          </a:lnRef>
+          <a:fillRef idx="1">
+            <a:schemeClr val="accent1"/>
+          </a:fillRef>
+          <a:effectRef idx="0">
+            <a:schemeClr val="accent1"/>
+          </a:effectRef>
+          <a:fontRef idx="minor">
+            <a:schemeClr val="lt1"/>
+          </a:fontRef>
+        </p:style>
+      </p:sp>
+      <p:sp>
+        <p:nvSpPr>
+          <p:cNvPr id="6" name="Rectangle 5"/>
+          <p:cNvSpPr/>
+          <p:nvPr/>
+        </p:nvSpPr>
+        <p:spPr>
+          <a:xfrm>
+            <a:off x="12" y="6334316"/>
+            <a:ext cx="9141619" cy="64008"/>
+          </a:xfrm>
+          <a:prstGeom prst="rect">
+            <a:avLst/>
+          </a:prstGeom>
+          <a:solidFill>
+            <a:schemeClr val="accent1"/>
+          </a:solidFill>
+          <a:ln>
+            <a:noFill/>
+          </a:ln>
+        </p:spPr>
+        <p:style>
+          <a:lnRef idx="2">
+            <a:schemeClr val="accent1">
+              <a:shade val="50000"/>
+            </a:schemeClr>
+          </a:lnRef>
+          <a:fillRef idx="1">
+            <a:schemeClr val="accent1"/>
+          </a:fillRef>
+          <a:effectRef idx="0">
+            <a:schemeClr val="accent1"/>
+          </a:effectRef>
+          <a:fontRef idx="minor">
+            <a:schemeClr val="lt1"/>
+          </a:fontRef>
+        </p:style>
+      </p:sp>
+      <p:sp>
+        <p:nvSpPr>
+          <p:cNvPr id="7" name="Date Placeholder 6"/>
           <p:cNvSpPr>
             <a:spLocks noGrp="1"/>
           </p:cNvSpPr>
@@ -2301,7 +2746,7 @@
       </p:sp>
       <p:sp>
         <p:nvSpPr>
-          <p:cNvPr id="3" name="Footer Placeholder 2"/>
+          <p:cNvPr id="8" name="Footer Placeholder 7"/>
           <p:cNvSpPr>
             <a:spLocks noGrp="1"/>
           </p:cNvSpPr>
@@ -2312,7 +2757,15 @@
         <p:spPr/>
         <p:txBody>
           <a:bodyPr/>
-          <a:lstStyle/>
+          <a:lstStyle>
+            <a:lvl1pPr>
+              <a:defRPr>
+                <a:solidFill>
+                  <a:srgbClr val="FFFFFF"/>
+                </a:solidFill>
+              </a:defRPr>
+            </a:lvl1pPr>
+          </a:lstStyle>
           <a:p>
             <a:endParaRPr lang="en-US"/>
           </a:p>
@@ -2320,7 +2773,7 @@
       </p:sp>
       <p:sp>
         <p:nvSpPr>
-          <p:cNvPr id="4" name="Slide Number Placeholder 3"/>
+          <p:cNvPr id="9" name="Slide Number Placeholder 8"/>
           <p:cNvSpPr>
             <a:spLocks noGrp="1"/>
           </p:cNvSpPr>
@@ -2344,7 +2797,7 @@
     </p:spTree>
     <p:extLst>
       <p:ext uri="{BB962C8B-B14F-4D97-AF65-F5344CB8AC3E}">
-        <p14:creationId xmlns:p14="http://schemas.microsoft.com/office/powerpoint/2010/main" val="459707908"/>
+        <p14:creationId xmlns:p14="http://schemas.microsoft.com/office/powerpoint/2010/main" val="2762553634"/>
       </p:ext>
     </p:extLst>
   </p:cSld>
@@ -2355,7 +2808,7 @@
 </file>
 
 <file path=ppt/slideLayouts/slideLayout8.xml><?xml version="1.0" encoding="utf-8"?>
-<p:sldLayout xmlns:a="http://schemas.openxmlformats.org/drawingml/2006/main" xmlns:r="http://schemas.openxmlformats.org/officeDocument/2006/relationships" xmlns:p="http://schemas.openxmlformats.org/presentationml/2006/main" type="objTx" preserve="1">
+<p:sldLayout xmlns:a="http://schemas.openxmlformats.org/drawingml/2006/main" xmlns:r="http://schemas.openxmlformats.org/officeDocument/2006/relationships" xmlns:p="http://schemas.openxmlformats.org/presentationml/2006/main" showMasterSp="0" type="objTx" preserve="1">
   <p:cSld name="Content with Caption">
     <p:spTree>
       <p:nvGrpSpPr>
@@ -2373,6 +2826,82 @@
       </p:grpSpPr>
       <p:sp>
         <p:nvSpPr>
+          <p:cNvPr id="8" name="Rectangle 7"/>
+          <p:cNvSpPr/>
+          <p:nvPr/>
+        </p:nvSpPr>
+        <p:spPr>
+          <a:xfrm>
+            <a:off x="13" y="0"/>
+            <a:ext cx="3038093" cy="6858000"/>
+          </a:xfrm>
+          <a:prstGeom prst="rect">
+            <a:avLst/>
+          </a:prstGeom>
+          <a:solidFill>
+            <a:schemeClr val="accent2"/>
+          </a:solidFill>
+          <a:ln>
+            <a:noFill/>
+          </a:ln>
+        </p:spPr>
+        <p:style>
+          <a:lnRef idx="2">
+            <a:schemeClr val="accent1">
+              <a:shade val="50000"/>
+            </a:schemeClr>
+          </a:lnRef>
+          <a:fillRef idx="1">
+            <a:schemeClr val="accent1"/>
+          </a:fillRef>
+          <a:effectRef idx="0">
+            <a:schemeClr val="accent1"/>
+          </a:effectRef>
+          <a:fontRef idx="minor">
+            <a:schemeClr val="lt1"/>
+          </a:fontRef>
+        </p:style>
+      </p:sp>
+      <p:sp>
+        <p:nvSpPr>
+          <p:cNvPr id="9" name="Rectangle 8"/>
+          <p:cNvSpPr/>
+          <p:nvPr/>
+        </p:nvSpPr>
+        <p:spPr>
+          <a:xfrm>
+            <a:off x="3030053" y="0"/>
+            <a:ext cx="48006" cy="6858000"/>
+          </a:xfrm>
+          <a:prstGeom prst="rect">
+            <a:avLst/>
+          </a:prstGeom>
+          <a:solidFill>
+            <a:schemeClr val="accent1"/>
+          </a:solidFill>
+          <a:ln>
+            <a:noFill/>
+          </a:ln>
+        </p:spPr>
+        <p:style>
+          <a:lnRef idx="2">
+            <a:schemeClr val="accent1">
+              <a:shade val="50000"/>
+            </a:schemeClr>
+          </a:lnRef>
+          <a:fillRef idx="1">
+            <a:schemeClr val="accent1"/>
+          </a:fillRef>
+          <a:effectRef idx="0">
+            <a:schemeClr val="accent1"/>
+          </a:effectRef>
+          <a:fontRef idx="minor">
+            <a:schemeClr val="lt1"/>
+          </a:fontRef>
+        </p:style>
+      </p:sp>
+      <p:sp>
+        <p:nvSpPr>
           <p:cNvPr id="2" name="Title 1"/>
           <p:cNvSpPr>
             <a:spLocks noGrp="1"/>
@@ -2383,15 +2912,21 @@
         </p:nvSpPr>
         <p:spPr>
           <a:xfrm>
-            <a:off x="629841" y="457200"/>
-            <a:ext cx="2949178" cy="1600200"/>
+            <a:off x="342900" y="594359"/>
+            <a:ext cx="2400300" cy="2286000"/>
           </a:xfrm>
         </p:spPr>
         <p:txBody>
-          <a:bodyPr anchor="b"/>
+          <a:bodyPr anchor="b">
+            <a:normAutofit/>
+          </a:bodyPr>
           <a:lstStyle>
             <a:lvl1pPr>
-              <a:defRPr sz="3200"/>
+              <a:defRPr sz="3600" b="0">
+                <a:solidFill>
+                  <a:srgbClr val="FFFFFF"/>
+                </a:solidFill>
+              </a:defRPr>
             </a:lvl1pPr>
           </a:lstStyle>
           <a:p>
@@ -2415,41 +2950,13 @@
         </p:nvSpPr>
         <p:spPr>
           <a:xfrm>
-            <a:off x="3887391" y="987426"/>
-            <a:ext cx="4629150" cy="4873625"/>
+            <a:off x="3460237" y="731520"/>
+            <a:ext cx="5009393" cy="5257800"/>
           </a:xfrm>
         </p:spPr>
         <p:txBody>
           <a:bodyPr/>
-          <a:lstStyle>
-            <a:lvl1pPr>
-              <a:defRPr sz="3200"/>
-            </a:lvl1pPr>
-            <a:lvl2pPr>
-              <a:defRPr sz="2800"/>
-            </a:lvl2pPr>
-            <a:lvl3pPr>
-              <a:defRPr sz="2400"/>
-            </a:lvl3pPr>
-            <a:lvl4pPr>
-              <a:defRPr sz="2000"/>
-            </a:lvl4pPr>
-            <a:lvl5pPr>
-              <a:defRPr sz="2000"/>
-            </a:lvl5pPr>
-            <a:lvl6pPr>
-              <a:defRPr sz="2000"/>
-            </a:lvl6pPr>
-            <a:lvl7pPr>
-              <a:defRPr sz="2000"/>
-            </a:lvl7pPr>
-            <a:lvl8pPr>
-              <a:defRPr sz="2000"/>
-            </a:lvl8pPr>
-            <a:lvl9pPr>
-              <a:defRPr sz="2000"/>
-            </a:lvl9pPr>
-          </a:lstStyle>
+          <a:lstStyle/>
           <a:p>
             <a:pPr lvl="0"/>
             <a:r>
@@ -2500,48 +3007,54 @@
         </p:nvSpPr>
         <p:spPr>
           <a:xfrm>
-            <a:off x="629841" y="2057400"/>
-            <a:ext cx="2949178" cy="3811588"/>
+            <a:off x="342900" y="2926080"/>
+            <a:ext cx="2400300" cy="3379124"/>
           </a:xfrm>
         </p:spPr>
         <p:txBody>
-          <a:bodyPr/>
+          <a:bodyPr lIns="91440" rIns="91440">
+            <a:normAutofit/>
+          </a:bodyPr>
           <a:lstStyle>
             <a:lvl1pPr marL="0" indent="0">
               <a:buNone/>
-              <a:defRPr sz="1600"/>
+              <a:defRPr sz="1500">
+                <a:solidFill>
+                  <a:srgbClr val="FFFFFF"/>
+                </a:solidFill>
+              </a:defRPr>
             </a:lvl1pPr>
             <a:lvl2pPr marL="457200" indent="0">
               <a:buNone/>
-              <a:defRPr sz="1400"/>
+              <a:defRPr sz="1200"/>
             </a:lvl2pPr>
             <a:lvl3pPr marL="914400" indent="0">
               <a:buNone/>
-              <a:defRPr sz="1200"/>
+              <a:defRPr sz="1000"/>
             </a:lvl3pPr>
             <a:lvl4pPr marL="1371600" indent="0">
               <a:buNone/>
-              <a:defRPr sz="1000"/>
+              <a:defRPr sz="900"/>
             </a:lvl4pPr>
             <a:lvl5pPr marL="1828800" indent="0">
               <a:buNone/>
-              <a:defRPr sz="1000"/>
+              <a:defRPr sz="900"/>
             </a:lvl5pPr>
             <a:lvl6pPr marL="2286000" indent="0">
               <a:buNone/>
-              <a:defRPr sz="1000"/>
+              <a:defRPr sz="900"/>
             </a:lvl6pPr>
             <a:lvl7pPr marL="2743200" indent="0">
               <a:buNone/>
-              <a:defRPr sz="1000"/>
+              <a:defRPr sz="900"/>
             </a:lvl7pPr>
             <a:lvl8pPr marL="3200400" indent="0">
               <a:buNone/>
-              <a:defRPr sz="1000"/>
+              <a:defRPr sz="900"/>
             </a:lvl8pPr>
             <a:lvl9pPr marL="3657600" indent="0">
               <a:buNone/>
-              <a:defRPr sz="1000"/>
+              <a:defRPr sz="900"/>
             </a:lvl9pPr>
           </a:lstStyle>
           <a:p>
@@ -2563,10 +3076,19 @@
             <p:ph type="dt" sz="half" idx="10"/>
           </p:nvPr>
         </p:nvSpPr>
-        <p:spPr/>
+        <p:spPr>
+          <a:xfrm>
+            <a:off x="349134" y="6459786"/>
+            <a:ext cx="1963883" cy="365125"/>
+          </a:xfrm>
+        </p:spPr>
         <p:txBody>
           <a:bodyPr/>
-          <a:lstStyle/>
+          <a:lstStyle>
+            <a:lvl1pPr algn="l">
+              <a:defRPr/>
+            </a:lvl1pPr>
+          </a:lstStyle>
           <a:p>
             <a:fld id="{92B1001D-5247-44CD-AF32-1CB9476F8346}" type="datetimeFigureOut">
               <a:rPr lang="en-US" smtClean="0"/>
@@ -2586,10 +3108,23 @@
             <p:ph type="ftr" sz="quarter" idx="11"/>
           </p:nvPr>
         </p:nvSpPr>
-        <p:spPr/>
+        <p:spPr>
+          <a:xfrm>
+            <a:off x="3600450" y="6459786"/>
+            <a:ext cx="3486150" cy="365125"/>
+          </a:xfrm>
+        </p:spPr>
         <p:txBody>
           <a:bodyPr/>
-          <a:lstStyle/>
+          <a:lstStyle>
+            <a:lvl1pPr algn="l">
+              <a:defRPr>
+                <a:solidFill>
+                  <a:schemeClr val="tx2"/>
+                </a:solidFill>
+              </a:defRPr>
+            </a:lvl1pPr>
+          </a:lstStyle>
           <a:p>
             <a:endParaRPr lang="en-US"/>
           </a:p>
@@ -2608,7 +3143,15 @@
         <p:spPr/>
         <p:txBody>
           <a:bodyPr/>
-          <a:lstStyle/>
+          <a:lstStyle>
+            <a:lvl1pPr>
+              <a:defRPr>
+                <a:solidFill>
+                  <a:schemeClr val="tx2"/>
+                </a:solidFill>
+              </a:defRPr>
+            </a:lvl1pPr>
+          </a:lstStyle>
           <a:p>
             <a:fld id="{425D1534-7DF6-43E4-BB30-9804D41E7FF2}" type="slidenum">
               <a:rPr lang="en-US" smtClean="0"/>
@@ -2621,7 +3164,7 @@
     </p:spTree>
     <p:extLst>
       <p:ext uri="{BB962C8B-B14F-4D97-AF65-F5344CB8AC3E}">
-        <p14:creationId xmlns:p14="http://schemas.microsoft.com/office/powerpoint/2010/main" val="1850109592"/>
+        <p14:creationId xmlns:p14="http://schemas.microsoft.com/office/powerpoint/2010/main" val="830757239"/>
       </p:ext>
     </p:extLst>
   </p:cSld>
@@ -2632,7 +3175,7 @@
 </file>
 
 <file path=ppt/slideLayouts/slideLayout9.xml><?xml version="1.0" encoding="utf-8"?>
-<p:sldLayout xmlns:a="http://schemas.openxmlformats.org/drawingml/2006/main" xmlns:r="http://schemas.openxmlformats.org/officeDocument/2006/relationships" xmlns:p="http://schemas.openxmlformats.org/presentationml/2006/main" type="picTx" preserve="1">
+<p:sldLayout xmlns:a="http://schemas.openxmlformats.org/drawingml/2006/main" xmlns:r="http://schemas.openxmlformats.org/officeDocument/2006/relationships" xmlns:p="http://schemas.openxmlformats.org/presentationml/2006/main" showMasterSp="0" type="picTx" preserve="1">
   <p:cSld name="Picture with Caption">
     <p:spTree>
       <p:nvGrpSpPr>
@@ -2650,6 +3193,82 @@
       </p:grpSpPr>
       <p:sp>
         <p:nvSpPr>
+          <p:cNvPr id="8" name="Rectangle 7"/>
+          <p:cNvSpPr/>
+          <p:nvPr/>
+        </p:nvSpPr>
+        <p:spPr>
+          <a:xfrm>
+            <a:off x="0" y="4953000"/>
+            <a:ext cx="9141619" cy="1905000"/>
+          </a:xfrm>
+          <a:prstGeom prst="rect">
+            <a:avLst/>
+          </a:prstGeom>
+          <a:solidFill>
+            <a:schemeClr val="accent2"/>
+          </a:solidFill>
+          <a:ln>
+            <a:noFill/>
+          </a:ln>
+        </p:spPr>
+        <p:style>
+          <a:lnRef idx="2">
+            <a:schemeClr val="accent1">
+              <a:shade val="50000"/>
+            </a:schemeClr>
+          </a:lnRef>
+          <a:fillRef idx="1">
+            <a:schemeClr val="accent1"/>
+          </a:fillRef>
+          <a:effectRef idx="0">
+            <a:schemeClr val="accent1"/>
+          </a:effectRef>
+          <a:fontRef idx="minor">
+            <a:schemeClr val="lt1"/>
+          </a:fontRef>
+        </p:style>
+      </p:sp>
+      <p:sp>
+        <p:nvSpPr>
+          <p:cNvPr id="9" name="Rectangle 8"/>
+          <p:cNvSpPr/>
+          <p:nvPr/>
+        </p:nvSpPr>
+        <p:spPr>
+          <a:xfrm>
+            <a:off x="12" y="4915076"/>
+            <a:ext cx="9141619" cy="64008"/>
+          </a:xfrm>
+          <a:prstGeom prst="rect">
+            <a:avLst/>
+          </a:prstGeom>
+          <a:solidFill>
+            <a:schemeClr val="accent1"/>
+          </a:solidFill>
+          <a:ln>
+            <a:noFill/>
+          </a:ln>
+        </p:spPr>
+        <p:style>
+          <a:lnRef idx="2">
+            <a:schemeClr val="accent1">
+              <a:shade val="50000"/>
+            </a:schemeClr>
+          </a:lnRef>
+          <a:fillRef idx="1">
+            <a:schemeClr val="accent1"/>
+          </a:fillRef>
+          <a:effectRef idx="0">
+            <a:schemeClr val="accent1"/>
+          </a:effectRef>
+          <a:fontRef idx="minor">
+            <a:schemeClr val="lt1"/>
+          </a:fontRef>
+        </p:style>
+      </p:sp>
+      <p:sp>
+        <p:nvSpPr>
           <p:cNvPr id="2" name="Title 1"/>
           <p:cNvSpPr>
             <a:spLocks noGrp="1"/>
@@ -2660,15 +3279,21 @@
         </p:nvSpPr>
         <p:spPr>
           <a:xfrm>
-            <a:off x="629841" y="457200"/>
-            <a:ext cx="2949178" cy="1600200"/>
+            <a:off x="822960" y="5074920"/>
+            <a:ext cx="7589520" cy="822960"/>
           </a:xfrm>
         </p:spPr>
         <p:txBody>
-          <a:bodyPr anchor="b"/>
+          <a:bodyPr tIns="0" bIns="0" anchor="b">
+            <a:noAutofit/>
+          </a:bodyPr>
           <a:lstStyle>
             <a:lvl1pPr>
-              <a:defRPr sz="3200"/>
+              <a:defRPr sz="3600" b="0">
+                <a:solidFill>
+                  <a:srgbClr val="FFFFFF"/>
+                </a:solidFill>
+              </a:defRPr>
             </a:lvl1pPr>
           </a:lstStyle>
           <a:p>
@@ -2692,16 +3317,26 @@
         </p:nvSpPr>
         <p:spPr>
           <a:xfrm>
-            <a:off x="3887391" y="987426"/>
-            <a:ext cx="4629150" cy="4873625"/>
+            <a:off x="12" y="0"/>
+            <a:ext cx="9143989" cy="4915076"/>
           </a:xfrm>
+          <a:blipFill>
+            <a:blip r:embed="rId2"/>
+            <a:stretch>
+              <a:fillRect/>
+            </a:stretch>
+          </a:blipFill>
         </p:spPr>
         <p:txBody>
-          <a:bodyPr anchor="t"/>
+          <a:bodyPr lIns="457200" tIns="457200" anchor="t"/>
           <a:lstStyle>
             <a:lvl1pPr marL="0" indent="0">
               <a:buNone/>
-              <a:defRPr sz="3200"/>
+              <a:defRPr sz="3200">
+                <a:solidFill>
+                  <a:schemeClr val="bg1"/>
+                </a:solidFill>
+              </a:defRPr>
             </a:lvl1pPr>
             <a:lvl2pPr marL="457200" indent="0">
               <a:buNone/>
@@ -2757,48 +3392,60 @@
         </p:nvSpPr>
         <p:spPr>
           <a:xfrm>
-            <a:off x="629841" y="2057400"/>
-            <a:ext cx="2949178" cy="3811588"/>
+            <a:off x="822959" y="5907024"/>
+            <a:ext cx="7589520" cy="594360"/>
           </a:xfrm>
         </p:spPr>
         <p:txBody>
-          <a:bodyPr/>
+          <a:bodyPr lIns="91440" tIns="0" rIns="91440" bIns="0">
+            <a:normAutofit/>
+          </a:bodyPr>
           <a:lstStyle>
             <a:lvl1pPr marL="0" indent="0">
+              <a:spcBef>
+                <a:spcPts val="0"/>
+              </a:spcBef>
+              <a:spcAft>
+                <a:spcPts val="600"/>
+              </a:spcAft>
               <a:buNone/>
-              <a:defRPr sz="1600"/>
+              <a:defRPr sz="1500">
+                <a:solidFill>
+                  <a:srgbClr val="FFFFFF"/>
+                </a:solidFill>
+              </a:defRPr>
             </a:lvl1pPr>
             <a:lvl2pPr marL="457200" indent="0">
               <a:buNone/>
-              <a:defRPr sz="1400"/>
+              <a:defRPr sz="1200"/>
             </a:lvl2pPr>
             <a:lvl3pPr marL="914400" indent="0">
               <a:buNone/>
-              <a:defRPr sz="1200"/>
+              <a:defRPr sz="1000"/>
             </a:lvl3pPr>
             <a:lvl4pPr marL="1371600" indent="0">
               <a:buNone/>
-              <a:defRPr sz="1000"/>
+              <a:defRPr sz="900"/>
             </a:lvl4pPr>
             <a:lvl5pPr marL="1828800" indent="0">
               <a:buNone/>
-              <a:defRPr sz="1000"/>
+              <a:defRPr sz="900"/>
             </a:lvl5pPr>
             <a:lvl6pPr marL="2286000" indent="0">
               <a:buNone/>
-              <a:defRPr sz="1000"/>
+              <a:defRPr sz="900"/>
             </a:lvl6pPr>
             <a:lvl7pPr marL="2743200" indent="0">
               <a:buNone/>
-              <a:defRPr sz="1000"/>
+              <a:defRPr sz="900"/>
             </a:lvl7pPr>
             <a:lvl8pPr marL="3200400" indent="0">
               <a:buNone/>
-              <a:defRPr sz="1000"/>
+              <a:defRPr sz="900"/>
             </a:lvl8pPr>
             <a:lvl9pPr marL="3657600" indent="0">
               <a:buNone/>
-              <a:defRPr sz="1000"/>
+              <a:defRPr sz="900"/>
             </a:lvl9pPr>
           </a:lstStyle>
           <a:p>
@@ -2848,7 +3495,7 @@
           <a:bodyPr/>
           <a:lstStyle/>
           <a:p>
-            <a:endParaRPr lang="en-US"/>
+            <a:endParaRPr lang="en-US" dirty="0"/>
           </a:p>
         </p:txBody>
       </p:sp>
@@ -2878,7 +3525,7 @@
     </p:spTree>
     <p:extLst>
       <p:ext uri="{BB962C8B-B14F-4D97-AF65-F5344CB8AC3E}">
-        <p14:creationId xmlns:p14="http://schemas.microsoft.com/office/powerpoint/2010/main" val="3927805578"/>
+        <p14:creationId xmlns:p14="http://schemas.microsoft.com/office/powerpoint/2010/main" val="1597741934"/>
       </p:ext>
     </p:extLst>
   </p:cSld>
@@ -2912,6 +3559,82 @@
       </p:grpSpPr>
       <p:sp>
         <p:nvSpPr>
+          <p:cNvPr id="7" name="Rectangle 6"/>
+          <p:cNvSpPr/>
+          <p:nvPr/>
+        </p:nvSpPr>
+        <p:spPr>
+          <a:xfrm>
+            <a:off x="0" y="6400800"/>
+            <a:ext cx="9144001" cy="457200"/>
+          </a:xfrm>
+          <a:prstGeom prst="rect">
+            <a:avLst/>
+          </a:prstGeom>
+          <a:solidFill>
+            <a:schemeClr val="accent2"/>
+          </a:solidFill>
+          <a:ln>
+            <a:noFill/>
+          </a:ln>
+        </p:spPr>
+        <p:style>
+          <a:lnRef idx="2">
+            <a:schemeClr val="accent1">
+              <a:shade val="50000"/>
+            </a:schemeClr>
+          </a:lnRef>
+          <a:fillRef idx="1">
+            <a:schemeClr val="accent1"/>
+          </a:fillRef>
+          <a:effectRef idx="0">
+            <a:schemeClr val="accent1"/>
+          </a:effectRef>
+          <a:fontRef idx="minor">
+            <a:schemeClr val="lt1"/>
+          </a:fontRef>
+        </p:style>
+      </p:sp>
+      <p:sp>
+        <p:nvSpPr>
+          <p:cNvPr id="9" name="Rectangle 8"/>
+          <p:cNvSpPr/>
+          <p:nvPr/>
+        </p:nvSpPr>
+        <p:spPr>
+          <a:xfrm>
+            <a:off x="0" y="6334315"/>
+            <a:ext cx="9144001" cy="65999"/>
+          </a:xfrm>
+          <a:prstGeom prst="rect">
+            <a:avLst/>
+          </a:prstGeom>
+          <a:solidFill>
+            <a:schemeClr val="accent1"/>
+          </a:solidFill>
+          <a:ln>
+            <a:noFill/>
+          </a:ln>
+        </p:spPr>
+        <p:style>
+          <a:lnRef idx="2">
+            <a:schemeClr val="accent1">
+              <a:shade val="50000"/>
+            </a:schemeClr>
+          </a:lnRef>
+          <a:fillRef idx="1">
+            <a:schemeClr val="accent1"/>
+          </a:fillRef>
+          <a:effectRef idx="0">
+            <a:schemeClr val="accent1"/>
+          </a:effectRef>
+          <a:fontRef idx="minor">
+            <a:schemeClr val="lt1"/>
+          </a:fontRef>
+        </p:style>
+      </p:sp>
+      <p:sp>
+        <p:nvSpPr>
           <p:cNvPr id="2" name="Title Placeholder 1"/>
           <p:cNvSpPr>
             <a:spLocks noGrp="1"/>
@@ -2922,15 +3645,15 @@
         </p:nvSpPr>
         <p:spPr>
           <a:xfrm>
-            <a:off x="628650" y="365126"/>
-            <a:ext cx="7886700" cy="1325563"/>
+            <a:off x="822960" y="286604"/>
+            <a:ext cx="7543800" cy="1450757"/>
           </a:xfrm>
           <a:prstGeom prst="rect">
             <a:avLst/>
           </a:prstGeom>
         </p:spPr>
         <p:txBody>
-          <a:bodyPr vert="horz" lIns="91440" tIns="45720" rIns="91440" bIns="45720" rtlCol="0" anchor="ctr">
+          <a:bodyPr vert="horz" lIns="91440" tIns="45720" rIns="91440" bIns="45720" rtlCol="0" anchor="b">
             <a:normAutofit/>
           </a:bodyPr>
           <a:lstStyle/>
@@ -2955,15 +3678,15 @@
         </p:nvSpPr>
         <p:spPr>
           <a:xfrm>
-            <a:off x="628650" y="1825625"/>
-            <a:ext cx="7886700" cy="4351338"/>
+            <a:off x="822959" y="1845734"/>
+            <a:ext cx="7543801" cy="4023360"/>
           </a:xfrm>
           <a:prstGeom prst="rect">
             <a:avLst/>
           </a:prstGeom>
         </p:spPr>
         <p:txBody>
-          <a:bodyPr vert="horz" lIns="91440" tIns="45720" rIns="91440" bIns="45720" rtlCol="0">
+          <a:bodyPr vert="horz" lIns="0" tIns="45720" rIns="0" bIns="45720" rtlCol="0">
             <a:normAutofit/>
           </a:bodyPr>
           <a:lstStyle/>
@@ -3017,8 +3740,8 @@
         </p:nvSpPr>
         <p:spPr>
           <a:xfrm>
-            <a:off x="628650" y="6356351"/>
-            <a:ext cx="2057400" cy="365125"/>
+            <a:off x="822961" y="6459786"/>
+            <a:ext cx="1854203" cy="365125"/>
           </a:xfrm>
           <a:prstGeom prst="rect">
             <a:avLst/>
@@ -3028,11 +3751,9 @@
           <a:bodyPr vert="horz" lIns="91440" tIns="45720" rIns="91440" bIns="45720" rtlCol="0" anchor="ctr"/>
           <a:lstStyle>
             <a:lvl1pPr algn="l">
-              <a:defRPr sz="1200">
+              <a:defRPr sz="900">
                 <a:solidFill>
-                  <a:schemeClr val="tx1">
-                    <a:tint val="75000"/>
-                  </a:schemeClr>
+                  <a:srgbClr val="FFFFFF"/>
                 </a:solidFill>
               </a:defRPr>
             </a:lvl1pPr>
@@ -3058,8 +3779,8 @@
         </p:nvSpPr>
         <p:spPr>
           <a:xfrm>
-            <a:off x="3028950" y="6356351"/>
-            <a:ext cx="3086100" cy="365125"/>
+            <a:off x="2764639" y="6459786"/>
+            <a:ext cx="3617103" cy="365125"/>
           </a:xfrm>
           <a:prstGeom prst="rect">
             <a:avLst/>
@@ -3069,11 +3790,9 @@
           <a:bodyPr vert="horz" lIns="91440" tIns="45720" rIns="91440" bIns="45720" rtlCol="0" anchor="ctr"/>
           <a:lstStyle>
             <a:lvl1pPr algn="ctr">
-              <a:defRPr sz="1200">
+              <a:defRPr sz="900" cap="all" baseline="0">
                 <a:solidFill>
-                  <a:schemeClr val="tx1">
-                    <a:tint val="75000"/>
-                  </a:schemeClr>
+                  <a:srgbClr val="FFFFFF"/>
                 </a:solidFill>
               </a:defRPr>
             </a:lvl1pPr>
@@ -3095,8 +3814,8 @@
         </p:nvSpPr>
         <p:spPr>
           <a:xfrm>
-            <a:off x="6457950" y="6356351"/>
-            <a:ext cx="2057400" cy="365125"/>
+            <a:off x="7425344" y="6459786"/>
+            <a:ext cx="984019" cy="365125"/>
           </a:xfrm>
           <a:prstGeom prst="rect">
             <a:avLst/>
@@ -3106,11 +3825,9 @@
           <a:bodyPr vert="horz" lIns="91440" tIns="45720" rIns="91440" bIns="45720" rtlCol="0" anchor="ctr"/>
           <a:lstStyle>
             <a:lvl1pPr algn="r">
-              <a:defRPr sz="1200">
+              <a:defRPr sz="1050">
                 <a:solidFill>
-                  <a:schemeClr val="tx1">
-                    <a:tint val="75000"/>
-                  </a:schemeClr>
+                  <a:srgbClr val="FFFFFF"/>
                 </a:solidFill>
               </a:defRPr>
             </a:lvl1pPr>
@@ -3124,40 +3841,81 @@
           </a:p>
         </p:txBody>
       </p:sp>
+      <p:cxnSp>
+        <p:nvCxnSpPr>
+          <p:cNvPr id="10" name="Straight Connector 9"/>
+          <p:cNvCxnSpPr/>
+          <p:nvPr/>
+        </p:nvCxnSpPr>
+        <p:spPr>
+          <a:xfrm>
+            <a:off x="895149" y="1737845"/>
+            <a:ext cx="7475220" cy="0"/>
+          </a:xfrm>
+          <a:prstGeom prst="line">
+            <a:avLst/>
+          </a:prstGeom>
+          <a:ln w="6350">
+            <a:solidFill>
+              <a:schemeClr val="tx1">
+                <a:lumMod val="50000"/>
+                <a:lumOff val="50000"/>
+              </a:schemeClr>
+            </a:solidFill>
+          </a:ln>
+        </p:spPr>
+        <p:style>
+          <a:lnRef idx="1">
+            <a:schemeClr val="accent1"/>
+          </a:lnRef>
+          <a:fillRef idx="0">
+            <a:schemeClr val="accent1"/>
+          </a:fillRef>
+          <a:effectRef idx="0">
+            <a:schemeClr val="accent1"/>
+          </a:effectRef>
+          <a:fontRef idx="minor">
+            <a:schemeClr val="tx1"/>
+          </a:fontRef>
+        </p:style>
+      </p:cxnSp>
     </p:spTree>
     <p:extLst>
       <p:ext uri="{BB962C8B-B14F-4D97-AF65-F5344CB8AC3E}">
-        <p14:creationId xmlns:p14="http://schemas.microsoft.com/office/powerpoint/2010/main" val="1691747207"/>
+        <p14:creationId xmlns:p14="http://schemas.microsoft.com/office/powerpoint/2010/main" val="4028736493"/>
       </p:ext>
     </p:extLst>
   </p:cSld>
   <p:clrMap bg1="lt1" tx1="dk1" bg2="lt2" tx2="dk2" accent1="accent1" accent2="accent2" accent3="accent3" accent4="accent4" accent5="accent5" accent6="accent6" hlink="hlink" folHlink="folHlink"/>
   <p:sldLayoutIdLst>
-    <p:sldLayoutId id="2147483661" r:id="rId1"/>
-    <p:sldLayoutId id="2147483662" r:id="rId2"/>
-    <p:sldLayoutId id="2147483663" r:id="rId3"/>
-    <p:sldLayoutId id="2147483664" r:id="rId4"/>
-    <p:sldLayoutId id="2147483665" r:id="rId5"/>
-    <p:sldLayoutId id="2147483666" r:id="rId6"/>
-    <p:sldLayoutId id="2147483667" r:id="rId7"/>
-    <p:sldLayoutId id="2147483668" r:id="rId8"/>
-    <p:sldLayoutId id="2147483669" r:id="rId9"/>
-    <p:sldLayoutId id="2147483670" r:id="rId10"/>
-    <p:sldLayoutId id="2147483671" r:id="rId11"/>
+    <p:sldLayoutId id="2147483704" r:id="rId1"/>
+    <p:sldLayoutId id="2147483705" r:id="rId2"/>
+    <p:sldLayoutId id="2147483706" r:id="rId3"/>
+    <p:sldLayoutId id="2147483707" r:id="rId4"/>
+    <p:sldLayoutId id="2147483708" r:id="rId5"/>
+    <p:sldLayoutId id="2147483709" r:id="rId6"/>
+    <p:sldLayoutId id="2147483710" r:id="rId7"/>
+    <p:sldLayoutId id="2147483711" r:id="rId8"/>
+    <p:sldLayoutId id="2147483712" r:id="rId9"/>
+    <p:sldLayoutId id="2147483713" r:id="rId10"/>
+    <p:sldLayoutId id="2147483714" r:id="rId11"/>
   </p:sldLayoutIdLst>
   <p:txStyles>
     <p:titleStyle>
       <a:lvl1pPr algn="l" defTabSz="914400" rtl="0" eaLnBrk="1" latinLnBrk="0" hangingPunct="1">
         <a:lnSpc>
-          <a:spcPct val="90000"/>
+          <a:spcPct val="85000"/>
         </a:lnSpc>
         <a:spcBef>
           <a:spcPct val="0"/>
         </a:spcBef>
         <a:buNone/>
-        <a:defRPr sz="4400" kern="1200">
+        <a:defRPr sz="4800" kern="1200" spc="-50" baseline="0">
           <a:solidFill>
-            <a:schemeClr val="tx1"/>
+            <a:schemeClr val="tx1">
+              <a:lumMod val="75000"/>
+              <a:lumOff val="25000"/>
+            </a:schemeClr>
           </a:solidFill>
           <a:latin typeface="+mj-lt"/>
           <a:ea typeface="+mj-ea"/>
@@ -3166,162 +3924,244 @@
       </a:lvl1pPr>
     </p:titleStyle>
     <p:bodyStyle>
-      <a:lvl1pPr marL="228600" indent="-228600" algn="l" defTabSz="914400" rtl="0" eaLnBrk="1" latinLnBrk="0" hangingPunct="1">
+      <a:lvl1pPr marL="91440" indent="-91440" algn="l" defTabSz="914400" rtl="0" eaLnBrk="1" latinLnBrk="0" hangingPunct="1">
         <a:lnSpc>
           <a:spcPct val="90000"/>
         </a:lnSpc>
         <a:spcBef>
-          <a:spcPts val="1000"/>
+          <a:spcPts val="1200"/>
         </a:spcBef>
-        <a:buFont typeface="Arial" panose="020B0604020202020204" pitchFamily="34" charset="0"/>
-        <a:buChar char="•"/>
-        <a:defRPr sz="2800" kern="1200">
+        <a:spcAft>
+          <a:spcPts val="200"/>
+        </a:spcAft>
+        <a:buClr>
+          <a:schemeClr val="accent1"/>
+        </a:buClr>
+        <a:buSzPct val="100000"/>
+        <a:buFont typeface="Calibri" panose="020F0502020204030204" pitchFamily="34" charset="0"/>
+        <a:buChar char=" "/>
+        <a:defRPr sz="2000" kern="1200">
           <a:solidFill>
-            <a:schemeClr val="tx1"/>
+            <a:schemeClr val="tx1">
+              <a:lumMod val="75000"/>
+              <a:lumOff val="25000"/>
+            </a:schemeClr>
           </a:solidFill>
           <a:latin typeface="+mn-lt"/>
           <a:ea typeface="+mn-ea"/>
           <a:cs typeface="+mn-cs"/>
         </a:defRPr>
       </a:lvl1pPr>
-      <a:lvl2pPr marL="685800" indent="-228600" algn="l" defTabSz="914400" rtl="0" eaLnBrk="1" latinLnBrk="0" hangingPunct="1">
+      <a:lvl2pPr marL="384048" indent="-182880" algn="l" defTabSz="914400" rtl="0" eaLnBrk="1" latinLnBrk="0" hangingPunct="1">
         <a:lnSpc>
           <a:spcPct val="90000"/>
         </a:lnSpc>
         <a:spcBef>
-          <a:spcPts val="500"/>
+          <a:spcPts val="200"/>
         </a:spcBef>
-        <a:buFont typeface="Arial" panose="020B0604020202020204" pitchFamily="34" charset="0"/>
-        <a:buChar char="•"/>
-        <a:defRPr sz="2400" kern="1200">
+        <a:spcAft>
+          <a:spcPts val="400"/>
+        </a:spcAft>
+        <a:buClr>
+          <a:schemeClr val="accent1"/>
+        </a:buClr>
+        <a:buFont typeface="Calibri" pitchFamily="34" charset="0"/>
+        <a:buChar char="◦"/>
+        <a:defRPr sz="1800" kern="1200">
           <a:solidFill>
-            <a:schemeClr val="tx1"/>
+            <a:schemeClr val="tx1">
+              <a:lumMod val="75000"/>
+              <a:lumOff val="25000"/>
+            </a:schemeClr>
           </a:solidFill>
           <a:latin typeface="+mn-lt"/>
           <a:ea typeface="+mn-ea"/>
           <a:cs typeface="+mn-cs"/>
         </a:defRPr>
       </a:lvl2pPr>
-      <a:lvl3pPr marL="1143000" indent="-228600" algn="l" defTabSz="914400" rtl="0" eaLnBrk="1" latinLnBrk="0" hangingPunct="1">
+      <a:lvl3pPr marL="566928" indent="-182880" algn="l" defTabSz="914400" rtl="0" eaLnBrk="1" latinLnBrk="0" hangingPunct="1">
         <a:lnSpc>
           <a:spcPct val="90000"/>
         </a:lnSpc>
         <a:spcBef>
-          <a:spcPts val="500"/>
+          <a:spcPts val="200"/>
         </a:spcBef>
-        <a:buFont typeface="Arial" panose="020B0604020202020204" pitchFamily="34" charset="0"/>
-        <a:buChar char="•"/>
-        <a:defRPr sz="2000" kern="1200">
+        <a:spcAft>
+          <a:spcPts val="400"/>
+        </a:spcAft>
+        <a:buClr>
+          <a:schemeClr val="accent1"/>
+        </a:buClr>
+        <a:buFont typeface="Calibri" pitchFamily="34" charset="0"/>
+        <a:buChar char="◦"/>
+        <a:defRPr sz="1400" kern="1200">
           <a:solidFill>
-            <a:schemeClr val="tx1"/>
+            <a:schemeClr val="tx1">
+              <a:lumMod val="75000"/>
+              <a:lumOff val="25000"/>
+            </a:schemeClr>
           </a:solidFill>
           <a:latin typeface="+mn-lt"/>
           <a:ea typeface="+mn-ea"/>
           <a:cs typeface="+mn-cs"/>
         </a:defRPr>
       </a:lvl3pPr>
-      <a:lvl4pPr marL="1600200" indent="-228600" algn="l" defTabSz="914400" rtl="0" eaLnBrk="1" latinLnBrk="0" hangingPunct="1">
+      <a:lvl4pPr marL="749808" indent="-182880" algn="l" defTabSz="914400" rtl="0" eaLnBrk="1" latinLnBrk="0" hangingPunct="1">
         <a:lnSpc>
           <a:spcPct val="90000"/>
         </a:lnSpc>
         <a:spcBef>
-          <a:spcPts val="500"/>
+          <a:spcPts val="200"/>
         </a:spcBef>
-        <a:buFont typeface="Arial" panose="020B0604020202020204" pitchFamily="34" charset="0"/>
-        <a:buChar char="•"/>
-        <a:defRPr sz="1800" kern="1200">
+        <a:spcAft>
+          <a:spcPts val="400"/>
+        </a:spcAft>
+        <a:buClr>
+          <a:schemeClr val="accent1"/>
+        </a:buClr>
+        <a:buFont typeface="Calibri" pitchFamily="34" charset="0"/>
+        <a:buChar char="◦"/>
+        <a:defRPr sz="1400" kern="1200">
           <a:solidFill>
-            <a:schemeClr val="tx1"/>
+            <a:schemeClr val="tx1">
+              <a:lumMod val="75000"/>
+              <a:lumOff val="25000"/>
+            </a:schemeClr>
           </a:solidFill>
           <a:latin typeface="+mn-lt"/>
           <a:ea typeface="+mn-ea"/>
           <a:cs typeface="+mn-cs"/>
         </a:defRPr>
       </a:lvl4pPr>
-      <a:lvl5pPr marL="2057400" indent="-228600" algn="l" defTabSz="914400" rtl="0" eaLnBrk="1" latinLnBrk="0" hangingPunct="1">
+      <a:lvl5pPr marL="932688" indent="-182880" algn="l" defTabSz="914400" rtl="0" eaLnBrk="1" latinLnBrk="0" hangingPunct="1">
         <a:lnSpc>
           <a:spcPct val="90000"/>
         </a:lnSpc>
         <a:spcBef>
-          <a:spcPts val="500"/>
+          <a:spcPts val="200"/>
         </a:spcBef>
-        <a:buFont typeface="Arial" panose="020B0604020202020204" pitchFamily="34" charset="0"/>
-        <a:buChar char="•"/>
-        <a:defRPr sz="1800" kern="1200">
+        <a:spcAft>
+          <a:spcPts val="400"/>
+        </a:spcAft>
+        <a:buClr>
+          <a:schemeClr val="accent1"/>
+        </a:buClr>
+        <a:buFont typeface="Calibri" pitchFamily="34" charset="0"/>
+        <a:buChar char="◦"/>
+        <a:defRPr sz="1400" kern="1200">
           <a:solidFill>
-            <a:schemeClr val="tx1"/>
+            <a:schemeClr val="tx1">
+              <a:lumMod val="75000"/>
+              <a:lumOff val="25000"/>
+            </a:schemeClr>
           </a:solidFill>
           <a:latin typeface="+mn-lt"/>
           <a:ea typeface="+mn-ea"/>
           <a:cs typeface="+mn-cs"/>
         </a:defRPr>
       </a:lvl5pPr>
-      <a:lvl6pPr marL="2514600" indent="-228600" algn="l" defTabSz="914400" rtl="0" eaLnBrk="1" latinLnBrk="0" hangingPunct="1">
+      <a:lvl6pPr marL="1100000" indent="-228600" algn="l" defTabSz="914400" rtl="0" eaLnBrk="1" latinLnBrk="0" hangingPunct="1">
         <a:lnSpc>
           <a:spcPct val="90000"/>
         </a:lnSpc>
         <a:spcBef>
-          <a:spcPts val="500"/>
+          <a:spcPts val="200"/>
         </a:spcBef>
-        <a:buFont typeface="Arial" panose="020B0604020202020204" pitchFamily="34" charset="0"/>
-        <a:buChar char="•"/>
-        <a:defRPr sz="1800" kern="1200">
+        <a:spcAft>
+          <a:spcPts val="400"/>
+        </a:spcAft>
+        <a:buClr>
+          <a:schemeClr val="accent1"/>
+        </a:buClr>
+        <a:buFont typeface="Calibri" pitchFamily="34" charset="0"/>
+        <a:buChar char="◦"/>
+        <a:defRPr sz="1400" kern="1200">
           <a:solidFill>
-            <a:schemeClr val="tx1"/>
+            <a:schemeClr val="tx1">
+              <a:lumMod val="75000"/>
+              <a:lumOff val="25000"/>
+            </a:schemeClr>
           </a:solidFill>
           <a:latin typeface="+mn-lt"/>
           <a:ea typeface="+mn-ea"/>
           <a:cs typeface="+mn-cs"/>
         </a:defRPr>
       </a:lvl6pPr>
-      <a:lvl7pPr marL="2971800" indent="-228600" algn="l" defTabSz="914400" rtl="0" eaLnBrk="1" latinLnBrk="0" hangingPunct="1">
+      <a:lvl7pPr marL="1300000" indent="-228600" algn="l" defTabSz="914400" rtl="0" eaLnBrk="1" latinLnBrk="0" hangingPunct="1">
         <a:lnSpc>
           <a:spcPct val="90000"/>
         </a:lnSpc>
         <a:spcBef>
-          <a:spcPts val="500"/>
+          <a:spcPts val="200"/>
         </a:spcBef>
-        <a:buFont typeface="Arial" panose="020B0604020202020204" pitchFamily="34" charset="0"/>
-        <a:buChar char="•"/>
-        <a:defRPr sz="1800" kern="1200">
+        <a:spcAft>
+          <a:spcPts val="400"/>
+        </a:spcAft>
+        <a:buClr>
+          <a:schemeClr val="accent1"/>
+        </a:buClr>
+        <a:buFont typeface="Calibri" pitchFamily="34" charset="0"/>
+        <a:buChar char="◦"/>
+        <a:defRPr sz="1400" kern="1200">
           <a:solidFill>
-            <a:schemeClr val="tx1"/>
+            <a:schemeClr val="tx1">
+              <a:lumMod val="75000"/>
+              <a:lumOff val="25000"/>
+            </a:schemeClr>
           </a:solidFill>
           <a:latin typeface="+mn-lt"/>
           <a:ea typeface="+mn-ea"/>
           <a:cs typeface="+mn-cs"/>
         </a:defRPr>
       </a:lvl7pPr>
-      <a:lvl8pPr marL="3429000" indent="-228600" algn="l" defTabSz="914400" rtl="0" eaLnBrk="1" latinLnBrk="0" hangingPunct="1">
+      <a:lvl8pPr marL="1500000" indent="-228600" algn="l" defTabSz="914400" rtl="0" eaLnBrk="1" latinLnBrk="0" hangingPunct="1">
         <a:lnSpc>
           <a:spcPct val="90000"/>
         </a:lnSpc>
         <a:spcBef>
-          <a:spcPts val="500"/>
+          <a:spcPts val="200"/>
         </a:spcBef>
-        <a:buFont typeface="Arial" panose="020B0604020202020204" pitchFamily="34" charset="0"/>
-        <a:buChar char="•"/>
-        <a:defRPr sz="1800" kern="1200">
+        <a:spcAft>
+          <a:spcPts val="400"/>
+        </a:spcAft>
+        <a:buClr>
+          <a:schemeClr val="accent1"/>
+        </a:buClr>
+        <a:buFont typeface="Calibri" pitchFamily="34" charset="0"/>
+        <a:buChar char="◦"/>
+        <a:defRPr sz="1400" kern="1200">
           <a:solidFill>
-            <a:schemeClr val="tx1"/>
+            <a:schemeClr val="tx1">
+              <a:lumMod val="75000"/>
+              <a:lumOff val="25000"/>
+            </a:schemeClr>
           </a:solidFill>
           <a:latin typeface="+mn-lt"/>
           <a:ea typeface="+mn-ea"/>
           <a:cs typeface="+mn-cs"/>
         </a:defRPr>
       </a:lvl8pPr>
-      <a:lvl9pPr marL="3886200" indent="-228600" algn="l" defTabSz="914400" rtl="0" eaLnBrk="1" latinLnBrk="0" hangingPunct="1">
+      <a:lvl9pPr marL="1700000" indent="-228600" algn="l" defTabSz="914400" rtl="0" eaLnBrk="1" latinLnBrk="0" hangingPunct="1">
         <a:lnSpc>
           <a:spcPct val="90000"/>
         </a:lnSpc>
         <a:spcBef>
-          <a:spcPts val="500"/>
+          <a:spcPts val="200"/>
         </a:spcBef>
-        <a:buFont typeface="Arial" panose="020B0604020202020204" pitchFamily="34" charset="0"/>
-        <a:buChar char="•"/>
-        <a:defRPr sz="1800" kern="1200">
+        <a:spcAft>
+          <a:spcPts val="400"/>
+        </a:spcAft>
+        <a:buClr>
+          <a:schemeClr val="accent1"/>
+        </a:buClr>
+        <a:buFont typeface="Calibri" pitchFamily="34" charset="0"/>
+        <a:buChar char="◦"/>
+        <a:defRPr sz="1400" kern="1200">
           <a:solidFill>
-            <a:schemeClr val="tx1"/>
+            <a:schemeClr val="tx1">
+              <a:lumMod val="75000"/>
+              <a:lumOff val="25000"/>
+            </a:schemeClr>
           </a:solidFill>
           <a:latin typeface="+mn-lt"/>
           <a:ea typeface="+mn-ea"/>
@@ -3530,6 +4370,3237 @@
       </p:grpSpPr>
       <p:sp>
         <p:nvSpPr>
+          <p:cNvPr id="12" name="TextBox 11">
+            <a:extLst>
+              <a:ext uri="{FF2B5EF4-FFF2-40B4-BE49-F238E27FC236}">
+                <a16:creationId xmlns:a16="http://schemas.microsoft.com/office/drawing/2014/main" id="{9E68EDA2-44D1-4340-8EE8-3EBA957D1AD2}"/>
+              </a:ext>
+            </a:extLst>
+          </p:cNvPr>
+          <p:cNvSpPr txBox="1"/>
+          <p:nvPr/>
+        </p:nvSpPr>
+        <p:spPr>
+          <a:xfrm>
+            <a:off x="7976" y="75815"/>
+            <a:ext cx="9136024" cy="830997"/>
+          </a:xfrm>
+          <a:prstGeom prst="rect">
+            <a:avLst/>
+          </a:prstGeom>
+          <a:noFill/>
+        </p:spPr>
+        <p:txBody>
+          <a:bodyPr wrap="square" rtlCol="0">
+            <a:spAutoFit/>
+          </a:bodyPr>
+          <a:lstStyle/>
+          <a:p>
+            <a:pPr algn="ctr"/>
+            <a:r>
+              <a:rPr lang="en-US" sz="2400" dirty="0">
+                <a:latin typeface="Calibri" panose="020F0502020204030204" pitchFamily="34" charset="0"/>
+                <a:cs typeface="Calibri" panose="020F0502020204030204" pitchFamily="34" charset="0"/>
+              </a:rPr>
+              <a:t>Addressing Customer Churn in Cell2Cell’s Consumer Business</a:t>
+            </a:r>
+          </a:p>
+          <a:p>
+            <a:pPr algn="ctr"/>
+            <a:r>
+              <a:rPr lang="en-US" sz="2400" dirty="0">
+                <a:latin typeface="Calibri" panose="020F0502020204030204" pitchFamily="34" charset="0"/>
+                <a:cs typeface="Calibri" panose="020F0502020204030204" pitchFamily="34" charset="0"/>
+              </a:rPr>
+              <a:t>	What Factors and Customers Drive Customer Churn?  </a:t>
+            </a:r>
+          </a:p>
+        </p:txBody>
+      </p:sp>
+      <p:sp>
+        <p:nvSpPr>
+          <p:cNvPr id="28" name="Curved Up Arrow 26">
+            <a:extLst>
+              <a:ext uri="{FF2B5EF4-FFF2-40B4-BE49-F238E27FC236}">
+                <a16:creationId xmlns:a16="http://schemas.microsoft.com/office/drawing/2014/main" id="{CCE5588B-03A3-472D-834E-8FE8F6628C75}"/>
+              </a:ext>
+            </a:extLst>
+          </p:cNvPr>
+          <p:cNvSpPr/>
+          <p:nvPr/>
+        </p:nvSpPr>
+        <p:spPr bwMode="auto">
+          <a:xfrm rot="1670219">
+            <a:off x="115119" y="4539372"/>
+            <a:ext cx="3423357" cy="1307267"/>
+          </a:xfrm>
+          <a:prstGeom prst="curvedUpArrow">
+            <a:avLst>
+              <a:gd name="adj1" fmla="val 29573"/>
+              <a:gd name="adj2" fmla="val 50000"/>
+              <a:gd name="adj3" fmla="val 32585"/>
+            </a:avLst>
+          </a:prstGeom>
+          <a:solidFill>
+            <a:schemeClr val="bg1">
+              <a:lumMod val="85000"/>
+            </a:schemeClr>
+          </a:solidFill>
+          <a:ln w="9525" cap="flat" cmpd="sng" algn="ctr">
+            <a:noFill/>
+            <a:prstDash val="solid"/>
+            <a:round/>
+            <a:headEnd type="none" w="med" len="med"/>
+            <a:tailEnd type="none" w="med" len="med"/>
+          </a:ln>
+          <a:effectLst/>
+        </p:spPr>
+        <p:txBody>
+          <a:bodyPr vert="horz" wrap="square" lIns="91440" tIns="45720" rIns="91440" bIns="45720" numCol="1" rtlCol="0" anchor="ctr" anchorCtr="0" compatLnSpc="1">
+            <a:prstTxWarp prst="textNoShape">
+              <a:avLst/>
+            </a:prstTxWarp>
+          </a:bodyPr>
+          <a:lstStyle/>
+          <a:p>
+            <a:pPr marL="0" marR="0" indent="0" algn="l" defTabSz="914400" rtl="0" eaLnBrk="1" fontAlgn="base" latinLnBrk="0" hangingPunct="1">
+              <a:lnSpc>
+                <a:spcPct val="100000"/>
+              </a:lnSpc>
+              <a:spcBef>
+                <a:spcPct val="0"/>
+              </a:spcBef>
+              <a:spcAft>
+                <a:spcPct val="0"/>
+              </a:spcAft>
+              <a:buClrTx/>
+              <a:buSzTx/>
+              <a:buFontTx/>
+              <a:buNone/>
+              <a:tabLst/>
+            </a:pPr>
+            <a:endParaRPr kumimoji="0" lang="en-US" sz="900" b="0" i="0" u="none" strike="noStrike" cap="none" normalizeH="0" baseline="0">
+              <a:ln>
+                <a:noFill/>
+              </a:ln>
+              <a:solidFill>
+                <a:srgbClr val="000000"/>
+              </a:solidFill>
+              <a:effectLst/>
+              <a:latin typeface="Arial" charset="0"/>
+            </a:endParaRPr>
+          </a:p>
+        </p:txBody>
+      </p:sp>
+      <p:sp>
+        <p:nvSpPr>
+          <p:cNvPr id="30" name="Curved Up Arrow 22">
+            <a:extLst>
+              <a:ext uri="{FF2B5EF4-FFF2-40B4-BE49-F238E27FC236}">
+                <a16:creationId xmlns:a16="http://schemas.microsoft.com/office/drawing/2014/main" id="{8D1354F0-BC54-43B9-9E33-CFA191EBDFD1}"/>
+              </a:ext>
+            </a:extLst>
+          </p:cNvPr>
+          <p:cNvSpPr/>
+          <p:nvPr/>
+        </p:nvSpPr>
+        <p:spPr bwMode="auto">
+          <a:xfrm rot="1654190" flipV="1">
+            <a:off x="5639897" y="1758743"/>
+            <a:ext cx="2822132" cy="902392"/>
+          </a:xfrm>
+          <a:prstGeom prst="curvedUpArrow">
+            <a:avLst>
+              <a:gd name="adj1" fmla="val 38126"/>
+              <a:gd name="adj2" fmla="val 74588"/>
+              <a:gd name="adj3" fmla="val 40922"/>
+            </a:avLst>
+          </a:prstGeom>
+          <a:solidFill>
+            <a:schemeClr val="bg1">
+              <a:lumMod val="85000"/>
+            </a:schemeClr>
+          </a:solidFill>
+          <a:ln w="9525" cap="flat" cmpd="sng" algn="ctr">
+            <a:solidFill>
+              <a:schemeClr val="bg1">
+                <a:lumMod val="85000"/>
+              </a:schemeClr>
+            </a:solidFill>
+            <a:prstDash val="solid"/>
+            <a:round/>
+            <a:headEnd type="none" w="med" len="med"/>
+            <a:tailEnd type="none" w="med" len="med"/>
+          </a:ln>
+          <a:effectLst/>
+        </p:spPr>
+        <p:txBody>
+          <a:bodyPr vert="horz" wrap="square" lIns="91440" tIns="45720" rIns="91440" bIns="45720" numCol="1" rtlCol="0" anchor="ctr" anchorCtr="0" compatLnSpc="1">
+            <a:prstTxWarp prst="textNoShape">
+              <a:avLst/>
+            </a:prstTxWarp>
+          </a:bodyPr>
+          <a:lstStyle/>
+          <a:p>
+            <a:pPr marL="0" marR="0" indent="0" algn="l" defTabSz="914400" rtl="0" eaLnBrk="1" fontAlgn="base" latinLnBrk="0" hangingPunct="1">
+              <a:lnSpc>
+                <a:spcPct val="100000"/>
+              </a:lnSpc>
+              <a:spcBef>
+                <a:spcPct val="0"/>
+              </a:spcBef>
+              <a:spcAft>
+                <a:spcPct val="0"/>
+              </a:spcAft>
+              <a:buClrTx/>
+              <a:buSzTx/>
+              <a:buFontTx/>
+              <a:buNone/>
+              <a:tabLst/>
+            </a:pPr>
+            <a:endParaRPr kumimoji="0" lang="en-US" sz="900" b="0" i="0" u="none" strike="noStrike" cap="none" normalizeH="0" baseline="0">
+              <a:ln>
+                <a:noFill/>
+              </a:ln>
+              <a:solidFill>
+                <a:srgbClr val="000000"/>
+              </a:solidFill>
+              <a:effectLst/>
+              <a:latin typeface="Arial" charset="0"/>
+            </a:endParaRPr>
+          </a:p>
+        </p:txBody>
+      </p:sp>
+      <p:pic>
+        <p:nvPicPr>
+          <p:cNvPr id="32" name="Picture 8" descr="http://ironkettlebellfitness.com/wp-content/uploads/2011/08/stick_figure_gears_turning_800_clr.png">
+            <a:extLst>
+              <a:ext uri="{FF2B5EF4-FFF2-40B4-BE49-F238E27FC236}">
+                <a16:creationId xmlns:a16="http://schemas.microsoft.com/office/drawing/2014/main" id="{2655C735-6C9A-449F-A8D5-1F3E305A40C2}"/>
+              </a:ext>
+            </a:extLst>
+          </p:cNvPr>
+          <p:cNvPicPr>
+            <a:picLocks noChangeAspect="1" noChangeArrowheads="1"/>
+          </p:cNvPicPr>
+          <p:nvPr/>
+        </p:nvPicPr>
+        <p:blipFill>
+          <a:blip r:embed="rId2" cstate="print">
+            <a:extLst>
+              <a:ext uri="{28A0092B-C50C-407E-A947-70E740481C1C}">
+                <a14:useLocalDpi xmlns:a14="http://schemas.microsoft.com/office/drawing/2010/main" val="0"/>
+              </a:ext>
+            </a:extLst>
+          </a:blip>
+          <a:srcRect/>
+          <a:stretch>
+            <a:fillRect/>
+          </a:stretch>
+        </p:blipFill>
+        <p:spPr bwMode="auto">
+          <a:xfrm>
+            <a:off x="183171" y="2819400"/>
+            <a:ext cx="1600200" cy="1600200"/>
+          </a:xfrm>
+          <a:prstGeom prst="rect">
+            <a:avLst/>
+          </a:prstGeom>
+          <a:noFill/>
+          <a:extLst>
+            <a:ext uri="{909E8E84-426E-40DD-AFC4-6F175D3DCCD1}">
+              <a14:hiddenFill xmlns:a14="http://schemas.microsoft.com/office/drawing/2010/main">
+                <a:solidFill>
+                  <a:srgbClr val="FFFFFF"/>
+                </a:solidFill>
+              </a14:hiddenFill>
+            </a:ext>
+          </a:extLst>
+        </p:spPr>
+      </p:pic>
+      <p:pic>
+        <p:nvPicPr>
+          <p:cNvPr id="34" name="Picture 10" descr="http://www.najedaonlinemarketing.com/wp-content/uploads/2010/10/stick_figure_happy_laptop.jpg">
+            <a:extLst>
+              <a:ext uri="{FF2B5EF4-FFF2-40B4-BE49-F238E27FC236}">
+                <a16:creationId xmlns:a16="http://schemas.microsoft.com/office/drawing/2014/main" id="{3682F84C-A870-4FDF-A53A-C38545B003D8}"/>
+              </a:ext>
+            </a:extLst>
+          </p:cNvPr>
+          <p:cNvPicPr>
+            <a:picLocks noChangeAspect="1" noChangeArrowheads="1"/>
+          </p:cNvPicPr>
+          <p:nvPr/>
+        </p:nvPicPr>
+        <p:blipFill>
+          <a:blip r:embed="rId3">
+            <a:extLst>
+              <a:ext uri="{28A0092B-C50C-407E-A947-70E740481C1C}">
+                <a14:useLocalDpi xmlns:a14="http://schemas.microsoft.com/office/drawing/2010/main"/>
+              </a:ext>
+            </a:extLst>
+          </a:blip>
+          <a:srcRect/>
+          <a:stretch>
+            <a:fillRect/>
+          </a:stretch>
+        </p:blipFill>
+        <p:spPr bwMode="auto">
+          <a:xfrm>
+            <a:off x="6800083" y="3124200"/>
+            <a:ext cx="2346845" cy="2057400"/>
+          </a:xfrm>
+          <a:prstGeom prst="rect">
+            <a:avLst/>
+          </a:prstGeom>
+          <a:extLst>
+            <a:ext uri="{909E8E84-426E-40DD-AFC4-6F175D3DCCD1}">
+              <a14:hiddenFill xmlns:a14="http://schemas.microsoft.com/office/drawing/2010/main">
+                <a:solidFill>
+                  <a:srgbClr val="FFFFFF"/>
+                </a:solidFill>
+              </a14:hiddenFill>
+            </a:ext>
+          </a:extLst>
+        </p:spPr>
+      </p:pic>
+      <p:grpSp>
+        <p:nvGrpSpPr>
+          <p:cNvPr id="35" name="Group 34">
+            <a:extLst>
+              <a:ext uri="{FF2B5EF4-FFF2-40B4-BE49-F238E27FC236}">
+                <a16:creationId xmlns:a16="http://schemas.microsoft.com/office/drawing/2014/main" id="{8BBB46DC-A1D6-4D7D-98DB-CA03BB2D60C7}"/>
+              </a:ext>
+            </a:extLst>
+          </p:cNvPr>
+          <p:cNvGrpSpPr/>
+          <p:nvPr/>
+        </p:nvGrpSpPr>
+        <p:grpSpPr>
+          <a:xfrm>
+            <a:off x="2190256" y="1524000"/>
+            <a:ext cx="4518272" cy="4394644"/>
+            <a:chOff x="2362200" y="1701356"/>
+            <a:chExt cx="4518272" cy="4394644"/>
+          </a:xfrm>
+        </p:grpSpPr>
+        <p:grpSp>
+          <p:nvGrpSpPr>
+            <p:cNvPr id="36" name="Group 35">
+              <a:extLst>
+                <a:ext uri="{FF2B5EF4-FFF2-40B4-BE49-F238E27FC236}">
+                  <a16:creationId xmlns:a16="http://schemas.microsoft.com/office/drawing/2014/main" id="{31CA728E-1A04-463E-8B67-1C3066132065}"/>
+                </a:ext>
+              </a:extLst>
+            </p:cNvPr>
+            <p:cNvGrpSpPr/>
+            <p:nvPr/>
+          </p:nvGrpSpPr>
+          <p:grpSpPr>
+            <a:xfrm>
+              <a:off x="2362200" y="1701356"/>
+              <a:ext cx="3855563" cy="4394644"/>
+              <a:chOff x="4497612" y="855902"/>
+              <a:chExt cx="3855563" cy="4394644"/>
+            </a:xfrm>
+            <a:solidFill>
+              <a:schemeClr val="accent1"/>
+            </a:solidFill>
+          </p:grpSpPr>
+          <p:sp>
+            <p:nvSpPr>
+              <p:cNvPr id="38" name="Freeform 3">
+                <a:extLst>
+                  <a:ext uri="{FF2B5EF4-FFF2-40B4-BE49-F238E27FC236}">
+                    <a16:creationId xmlns:a16="http://schemas.microsoft.com/office/drawing/2014/main" id="{2F5C16A9-2721-48E7-8517-F439A8104E5B}"/>
+                  </a:ext>
+                </a:extLst>
+              </p:cNvPr>
+              <p:cNvSpPr/>
+              <p:nvPr/>
+            </p:nvSpPr>
+            <p:spPr>
+              <a:xfrm>
+                <a:off x="5703852" y="2017916"/>
+                <a:ext cx="1907541" cy="1803400"/>
+              </a:xfrm>
+              <a:custGeom>
+                <a:avLst/>
+                <a:gdLst>
+                  <a:gd name="connsiteX0" fmla="*/ 1209748 w 1704340"/>
+                  <a:gd name="connsiteY0" fmla="*/ 271737 h 1704340"/>
+                  <a:gd name="connsiteX1" fmla="*/ 1342318 w 1704340"/>
+                  <a:gd name="connsiteY1" fmla="*/ 160491 h 1704340"/>
+                  <a:gd name="connsiteX2" fmla="*/ 1448227 w 1704340"/>
+                  <a:gd name="connsiteY2" fmla="*/ 249359 h 1704340"/>
+                  <a:gd name="connsiteX3" fmla="*/ 1361692 w 1704340"/>
+                  <a:gd name="connsiteY3" fmla="*/ 399234 h 1704340"/>
+                  <a:gd name="connsiteX4" fmla="*/ 1499186 w 1704340"/>
+                  <a:gd name="connsiteY4" fmla="*/ 637380 h 1704340"/>
+                  <a:gd name="connsiteX5" fmla="*/ 1672248 w 1704340"/>
+                  <a:gd name="connsiteY5" fmla="*/ 637375 h 1704340"/>
+                  <a:gd name="connsiteX6" fmla="*/ 1696255 w 1704340"/>
+                  <a:gd name="connsiteY6" fmla="*/ 773528 h 1704340"/>
+                  <a:gd name="connsiteX7" fmla="*/ 1533628 w 1704340"/>
+                  <a:gd name="connsiteY7" fmla="*/ 832715 h 1704340"/>
+                  <a:gd name="connsiteX8" fmla="*/ 1485877 w 1704340"/>
+                  <a:gd name="connsiteY8" fmla="*/ 1103524 h 1704340"/>
+                  <a:gd name="connsiteX9" fmla="*/ 1618454 w 1704340"/>
+                  <a:gd name="connsiteY9" fmla="*/ 1214763 h 1704340"/>
+                  <a:gd name="connsiteX10" fmla="*/ 1549327 w 1704340"/>
+                  <a:gd name="connsiteY10" fmla="*/ 1334495 h 1704340"/>
+                  <a:gd name="connsiteX11" fmla="*/ 1386703 w 1704340"/>
+                  <a:gd name="connsiteY11" fmla="*/ 1275299 h 1704340"/>
+                  <a:gd name="connsiteX12" fmla="*/ 1176051 w 1704340"/>
+                  <a:gd name="connsiteY12" fmla="*/ 1452057 h 1704340"/>
+                  <a:gd name="connsiteX13" fmla="*/ 1206107 w 1704340"/>
+                  <a:gd name="connsiteY13" fmla="*/ 1622490 h 1704340"/>
+                  <a:gd name="connsiteX14" fmla="*/ 1076191 w 1704340"/>
+                  <a:gd name="connsiteY14" fmla="*/ 1669776 h 1704340"/>
+                  <a:gd name="connsiteX15" fmla="*/ 989664 w 1704340"/>
+                  <a:gd name="connsiteY15" fmla="*/ 1519897 h 1704340"/>
+                  <a:gd name="connsiteX16" fmla="*/ 714677 w 1704340"/>
+                  <a:gd name="connsiteY16" fmla="*/ 1519897 h 1704340"/>
+                  <a:gd name="connsiteX17" fmla="*/ 628149 w 1704340"/>
+                  <a:gd name="connsiteY17" fmla="*/ 1669776 h 1704340"/>
+                  <a:gd name="connsiteX18" fmla="*/ 498233 w 1704340"/>
+                  <a:gd name="connsiteY18" fmla="*/ 1622490 h 1704340"/>
+                  <a:gd name="connsiteX19" fmla="*/ 528289 w 1704340"/>
+                  <a:gd name="connsiteY19" fmla="*/ 1452058 h 1704340"/>
+                  <a:gd name="connsiteX20" fmla="*/ 317637 w 1704340"/>
+                  <a:gd name="connsiteY20" fmla="*/ 1275300 h 1704340"/>
+                  <a:gd name="connsiteX21" fmla="*/ 155013 w 1704340"/>
+                  <a:gd name="connsiteY21" fmla="*/ 1334495 h 1704340"/>
+                  <a:gd name="connsiteX22" fmla="*/ 85886 w 1704340"/>
+                  <a:gd name="connsiteY22" fmla="*/ 1214763 h 1704340"/>
+                  <a:gd name="connsiteX23" fmla="*/ 218463 w 1704340"/>
+                  <a:gd name="connsiteY23" fmla="*/ 1103524 h 1704340"/>
+                  <a:gd name="connsiteX24" fmla="*/ 170712 w 1704340"/>
+                  <a:gd name="connsiteY24" fmla="*/ 832715 h 1704340"/>
+                  <a:gd name="connsiteX25" fmla="*/ 8085 w 1704340"/>
+                  <a:gd name="connsiteY25" fmla="*/ 773528 h 1704340"/>
+                  <a:gd name="connsiteX26" fmla="*/ 32092 w 1704340"/>
+                  <a:gd name="connsiteY26" fmla="*/ 637375 h 1704340"/>
+                  <a:gd name="connsiteX27" fmla="*/ 205155 w 1704340"/>
+                  <a:gd name="connsiteY27" fmla="*/ 637379 h 1704340"/>
+                  <a:gd name="connsiteX28" fmla="*/ 342649 w 1704340"/>
+                  <a:gd name="connsiteY28" fmla="*/ 399233 h 1704340"/>
+                  <a:gd name="connsiteX29" fmla="*/ 256113 w 1704340"/>
+                  <a:gd name="connsiteY29" fmla="*/ 249359 h 1704340"/>
+                  <a:gd name="connsiteX30" fmla="*/ 362022 w 1704340"/>
+                  <a:gd name="connsiteY30" fmla="*/ 160491 h 1704340"/>
+                  <a:gd name="connsiteX31" fmla="*/ 494592 w 1704340"/>
+                  <a:gd name="connsiteY31" fmla="*/ 271737 h 1704340"/>
+                  <a:gd name="connsiteX32" fmla="*/ 752995 w 1704340"/>
+                  <a:gd name="connsiteY32" fmla="*/ 177686 h 1704340"/>
+                  <a:gd name="connsiteX33" fmla="*/ 783043 w 1704340"/>
+                  <a:gd name="connsiteY33" fmla="*/ 7252 h 1704340"/>
+                  <a:gd name="connsiteX34" fmla="*/ 921297 w 1704340"/>
+                  <a:gd name="connsiteY34" fmla="*/ 7252 h 1704340"/>
+                  <a:gd name="connsiteX35" fmla="*/ 951344 w 1704340"/>
+                  <a:gd name="connsiteY35" fmla="*/ 177686 h 1704340"/>
+                  <a:gd name="connsiteX36" fmla="*/ 1209747 w 1704340"/>
+                  <a:gd name="connsiteY36" fmla="*/ 271737 h 1704340"/>
+                  <a:gd name="connsiteX37" fmla="*/ 1209748 w 1704340"/>
+                  <a:gd name="connsiteY37" fmla="*/ 271737 h 1704340"/>
+                </a:gdLst>
+                <a:ahLst/>
+                <a:cxnLst>
+                  <a:cxn ang="0">
+                    <a:pos x="connsiteX0" y="connsiteY0"/>
+                  </a:cxn>
+                  <a:cxn ang="0">
+                    <a:pos x="connsiteX1" y="connsiteY1"/>
+                  </a:cxn>
+                  <a:cxn ang="0">
+                    <a:pos x="connsiteX2" y="connsiteY2"/>
+                  </a:cxn>
+                  <a:cxn ang="0">
+                    <a:pos x="connsiteX3" y="connsiteY3"/>
+                  </a:cxn>
+                  <a:cxn ang="0">
+                    <a:pos x="connsiteX4" y="connsiteY4"/>
+                  </a:cxn>
+                  <a:cxn ang="0">
+                    <a:pos x="connsiteX5" y="connsiteY5"/>
+                  </a:cxn>
+                  <a:cxn ang="0">
+                    <a:pos x="connsiteX6" y="connsiteY6"/>
+                  </a:cxn>
+                  <a:cxn ang="0">
+                    <a:pos x="connsiteX7" y="connsiteY7"/>
+                  </a:cxn>
+                  <a:cxn ang="0">
+                    <a:pos x="connsiteX8" y="connsiteY8"/>
+                  </a:cxn>
+                  <a:cxn ang="0">
+                    <a:pos x="connsiteX9" y="connsiteY9"/>
+                  </a:cxn>
+                  <a:cxn ang="0">
+                    <a:pos x="connsiteX10" y="connsiteY10"/>
+                  </a:cxn>
+                  <a:cxn ang="0">
+                    <a:pos x="connsiteX11" y="connsiteY11"/>
+                  </a:cxn>
+                  <a:cxn ang="0">
+                    <a:pos x="connsiteX12" y="connsiteY12"/>
+                  </a:cxn>
+                  <a:cxn ang="0">
+                    <a:pos x="connsiteX13" y="connsiteY13"/>
+                  </a:cxn>
+                  <a:cxn ang="0">
+                    <a:pos x="connsiteX14" y="connsiteY14"/>
+                  </a:cxn>
+                  <a:cxn ang="0">
+                    <a:pos x="connsiteX15" y="connsiteY15"/>
+                  </a:cxn>
+                  <a:cxn ang="0">
+                    <a:pos x="connsiteX16" y="connsiteY16"/>
+                  </a:cxn>
+                  <a:cxn ang="0">
+                    <a:pos x="connsiteX17" y="connsiteY17"/>
+                  </a:cxn>
+                  <a:cxn ang="0">
+                    <a:pos x="connsiteX18" y="connsiteY18"/>
+                  </a:cxn>
+                  <a:cxn ang="0">
+                    <a:pos x="connsiteX19" y="connsiteY19"/>
+                  </a:cxn>
+                  <a:cxn ang="0">
+                    <a:pos x="connsiteX20" y="connsiteY20"/>
+                  </a:cxn>
+                  <a:cxn ang="0">
+                    <a:pos x="connsiteX21" y="connsiteY21"/>
+                  </a:cxn>
+                  <a:cxn ang="0">
+                    <a:pos x="connsiteX22" y="connsiteY22"/>
+                  </a:cxn>
+                  <a:cxn ang="0">
+                    <a:pos x="connsiteX23" y="connsiteY23"/>
+                  </a:cxn>
+                  <a:cxn ang="0">
+                    <a:pos x="connsiteX24" y="connsiteY24"/>
+                  </a:cxn>
+                  <a:cxn ang="0">
+                    <a:pos x="connsiteX25" y="connsiteY25"/>
+                  </a:cxn>
+                  <a:cxn ang="0">
+                    <a:pos x="connsiteX26" y="connsiteY26"/>
+                  </a:cxn>
+                  <a:cxn ang="0">
+                    <a:pos x="connsiteX27" y="connsiteY27"/>
+                  </a:cxn>
+                  <a:cxn ang="0">
+                    <a:pos x="connsiteX28" y="connsiteY28"/>
+                  </a:cxn>
+                  <a:cxn ang="0">
+                    <a:pos x="connsiteX29" y="connsiteY29"/>
+                  </a:cxn>
+                  <a:cxn ang="0">
+                    <a:pos x="connsiteX30" y="connsiteY30"/>
+                  </a:cxn>
+                  <a:cxn ang="0">
+                    <a:pos x="connsiteX31" y="connsiteY31"/>
+                  </a:cxn>
+                  <a:cxn ang="0">
+                    <a:pos x="connsiteX32" y="connsiteY32"/>
+                  </a:cxn>
+                  <a:cxn ang="0">
+                    <a:pos x="connsiteX33" y="connsiteY33"/>
+                  </a:cxn>
+                  <a:cxn ang="0">
+                    <a:pos x="connsiteX34" y="connsiteY34"/>
+                  </a:cxn>
+                  <a:cxn ang="0">
+                    <a:pos x="connsiteX35" y="connsiteY35"/>
+                  </a:cxn>
+                  <a:cxn ang="0">
+                    <a:pos x="connsiteX36" y="connsiteY36"/>
+                  </a:cxn>
+                  <a:cxn ang="0">
+                    <a:pos x="connsiteX37" y="connsiteY37"/>
+                  </a:cxn>
+                </a:cxnLst>
+                <a:rect l="l" t="t" r="r" b="b"/>
+                <a:pathLst>
+                  <a:path w="1704340" h="1704340">
+                    <a:moveTo>
+                      <a:pt x="1209748" y="271737"/>
+                    </a:moveTo>
+                    <a:lnTo>
+                      <a:pt x="1342318" y="160491"/>
+                    </a:lnTo>
+                    <a:lnTo>
+                      <a:pt x="1448227" y="249359"/>
+                    </a:lnTo>
+                    <a:lnTo>
+                      <a:pt x="1361692" y="399234"/>
+                    </a:lnTo>
+                    <a:cubicBezTo>
+                      <a:pt x="1423223" y="468453"/>
+                      <a:pt x="1470006" y="549483"/>
+                      <a:pt x="1499186" y="637380"/>
+                    </a:cubicBezTo>
+                    <a:lnTo>
+                      <a:pt x="1672248" y="637375"/>
+                    </a:lnTo>
+                    <a:lnTo>
+                      <a:pt x="1696255" y="773528"/>
+                    </a:lnTo>
+                    <a:lnTo>
+                      <a:pt x="1533628" y="832715"/>
+                    </a:lnTo>
+                    <a:cubicBezTo>
+                      <a:pt x="1536271" y="925291"/>
+                      <a:pt x="1520024" y="1017435"/>
+                      <a:pt x="1485877" y="1103524"/>
+                    </a:cubicBezTo>
+                    <a:lnTo>
+                      <a:pt x="1618454" y="1214763"/>
+                    </a:lnTo>
+                    <a:lnTo>
+                      <a:pt x="1549327" y="1334495"/>
+                    </a:lnTo>
+                    <a:lnTo>
+                      <a:pt x="1386703" y="1275299"/>
+                    </a:lnTo>
+                    <a:cubicBezTo>
+                      <a:pt x="1329221" y="1347915"/>
+                      <a:pt x="1257545" y="1408058"/>
+                      <a:pt x="1176051" y="1452057"/>
+                    </a:cubicBezTo>
+                    <a:lnTo>
+                      <a:pt x="1206107" y="1622490"/>
+                    </a:lnTo>
+                    <a:lnTo>
+                      <a:pt x="1076191" y="1669776"/>
+                    </a:lnTo>
+                    <a:lnTo>
+                      <a:pt x="989664" y="1519897"/>
+                    </a:lnTo>
+                    <a:cubicBezTo>
+                      <a:pt x="898953" y="1538576"/>
+                      <a:pt x="805388" y="1538576"/>
+                      <a:pt x="714677" y="1519897"/>
+                    </a:cubicBezTo>
+                    <a:lnTo>
+                      <a:pt x="628149" y="1669776"/>
+                    </a:lnTo>
+                    <a:lnTo>
+                      <a:pt x="498233" y="1622490"/>
+                    </a:lnTo>
+                    <a:lnTo>
+                      <a:pt x="528289" y="1452058"/>
+                    </a:lnTo>
+                    <a:cubicBezTo>
+                      <a:pt x="446794" y="1408059"/>
+                      <a:pt x="375119" y="1347916"/>
+                      <a:pt x="317637" y="1275300"/>
+                    </a:cubicBezTo>
+                    <a:lnTo>
+                      <a:pt x="155013" y="1334495"/>
+                    </a:lnTo>
+                    <a:lnTo>
+                      <a:pt x="85886" y="1214763"/>
+                    </a:lnTo>
+                    <a:lnTo>
+                      <a:pt x="218463" y="1103524"/>
+                    </a:lnTo>
+                    <a:cubicBezTo>
+                      <a:pt x="184316" y="1017435"/>
+                      <a:pt x="168069" y="925291"/>
+                      <a:pt x="170712" y="832715"/>
+                    </a:cubicBezTo>
+                    <a:lnTo>
+                      <a:pt x="8085" y="773528"/>
+                    </a:lnTo>
+                    <a:lnTo>
+                      <a:pt x="32092" y="637375"/>
+                    </a:lnTo>
+                    <a:lnTo>
+                      <a:pt x="205155" y="637379"/>
+                    </a:lnTo>
+                    <a:cubicBezTo>
+                      <a:pt x="234334" y="549482"/>
+                      <a:pt x="281117" y="468452"/>
+                      <a:pt x="342649" y="399233"/>
+                    </a:cubicBezTo>
+                    <a:lnTo>
+                      <a:pt x="256113" y="249359"/>
+                    </a:lnTo>
+                    <a:lnTo>
+                      <a:pt x="362022" y="160491"/>
+                    </a:lnTo>
+                    <a:lnTo>
+                      <a:pt x="494592" y="271737"/>
+                    </a:lnTo>
+                    <a:cubicBezTo>
+                      <a:pt x="573444" y="223160"/>
+                      <a:pt x="661367" y="191159"/>
+                      <a:pt x="752995" y="177686"/>
+                    </a:cubicBezTo>
+                    <a:lnTo>
+                      <a:pt x="783043" y="7252"/>
+                    </a:lnTo>
+                    <a:lnTo>
+                      <a:pt x="921297" y="7252"/>
+                    </a:lnTo>
+                    <a:lnTo>
+                      <a:pt x="951344" y="177686"/>
+                    </a:lnTo>
+                    <a:cubicBezTo>
+                      <a:pt x="1042973" y="191159"/>
+                      <a:pt x="1130896" y="223160"/>
+                      <a:pt x="1209747" y="271737"/>
+                    </a:cubicBezTo>
+                    <a:lnTo>
+                      <a:pt x="1209748" y="271737"/>
+                    </a:lnTo>
+                    <a:close/>
+                  </a:path>
+                </a:pathLst>
+              </a:custGeom>
+              <a:solidFill>
+                <a:srgbClr val="0070C0"/>
+              </a:solidFill>
+            </p:spPr>
+            <p:style>
+              <a:lnRef idx="2">
+                <a:schemeClr val="lt1">
+                  <a:hueOff val="0"/>
+                  <a:satOff val="0"/>
+                  <a:lumOff val="0"/>
+                  <a:alphaOff val="0"/>
+                </a:schemeClr>
+              </a:lnRef>
+              <a:fillRef idx="1">
+                <a:schemeClr val="accent1">
+                  <a:hueOff val="0"/>
+                  <a:satOff val="0"/>
+                  <a:lumOff val="0"/>
+                  <a:alphaOff val="0"/>
+                </a:schemeClr>
+              </a:fillRef>
+              <a:effectRef idx="0">
+                <a:schemeClr val="accent1">
+                  <a:hueOff val="0"/>
+                  <a:satOff val="0"/>
+                  <a:lumOff val="0"/>
+                  <a:alphaOff val="0"/>
+                </a:schemeClr>
+              </a:effectRef>
+              <a:fontRef idx="minor">
+                <a:schemeClr val="lt1"/>
+              </a:fontRef>
+            </p:style>
+            <p:txBody>
+              <a:bodyPr spcFirstLastPara="0" vert="horz" wrap="square" lIns="380748" tIns="437334" rIns="380748" bIns="467141" numCol="1" spcCol="1270" anchor="ctr" anchorCtr="0">
+                <a:noAutofit/>
+              </a:bodyPr>
+              <a:lstStyle/>
+              <a:p>
+                <a:pPr lvl="0" algn="ctr" defTabSz="1333500">
+                  <a:lnSpc>
+                    <a:spcPct val="90000"/>
+                  </a:lnSpc>
+                  <a:spcBef>
+                    <a:spcPct val="0"/>
+                  </a:spcBef>
+                  <a:spcAft>
+                    <a:spcPct val="35000"/>
+                  </a:spcAft>
+                </a:pPr>
+                <a:r>
+                  <a:rPr lang="en-US" sz="2000" b="1" kern="1200" dirty="0"/>
+                  <a:t>Expected Impact on Customer Retention</a:t>
+                </a:r>
+              </a:p>
+            </p:txBody>
+          </p:sp>
+          <p:sp>
+            <p:nvSpPr>
+              <p:cNvPr id="39" name="Freeform 4">
+                <a:extLst>
+                  <a:ext uri="{FF2B5EF4-FFF2-40B4-BE49-F238E27FC236}">
+                    <a16:creationId xmlns:a16="http://schemas.microsoft.com/office/drawing/2014/main" id="{FA9C3CC0-1C0C-40FA-8583-ACE026502722}"/>
+                  </a:ext>
+                </a:extLst>
+              </p:cNvPr>
+              <p:cNvSpPr/>
+              <p:nvPr/>
+            </p:nvSpPr>
+            <p:spPr>
+              <a:xfrm rot="912209">
+                <a:off x="6859150" y="1009622"/>
+                <a:ext cx="1494025" cy="1428104"/>
+              </a:xfrm>
+              <a:custGeom>
+                <a:avLst/>
+                <a:gdLst>
+                  <a:gd name="connsiteX0" fmla="*/ 927467 w 1239520"/>
+                  <a:gd name="connsiteY0" fmla="*/ 313939 h 1239520"/>
+                  <a:gd name="connsiteX1" fmla="*/ 1110338 w 1239520"/>
+                  <a:gd name="connsiteY1" fmla="*/ 258825 h 1239520"/>
+                  <a:gd name="connsiteX2" fmla="*/ 1177628 w 1239520"/>
+                  <a:gd name="connsiteY2" fmla="*/ 375374 h 1239520"/>
+                  <a:gd name="connsiteX3" fmla="*/ 1038462 w 1239520"/>
+                  <a:gd name="connsiteY3" fmla="*/ 506188 h 1239520"/>
+                  <a:gd name="connsiteX4" fmla="*/ 1038462 w 1239520"/>
+                  <a:gd name="connsiteY4" fmla="*/ 733331 h 1239520"/>
+                  <a:gd name="connsiteX5" fmla="*/ 1177628 w 1239520"/>
+                  <a:gd name="connsiteY5" fmla="*/ 864146 h 1239520"/>
+                  <a:gd name="connsiteX6" fmla="*/ 1110338 w 1239520"/>
+                  <a:gd name="connsiteY6" fmla="*/ 980695 h 1239520"/>
+                  <a:gd name="connsiteX7" fmla="*/ 927467 w 1239520"/>
+                  <a:gd name="connsiteY7" fmla="*/ 925581 h 1239520"/>
+                  <a:gd name="connsiteX8" fmla="*/ 730755 w 1239520"/>
+                  <a:gd name="connsiteY8" fmla="*/ 1039153 h 1239520"/>
+                  <a:gd name="connsiteX9" fmla="*/ 687050 w 1239520"/>
+                  <a:gd name="connsiteY9" fmla="*/ 1225081 h 1239520"/>
+                  <a:gd name="connsiteX10" fmla="*/ 552470 w 1239520"/>
+                  <a:gd name="connsiteY10" fmla="*/ 1225081 h 1239520"/>
+                  <a:gd name="connsiteX11" fmla="*/ 508765 w 1239520"/>
+                  <a:gd name="connsiteY11" fmla="*/ 1039153 h 1239520"/>
+                  <a:gd name="connsiteX12" fmla="*/ 312053 w 1239520"/>
+                  <a:gd name="connsiteY12" fmla="*/ 925581 h 1239520"/>
+                  <a:gd name="connsiteX13" fmla="*/ 129182 w 1239520"/>
+                  <a:gd name="connsiteY13" fmla="*/ 980695 h 1239520"/>
+                  <a:gd name="connsiteX14" fmla="*/ 61892 w 1239520"/>
+                  <a:gd name="connsiteY14" fmla="*/ 864146 h 1239520"/>
+                  <a:gd name="connsiteX15" fmla="*/ 201058 w 1239520"/>
+                  <a:gd name="connsiteY15" fmla="*/ 733332 h 1239520"/>
+                  <a:gd name="connsiteX16" fmla="*/ 201058 w 1239520"/>
+                  <a:gd name="connsiteY16" fmla="*/ 506189 h 1239520"/>
+                  <a:gd name="connsiteX17" fmla="*/ 61892 w 1239520"/>
+                  <a:gd name="connsiteY17" fmla="*/ 375374 h 1239520"/>
+                  <a:gd name="connsiteX18" fmla="*/ 129182 w 1239520"/>
+                  <a:gd name="connsiteY18" fmla="*/ 258825 h 1239520"/>
+                  <a:gd name="connsiteX19" fmla="*/ 312053 w 1239520"/>
+                  <a:gd name="connsiteY19" fmla="*/ 313939 h 1239520"/>
+                  <a:gd name="connsiteX20" fmla="*/ 508765 w 1239520"/>
+                  <a:gd name="connsiteY20" fmla="*/ 200367 h 1239520"/>
+                  <a:gd name="connsiteX21" fmla="*/ 552470 w 1239520"/>
+                  <a:gd name="connsiteY21" fmla="*/ 14439 h 1239520"/>
+                  <a:gd name="connsiteX22" fmla="*/ 687050 w 1239520"/>
+                  <a:gd name="connsiteY22" fmla="*/ 14439 h 1239520"/>
+                  <a:gd name="connsiteX23" fmla="*/ 730755 w 1239520"/>
+                  <a:gd name="connsiteY23" fmla="*/ 200367 h 1239520"/>
+                  <a:gd name="connsiteX24" fmla="*/ 927467 w 1239520"/>
+                  <a:gd name="connsiteY24" fmla="*/ 313939 h 1239520"/>
+                </a:gdLst>
+                <a:ahLst/>
+                <a:cxnLst>
+                  <a:cxn ang="0">
+                    <a:pos x="connsiteX0" y="connsiteY0"/>
+                  </a:cxn>
+                  <a:cxn ang="0">
+                    <a:pos x="connsiteX1" y="connsiteY1"/>
+                  </a:cxn>
+                  <a:cxn ang="0">
+                    <a:pos x="connsiteX2" y="connsiteY2"/>
+                  </a:cxn>
+                  <a:cxn ang="0">
+                    <a:pos x="connsiteX3" y="connsiteY3"/>
+                  </a:cxn>
+                  <a:cxn ang="0">
+                    <a:pos x="connsiteX4" y="connsiteY4"/>
+                  </a:cxn>
+                  <a:cxn ang="0">
+                    <a:pos x="connsiteX5" y="connsiteY5"/>
+                  </a:cxn>
+                  <a:cxn ang="0">
+                    <a:pos x="connsiteX6" y="connsiteY6"/>
+                  </a:cxn>
+                  <a:cxn ang="0">
+                    <a:pos x="connsiteX7" y="connsiteY7"/>
+                  </a:cxn>
+                  <a:cxn ang="0">
+                    <a:pos x="connsiteX8" y="connsiteY8"/>
+                  </a:cxn>
+                  <a:cxn ang="0">
+                    <a:pos x="connsiteX9" y="connsiteY9"/>
+                  </a:cxn>
+                  <a:cxn ang="0">
+                    <a:pos x="connsiteX10" y="connsiteY10"/>
+                  </a:cxn>
+                  <a:cxn ang="0">
+                    <a:pos x="connsiteX11" y="connsiteY11"/>
+                  </a:cxn>
+                  <a:cxn ang="0">
+                    <a:pos x="connsiteX12" y="connsiteY12"/>
+                  </a:cxn>
+                  <a:cxn ang="0">
+                    <a:pos x="connsiteX13" y="connsiteY13"/>
+                  </a:cxn>
+                  <a:cxn ang="0">
+                    <a:pos x="connsiteX14" y="connsiteY14"/>
+                  </a:cxn>
+                  <a:cxn ang="0">
+                    <a:pos x="connsiteX15" y="connsiteY15"/>
+                  </a:cxn>
+                  <a:cxn ang="0">
+                    <a:pos x="connsiteX16" y="connsiteY16"/>
+                  </a:cxn>
+                  <a:cxn ang="0">
+                    <a:pos x="connsiteX17" y="connsiteY17"/>
+                  </a:cxn>
+                  <a:cxn ang="0">
+                    <a:pos x="connsiteX18" y="connsiteY18"/>
+                  </a:cxn>
+                  <a:cxn ang="0">
+                    <a:pos x="connsiteX19" y="connsiteY19"/>
+                  </a:cxn>
+                  <a:cxn ang="0">
+                    <a:pos x="connsiteX20" y="connsiteY20"/>
+                  </a:cxn>
+                  <a:cxn ang="0">
+                    <a:pos x="connsiteX21" y="connsiteY21"/>
+                  </a:cxn>
+                  <a:cxn ang="0">
+                    <a:pos x="connsiteX22" y="connsiteY22"/>
+                  </a:cxn>
+                  <a:cxn ang="0">
+                    <a:pos x="connsiteX23" y="connsiteY23"/>
+                  </a:cxn>
+                  <a:cxn ang="0">
+                    <a:pos x="connsiteX24" y="connsiteY24"/>
+                  </a:cxn>
+                </a:cxnLst>
+                <a:rect l="l" t="t" r="r" b="b"/>
+                <a:pathLst>
+                  <a:path w="1239520" h="1239520">
+                    <a:moveTo>
+                      <a:pt x="927467" y="313939"/>
+                    </a:moveTo>
+                    <a:lnTo>
+                      <a:pt x="1110338" y="258825"/>
+                    </a:lnTo>
+                    <a:lnTo>
+                      <a:pt x="1177628" y="375374"/>
+                    </a:lnTo>
+                    <a:lnTo>
+                      <a:pt x="1038462" y="506188"/>
+                    </a:lnTo>
+                    <a:cubicBezTo>
+                      <a:pt x="1058635" y="580559"/>
+                      <a:pt x="1058635" y="658961"/>
+                      <a:pt x="1038462" y="733331"/>
+                    </a:cubicBezTo>
+                    <a:lnTo>
+                      <a:pt x="1177628" y="864146"/>
+                    </a:lnTo>
+                    <a:lnTo>
+                      <a:pt x="1110338" y="980695"/>
+                    </a:lnTo>
+                    <a:lnTo>
+                      <a:pt x="927467" y="925581"/>
+                    </a:lnTo>
+                    <a:cubicBezTo>
+                      <a:pt x="873146" y="980237"/>
+                      <a:pt x="805249" y="1019437"/>
+                      <a:pt x="730755" y="1039153"/>
+                    </a:cubicBezTo>
+                    <a:lnTo>
+                      <a:pt x="687050" y="1225081"/>
+                    </a:lnTo>
+                    <a:lnTo>
+                      <a:pt x="552470" y="1225081"/>
+                    </a:lnTo>
+                    <a:lnTo>
+                      <a:pt x="508765" y="1039153"/>
+                    </a:lnTo>
+                    <a:cubicBezTo>
+                      <a:pt x="434272" y="1019438"/>
+                      <a:pt x="366374" y="980237"/>
+                      <a:pt x="312053" y="925581"/>
+                    </a:cubicBezTo>
+                    <a:lnTo>
+                      <a:pt x="129182" y="980695"/>
+                    </a:lnTo>
+                    <a:lnTo>
+                      <a:pt x="61892" y="864146"/>
+                    </a:lnTo>
+                    <a:lnTo>
+                      <a:pt x="201058" y="733332"/>
+                    </a:lnTo>
+                    <a:cubicBezTo>
+                      <a:pt x="180885" y="658961"/>
+                      <a:pt x="180885" y="580559"/>
+                      <a:pt x="201058" y="506189"/>
+                    </a:cubicBezTo>
+                    <a:lnTo>
+                      <a:pt x="61892" y="375374"/>
+                    </a:lnTo>
+                    <a:lnTo>
+                      <a:pt x="129182" y="258825"/>
+                    </a:lnTo>
+                    <a:lnTo>
+                      <a:pt x="312053" y="313939"/>
+                    </a:lnTo>
+                    <a:cubicBezTo>
+                      <a:pt x="366374" y="259283"/>
+                      <a:pt x="434271" y="220083"/>
+                      <a:pt x="508765" y="200367"/>
+                    </a:cubicBezTo>
+                    <a:lnTo>
+                      <a:pt x="552470" y="14439"/>
+                    </a:lnTo>
+                    <a:lnTo>
+                      <a:pt x="687050" y="14439"/>
+                    </a:lnTo>
+                    <a:lnTo>
+                      <a:pt x="730755" y="200367"/>
+                    </a:lnTo>
+                    <a:cubicBezTo>
+                      <a:pt x="805248" y="220082"/>
+                      <a:pt x="873146" y="259283"/>
+                      <a:pt x="927467" y="313939"/>
+                    </a:cubicBezTo>
+                    <a:close/>
+                  </a:path>
+                </a:pathLst>
+              </a:custGeom>
+              <a:solidFill>
+                <a:srgbClr val="00B050"/>
+              </a:solidFill>
+              <a:scene3d>
+                <a:camera prst="orthographicFront"/>
+                <a:lightRig rig="threePt" dir="t"/>
+              </a:scene3d>
+              <a:sp3d/>
+            </p:spPr>
+            <p:style>
+              <a:lnRef idx="2">
+                <a:schemeClr val="lt1">
+                  <a:hueOff val="0"/>
+                  <a:satOff val="0"/>
+                  <a:lumOff val="0"/>
+                  <a:alphaOff val="0"/>
+                </a:schemeClr>
+              </a:lnRef>
+              <a:fillRef idx="1">
+                <a:schemeClr val="accent1">
+                  <a:hueOff val="0"/>
+                  <a:satOff val="0"/>
+                  <a:lumOff val="0"/>
+                  <a:alphaOff val="0"/>
+                </a:schemeClr>
+              </a:fillRef>
+              <a:effectRef idx="0">
+                <a:schemeClr val="accent1">
+                  <a:hueOff val="0"/>
+                  <a:satOff val="0"/>
+                  <a:lumOff val="0"/>
+                  <a:alphaOff val="0"/>
+                </a:schemeClr>
+              </a:effectRef>
+              <a:fontRef idx="minor">
+                <a:schemeClr val="lt1"/>
+              </a:fontRef>
+            </p:style>
+            <p:txBody>
+              <a:bodyPr spcFirstLastPara="0" vert="horz" wrap="square" lIns="334913" tIns="336799" rIns="334913" bIns="336799" numCol="1" spcCol="1270" anchor="ctr" anchorCtr="0">
+                <a:noAutofit/>
+                <a:flatTx/>
+              </a:bodyPr>
+              <a:lstStyle/>
+              <a:p>
+                <a:pPr lvl="0" algn="ctr" defTabSz="800100">
+                  <a:lnSpc>
+                    <a:spcPct val="90000"/>
+                  </a:lnSpc>
+                  <a:spcBef>
+                    <a:spcPct val="0"/>
+                  </a:spcBef>
+                  <a:spcAft>
+                    <a:spcPct val="35000"/>
+                  </a:spcAft>
+                </a:pPr>
+                <a:r>
+                  <a:rPr lang="en-US" sz="1400" kern="1200" dirty="0"/>
+                  <a:t>Number of three way calls </a:t>
+                </a:r>
+                <a:r>
+                  <a:rPr lang="en-US" sz="1050" kern="1200" dirty="0"/>
+                  <a:t>(</a:t>
+                </a:r>
+                <a:r>
+                  <a:rPr lang="en-US" sz="1000" kern="1200" dirty="0" err="1"/>
+                  <a:t>threeway</a:t>
+                </a:r>
+                <a:r>
+                  <a:rPr lang="en-US" sz="1050" kern="1200" dirty="0"/>
+                  <a:t>)</a:t>
+                </a:r>
+                <a:endParaRPr lang="en-US" sz="1100" kern="1200" dirty="0"/>
+              </a:p>
+            </p:txBody>
+          </p:sp>
+          <p:sp>
+            <p:nvSpPr>
+              <p:cNvPr id="40" name="Freeform 14">
+                <a:extLst>
+                  <a:ext uri="{FF2B5EF4-FFF2-40B4-BE49-F238E27FC236}">
+                    <a16:creationId xmlns:a16="http://schemas.microsoft.com/office/drawing/2014/main" id="{047F1885-9043-4CCC-AB09-55262CE992F3}"/>
+                  </a:ext>
+                </a:extLst>
+              </p:cNvPr>
+              <p:cNvSpPr/>
+              <p:nvPr/>
+            </p:nvSpPr>
+            <p:spPr>
+              <a:xfrm rot="19714206">
+                <a:off x="4760861" y="1261071"/>
+                <a:ext cx="1521380" cy="1588052"/>
+              </a:xfrm>
+              <a:custGeom>
+                <a:avLst/>
+                <a:gdLst>
+                  <a:gd name="connsiteX0" fmla="*/ 908728 w 1214476"/>
+                  <a:gd name="connsiteY0" fmla="*/ 307596 h 1214476"/>
+                  <a:gd name="connsiteX1" fmla="*/ 1087904 w 1214476"/>
+                  <a:gd name="connsiteY1" fmla="*/ 253596 h 1214476"/>
+                  <a:gd name="connsiteX2" fmla="*/ 1153835 w 1214476"/>
+                  <a:gd name="connsiteY2" fmla="*/ 367790 h 1214476"/>
+                  <a:gd name="connsiteX3" fmla="*/ 1017481 w 1214476"/>
+                  <a:gd name="connsiteY3" fmla="*/ 495961 h 1214476"/>
+                  <a:gd name="connsiteX4" fmla="*/ 1017481 w 1214476"/>
+                  <a:gd name="connsiteY4" fmla="*/ 718515 h 1214476"/>
+                  <a:gd name="connsiteX5" fmla="*/ 1153835 w 1214476"/>
+                  <a:gd name="connsiteY5" fmla="*/ 846686 h 1214476"/>
+                  <a:gd name="connsiteX6" fmla="*/ 1087904 w 1214476"/>
+                  <a:gd name="connsiteY6" fmla="*/ 960880 h 1214476"/>
+                  <a:gd name="connsiteX7" fmla="*/ 908728 w 1214476"/>
+                  <a:gd name="connsiteY7" fmla="*/ 906880 h 1214476"/>
+                  <a:gd name="connsiteX8" fmla="*/ 715990 w 1214476"/>
+                  <a:gd name="connsiteY8" fmla="*/ 1018157 h 1214476"/>
+                  <a:gd name="connsiteX9" fmla="*/ 673168 w 1214476"/>
+                  <a:gd name="connsiteY9" fmla="*/ 1200328 h 1214476"/>
+                  <a:gd name="connsiteX10" fmla="*/ 541308 w 1214476"/>
+                  <a:gd name="connsiteY10" fmla="*/ 1200328 h 1214476"/>
+                  <a:gd name="connsiteX11" fmla="*/ 498485 w 1214476"/>
+                  <a:gd name="connsiteY11" fmla="*/ 1018157 h 1214476"/>
+                  <a:gd name="connsiteX12" fmla="*/ 305747 w 1214476"/>
+                  <a:gd name="connsiteY12" fmla="*/ 906880 h 1214476"/>
+                  <a:gd name="connsiteX13" fmla="*/ 126572 w 1214476"/>
+                  <a:gd name="connsiteY13" fmla="*/ 960880 h 1214476"/>
+                  <a:gd name="connsiteX14" fmla="*/ 60641 w 1214476"/>
+                  <a:gd name="connsiteY14" fmla="*/ 846686 h 1214476"/>
+                  <a:gd name="connsiteX15" fmla="*/ 196995 w 1214476"/>
+                  <a:gd name="connsiteY15" fmla="*/ 718515 h 1214476"/>
+                  <a:gd name="connsiteX16" fmla="*/ 196995 w 1214476"/>
+                  <a:gd name="connsiteY16" fmla="*/ 495961 h 1214476"/>
+                  <a:gd name="connsiteX17" fmla="*/ 60641 w 1214476"/>
+                  <a:gd name="connsiteY17" fmla="*/ 367790 h 1214476"/>
+                  <a:gd name="connsiteX18" fmla="*/ 126572 w 1214476"/>
+                  <a:gd name="connsiteY18" fmla="*/ 253596 h 1214476"/>
+                  <a:gd name="connsiteX19" fmla="*/ 305748 w 1214476"/>
+                  <a:gd name="connsiteY19" fmla="*/ 307596 h 1214476"/>
+                  <a:gd name="connsiteX20" fmla="*/ 498486 w 1214476"/>
+                  <a:gd name="connsiteY20" fmla="*/ 196319 h 1214476"/>
+                  <a:gd name="connsiteX21" fmla="*/ 541308 w 1214476"/>
+                  <a:gd name="connsiteY21" fmla="*/ 14148 h 1214476"/>
+                  <a:gd name="connsiteX22" fmla="*/ 673168 w 1214476"/>
+                  <a:gd name="connsiteY22" fmla="*/ 14148 h 1214476"/>
+                  <a:gd name="connsiteX23" fmla="*/ 715991 w 1214476"/>
+                  <a:gd name="connsiteY23" fmla="*/ 196319 h 1214476"/>
+                  <a:gd name="connsiteX24" fmla="*/ 908729 w 1214476"/>
+                  <a:gd name="connsiteY24" fmla="*/ 307596 h 1214476"/>
+                  <a:gd name="connsiteX25" fmla="*/ 908728 w 1214476"/>
+                  <a:gd name="connsiteY25" fmla="*/ 307596 h 1214476"/>
+                </a:gdLst>
+                <a:ahLst/>
+                <a:cxnLst>
+                  <a:cxn ang="0">
+                    <a:pos x="connsiteX0" y="connsiteY0"/>
+                  </a:cxn>
+                  <a:cxn ang="0">
+                    <a:pos x="connsiteX1" y="connsiteY1"/>
+                  </a:cxn>
+                  <a:cxn ang="0">
+                    <a:pos x="connsiteX2" y="connsiteY2"/>
+                  </a:cxn>
+                  <a:cxn ang="0">
+                    <a:pos x="connsiteX3" y="connsiteY3"/>
+                  </a:cxn>
+                  <a:cxn ang="0">
+                    <a:pos x="connsiteX4" y="connsiteY4"/>
+                  </a:cxn>
+                  <a:cxn ang="0">
+                    <a:pos x="connsiteX5" y="connsiteY5"/>
+                  </a:cxn>
+                  <a:cxn ang="0">
+                    <a:pos x="connsiteX6" y="connsiteY6"/>
+                  </a:cxn>
+                  <a:cxn ang="0">
+                    <a:pos x="connsiteX7" y="connsiteY7"/>
+                  </a:cxn>
+                  <a:cxn ang="0">
+                    <a:pos x="connsiteX8" y="connsiteY8"/>
+                  </a:cxn>
+                  <a:cxn ang="0">
+                    <a:pos x="connsiteX9" y="connsiteY9"/>
+                  </a:cxn>
+                  <a:cxn ang="0">
+                    <a:pos x="connsiteX10" y="connsiteY10"/>
+                  </a:cxn>
+                  <a:cxn ang="0">
+                    <a:pos x="connsiteX11" y="connsiteY11"/>
+                  </a:cxn>
+                  <a:cxn ang="0">
+                    <a:pos x="connsiteX12" y="connsiteY12"/>
+                  </a:cxn>
+                  <a:cxn ang="0">
+                    <a:pos x="connsiteX13" y="connsiteY13"/>
+                  </a:cxn>
+                  <a:cxn ang="0">
+                    <a:pos x="connsiteX14" y="connsiteY14"/>
+                  </a:cxn>
+                  <a:cxn ang="0">
+                    <a:pos x="connsiteX15" y="connsiteY15"/>
+                  </a:cxn>
+                  <a:cxn ang="0">
+                    <a:pos x="connsiteX16" y="connsiteY16"/>
+                  </a:cxn>
+                  <a:cxn ang="0">
+                    <a:pos x="connsiteX17" y="connsiteY17"/>
+                  </a:cxn>
+                  <a:cxn ang="0">
+                    <a:pos x="connsiteX18" y="connsiteY18"/>
+                  </a:cxn>
+                  <a:cxn ang="0">
+                    <a:pos x="connsiteX19" y="connsiteY19"/>
+                  </a:cxn>
+                  <a:cxn ang="0">
+                    <a:pos x="connsiteX20" y="connsiteY20"/>
+                  </a:cxn>
+                  <a:cxn ang="0">
+                    <a:pos x="connsiteX21" y="connsiteY21"/>
+                  </a:cxn>
+                  <a:cxn ang="0">
+                    <a:pos x="connsiteX22" y="connsiteY22"/>
+                  </a:cxn>
+                  <a:cxn ang="0">
+                    <a:pos x="connsiteX23" y="connsiteY23"/>
+                  </a:cxn>
+                  <a:cxn ang="0">
+                    <a:pos x="connsiteX24" y="connsiteY24"/>
+                  </a:cxn>
+                  <a:cxn ang="0">
+                    <a:pos x="connsiteX25" y="connsiteY25"/>
+                  </a:cxn>
+                </a:cxnLst>
+                <a:rect l="l" t="t" r="r" b="b"/>
+                <a:pathLst>
+                  <a:path w="1214476" h="1214476">
+                    <a:moveTo>
+                      <a:pt x="781694" y="307206"/>
+                    </a:moveTo>
+                    <a:lnTo>
+                      <a:pt x="911594" y="226753"/>
+                    </a:lnTo>
+                    <a:lnTo>
+                      <a:pt x="987724" y="302882"/>
+                    </a:lnTo>
+                    <a:lnTo>
+                      <a:pt x="907271" y="432782"/>
+                    </a:lnTo>
+                    <a:cubicBezTo>
+                      <a:pt x="938258" y="486074"/>
+                      <a:pt x="954491" y="546659"/>
+                      <a:pt x="954302" y="608305"/>
+                    </a:cubicBezTo>
+                    <a:lnTo>
+                      <a:pt x="1088927" y="680575"/>
+                    </a:lnTo>
+                    <a:lnTo>
+                      <a:pt x="1061060" y="784570"/>
+                    </a:lnTo>
+                    <a:lnTo>
+                      <a:pt x="908337" y="779846"/>
+                    </a:lnTo>
+                    <a:cubicBezTo>
+                      <a:pt x="877678" y="833327"/>
+                      <a:pt x="833328" y="877678"/>
+                      <a:pt x="779845" y="908337"/>
+                    </a:cubicBezTo>
+                    <a:lnTo>
+                      <a:pt x="784570" y="1061060"/>
+                    </a:lnTo>
+                    <a:lnTo>
+                      <a:pt x="680575" y="1088926"/>
+                    </a:lnTo>
+                    <a:lnTo>
+                      <a:pt x="608305" y="954302"/>
+                    </a:lnTo>
+                    <a:cubicBezTo>
+                      <a:pt x="546659" y="954491"/>
+                      <a:pt x="486075" y="938257"/>
+                      <a:pt x="432781" y="907271"/>
+                    </a:cubicBezTo>
+                    <a:lnTo>
+                      <a:pt x="302882" y="987723"/>
+                    </a:lnTo>
+                    <a:lnTo>
+                      <a:pt x="226752" y="911594"/>
+                    </a:lnTo>
+                    <a:lnTo>
+                      <a:pt x="307205" y="781694"/>
+                    </a:lnTo>
+                    <a:cubicBezTo>
+                      <a:pt x="276218" y="728402"/>
+                      <a:pt x="259985" y="667817"/>
+                      <a:pt x="260174" y="606171"/>
+                    </a:cubicBezTo>
+                    <a:lnTo>
+                      <a:pt x="125549" y="533901"/>
+                    </a:lnTo>
+                    <a:lnTo>
+                      <a:pt x="153416" y="429906"/>
+                    </a:lnTo>
+                    <a:lnTo>
+                      <a:pt x="306139" y="434630"/>
+                    </a:lnTo>
+                    <a:cubicBezTo>
+                      <a:pt x="336798" y="381149"/>
+                      <a:pt x="381148" y="336798"/>
+                      <a:pt x="434631" y="306139"/>
+                    </a:cubicBezTo>
+                    <a:lnTo>
+                      <a:pt x="429906" y="153416"/>
+                    </a:lnTo>
+                    <a:lnTo>
+                      <a:pt x="533901" y="125550"/>
+                    </a:lnTo>
+                    <a:lnTo>
+                      <a:pt x="606171" y="260174"/>
+                    </a:lnTo>
+                    <a:cubicBezTo>
+                      <a:pt x="667817" y="259985"/>
+                      <a:pt x="728401" y="276219"/>
+                      <a:pt x="781695" y="307205"/>
+                    </a:cubicBezTo>
+                    <a:lnTo>
+                      <a:pt x="781694" y="307206"/>
+                    </a:lnTo>
+                    <a:close/>
+                  </a:path>
+                </a:pathLst>
+              </a:custGeom>
+              <a:solidFill>
+                <a:srgbClr val="00B050"/>
+              </a:solidFill>
+            </p:spPr>
+            <p:style>
+              <a:lnRef idx="2">
+                <a:schemeClr val="lt1">
+                  <a:hueOff val="0"/>
+                  <a:satOff val="0"/>
+                  <a:lumOff val="0"/>
+                  <a:alphaOff val="0"/>
+                </a:schemeClr>
+              </a:lnRef>
+              <a:fillRef idx="1">
+                <a:schemeClr val="accent1">
+                  <a:hueOff val="0"/>
+                  <a:satOff val="0"/>
+                  <a:lumOff val="0"/>
+                  <a:alphaOff val="0"/>
+                </a:schemeClr>
+              </a:fillRef>
+              <a:effectRef idx="0">
+                <a:schemeClr val="accent1">
+                  <a:hueOff val="0"/>
+                  <a:satOff val="0"/>
+                  <a:lumOff val="0"/>
+                  <a:alphaOff val="0"/>
+                </a:schemeClr>
+              </a:effectRef>
+              <a:fontRef idx="minor">
+                <a:schemeClr val="lt1"/>
+              </a:fontRef>
+            </p:style>
+            <p:txBody>
+              <a:bodyPr spcFirstLastPara="0" vert="horz" wrap="square" lIns="428245" tIns="428245" rIns="428243" bIns="428243" numCol="1" spcCol="1270" anchor="ctr" anchorCtr="0">
+                <a:noAutofit/>
+              </a:bodyPr>
+              <a:lstStyle/>
+              <a:p>
+                <a:pPr lvl="0" algn="ctr" defTabSz="889000">
+                  <a:lnSpc>
+                    <a:spcPct val="90000"/>
+                  </a:lnSpc>
+                  <a:spcBef>
+                    <a:spcPct val="0"/>
+                  </a:spcBef>
+                  <a:spcAft>
+                    <a:spcPct val="35000"/>
+                  </a:spcAft>
+                </a:pPr>
+                <a:r>
+                  <a:rPr lang="en-US" sz="1400" kern="1200" dirty="0"/>
+                  <a:t>Married </a:t>
+                </a:r>
+                <a:r>
+                  <a:rPr lang="en-US" sz="1100" kern="1200" dirty="0"/>
+                  <a:t>(</a:t>
+                </a:r>
+                <a:r>
+                  <a:rPr lang="en-US" sz="1050" kern="1200" dirty="0" err="1"/>
+                  <a:t>marryyes</a:t>
+                </a:r>
+                <a:r>
+                  <a:rPr lang="en-US" sz="1100" kern="1200" dirty="0"/>
+                  <a:t>)</a:t>
+                </a:r>
+                <a:endParaRPr lang="en-US" sz="1400" b="1" kern="1200" dirty="0"/>
+              </a:p>
+            </p:txBody>
+          </p:sp>
+          <p:sp>
+            <p:nvSpPr>
+              <p:cNvPr id="41" name="Freeform 24">
+                <a:extLst>
+                  <a:ext uri="{FF2B5EF4-FFF2-40B4-BE49-F238E27FC236}">
+                    <a16:creationId xmlns:a16="http://schemas.microsoft.com/office/drawing/2014/main" id="{E17EEC23-4E91-44DF-AC28-901447F31403}"/>
+                  </a:ext>
+                </a:extLst>
+              </p:cNvPr>
+              <p:cNvSpPr/>
+              <p:nvPr/>
+            </p:nvSpPr>
+            <p:spPr>
+              <a:xfrm rot="20061013">
+                <a:off x="5742643" y="855902"/>
+                <a:ext cx="1487424" cy="1487424"/>
+              </a:xfrm>
+              <a:custGeom>
+                <a:avLst/>
+                <a:gdLst>
+                  <a:gd name="connsiteX0" fmla="*/ 908728 w 1214476"/>
+                  <a:gd name="connsiteY0" fmla="*/ 307596 h 1214476"/>
+                  <a:gd name="connsiteX1" fmla="*/ 1087904 w 1214476"/>
+                  <a:gd name="connsiteY1" fmla="*/ 253596 h 1214476"/>
+                  <a:gd name="connsiteX2" fmla="*/ 1153835 w 1214476"/>
+                  <a:gd name="connsiteY2" fmla="*/ 367790 h 1214476"/>
+                  <a:gd name="connsiteX3" fmla="*/ 1017481 w 1214476"/>
+                  <a:gd name="connsiteY3" fmla="*/ 495961 h 1214476"/>
+                  <a:gd name="connsiteX4" fmla="*/ 1017481 w 1214476"/>
+                  <a:gd name="connsiteY4" fmla="*/ 718515 h 1214476"/>
+                  <a:gd name="connsiteX5" fmla="*/ 1153835 w 1214476"/>
+                  <a:gd name="connsiteY5" fmla="*/ 846686 h 1214476"/>
+                  <a:gd name="connsiteX6" fmla="*/ 1087904 w 1214476"/>
+                  <a:gd name="connsiteY6" fmla="*/ 960880 h 1214476"/>
+                  <a:gd name="connsiteX7" fmla="*/ 908728 w 1214476"/>
+                  <a:gd name="connsiteY7" fmla="*/ 906880 h 1214476"/>
+                  <a:gd name="connsiteX8" fmla="*/ 715990 w 1214476"/>
+                  <a:gd name="connsiteY8" fmla="*/ 1018157 h 1214476"/>
+                  <a:gd name="connsiteX9" fmla="*/ 673168 w 1214476"/>
+                  <a:gd name="connsiteY9" fmla="*/ 1200328 h 1214476"/>
+                  <a:gd name="connsiteX10" fmla="*/ 541308 w 1214476"/>
+                  <a:gd name="connsiteY10" fmla="*/ 1200328 h 1214476"/>
+                  <a:gd name="connsiteX11" fmla="*/ 498485 w 1214476"/>
+                  <a:gd name="connsiteY11" fmla="*/ 1018157 h 1214476"/>
+                  <a:gd name="connsiteX12" fmla="*/ 305747 w 1214476"/>
+                  <a:gd name="connsiteY12" fmla="*/ 906880 h 1214476"/>
+                  <a:gd name="connsiteX13" fmla="*/ 126572 w 1214476"/>
+                  <a:gd name="connsiteY13" fmla="*/ 960880 h 1214476"/>
+                  <a:gd name="connsiteX14" fmla="*/ 60641 w 1214476"/>
+                  <a:gd name="connsiteY14" fmla="*/ 846686 h 1214476"/>
+                  <a:gd name="connsiteX15" fmla="*/ 196995 w 1214476"/>
+                  <a:gd name="connsiteY15" fmla="*/ 718515 h 1214476"/>
+                  <a:gd name="connsiteX16" fmla="*/ 196995 w 1214476"/>
+                  <a:gd name="connsiteY16" fmla="*/ 495961 h 1214476"/>
+                  <a:gd name="connsiteX17" fmla="*/ 60641 w 1214476"/>
+                  <a:gd name="connsiteY17" fmla="*/ 367790 h 1214476"/>
+                  <a:gd name="connsiteX18" fmla="*/ 126572 w 1214476"/>
+                  <a:gd name="connsiteY18" fmla="*/ 253596 h 1214476"/>
+                  <a:gd name="connsiteX19" fmla="*/ 305748 w 1214476"/>
+                  <a:gd name="connsiteY19" fmla="*/ 307596 h 1214476"/>
+                  <a:gd name="connsiteX20" fmla="*/ 498486 w 1214476"/>
+                  <a:gd name="connsiteY20" fmla="*/ 196319 h 1214476"/>
+                  <a:gd name="connsiteX21" fmla="*/ 541308 w 1214476"/>
+                  <a:gd name="connsiteY21" fmla="*/ 14148 h 1214476"/>
+                  <a:gd name="connsiteX22" fmla="*/ 673168 w 1214476"/>
+                  <a:gd name="connsiteY22" fmla="*/ 14148 h 1214476"/>
+                  <a:gd name="connsiteX23" fmla="*/ 715991 w 1214476"/>
+                  <a:gd name="connsiteY23" fmla="*/ 196319 h 1214476"/>
+                  <a:gd name="connsiteX24" fmla="*/ 908729 w 1214476"/>
+                  <a:gd name="connsiteY24" fmla="*/ 307596 h 1214476"/>
+                  <a:gd name="connsiteX25" fmla="*/ 908728 w 1214476"/>
+                  <a:gd name="connsiteY25" fmla="*/ 307596 h 1214476"/>
+                </a:gdLst>
+                <a:ahLst/>
+                <a:cxnLst>
+                  <a:cxn ang="0">
+                    <a:pos x="connsiteX0" y="connsiteY0"/>
+                  </a:cxn>
+                  <a:cxn ang="0">
+                    <a:pos x="connsiteX1" y="connsiteY1"/>
+                  </a:cxn>
+                  <a:cxn ang="0">
+                    <a:pos x="connsiteX2" y="connsiteY2"/>
+                  </a:cxn>
+                  <a:cxn ang="0">
+                    <a:pos x="connsiteX3" y="connsiteY3"/>
+                  </a:cxn>
+                  <a:cxn ang="0">
+                    <a:pos x="connsiteX4" y="connsiteY4"/>
+                  </a:cxn>
+                  <a:cxn ang="0">
+                    <a:pos x="connsiteX5" y="connsiteY5"/>
+                  </a:cxn>
+                  <a:cxn ang="0">
+                    <a:pos x="connsiteX6" y="connsiteY6"/>
+                  </a:cxn>
+                  <a:cxn ang="0">
+                    <a:pos x="connsiteX7" y="connsiteY7"/>
+                  </a:cxn>
+                  <a:cxn ang="0">
+                    <a:pos x="connsiteX8" y="connsiteY8"/>
+                  </a:cxn>
+                  <a:cxn ang="0">
+                    <a:pos x="connsiteX9" y="connsiteY9"/>
+                  </a:cxn>
+                  <a:cxn ang="0">
+                    <a:pos x="connsiteX10" y="connsiteY10"/>
+                  </a:cxn>
+                  <a:cxn ang="0">
+                    <a:pos x="connsiteX11" y="connsiteY11"/>
+                  </a:cxn>
+                  <a:cxn ang="0">
+                    <a:pos x="connsiteX12" y="connsiteY12"/>
+                  </a:cxn>
+                  <a:cxn ang="0">
+                    <a:pos x="connsiteX13" y="connsiteY13"/>
+                  </a:cxn>
+                  <a:cxn ang="0">
+                    <a:pos x="connsiteX14" y="connsiteY14"/>
+                  </a:cxn>
+                  <a:cxn ang="0">
+                    <a:pos x="connsiteX15" y="connsiteY15"/>
+                  </a:cxn>
+                  <a:cxn ang="0">
+                    <a:pos x="connsiteX16" y="connsiteY16"/>
+                  </a:cxn>
+                  <a:cxn ang="0">
+                    <a:pos x="connsiteX17" y="connsiteY17"/>
+                  </a:cxn>
+                  <a:cxn ang="0">
+                    <a:pos x="connsiteX18" y="connsiteY18"/>
+                  </a:cxn>
+                  <a:cxn ang="0">
+                    <a:pos x="connsiteX19" y="connsiteY19"/>
+                  </a:cxn>
+                  <a:cxn ang="0">
+                    <a:pos x="connsiteX20" y="connsiteY20"/>
+                  </a:cxn>
+                  <a:cxn ang="0">
+                    <a:pos x="connsiteX21" y="connsiteY21"/>
+                  </a:cxn>
+                  <a:cxn ang="0">
+                    <a:pos x="connsiteX22" y="connsiteY22"/>
+                  </a:cxn>
+                  <a:cxn ang="0">
+                    <a:pos x="connsiteX23" y="connsiteY23"/>
+                  </a:cxn>
+                  <a:cxn ang="0">
+                    <a:pos x="connsiteX24" y="connsiteY24"/>
+                  </a:cxn>
+                  <a:cxn ang="0">
+                    <a:pos x="connsiteX25" y="connsiteY25"/>
+                  </a:cxn>
+                </a:cxnLst>
+                <a:rect l="l" t="t" r="r" b="b"/>
+                <a:pathLst>
+                  <a:path w="1214476" h="1214476">
+                    <a:moveTo>
+                      <a:pt x="781694" y="307206"/>
+                    </a:moveTo>
+                    <a:lnTo>
+                      <a:pt x="911594" y="226753"/>
+                    </a:lnTo>
+                    <a:lnTo>
+                      <a:pt x="987724" y="302882"/>
+                    </a:lnTo>
+                    <a:lnTo>
+                      <a:pt x="907271" y="432782"/>
+                    </a:lnTo>
+                    <a:cubicBezTo>
+                      <a:pt x="938258" y="486074"/>
+                      <a:pt x="954491" y="546659"/>
+                      <a:pt x="954302" y="608305"/>
+                    </a:cubicBezTo>
+                    <a:lnTo>
+                      <a:pt x="1088927" y="680575"/>
+                    </a:lnTo>
+                    <a:lnTo>
+                      <a:pt x="1061060" y="784570"/>
+                    </a:lnTo>
+                    <a:lnTo>
+                      <a:pt x="908337" y="779846"/>
+                    </a:lnTo>
+                    <a:cubicBezTo>
+                      <a:pt x="877678" y="833327"/>
+                      <a:pt x="833328" y="877678"/>
+                      <a:pt x="779845" y="908337"/>
+                    </a:cubicBezTo>
+                    <a:lnTo>
+                      <a:pt x="784570" y="1061060"/>
+                    </a:lnTo>
+                    <a:lnTo>
+                      <a:pt x="680575" y="1088926"/>
+                    </a:lnTo>
+                    <a:lnTo>
+                      <a:pt x="608305" y="954302"/>
+                    </a:lnTo>
+                    <a:cubicBezTo>
+                      <a:pt x="546659" y="954491"/>
+                      <a:pt x="486075" y="938257"/>
+                      <a:pt x="432781" y="907271"/>
+                    </a:cubicBezTo>
+                    <a:lnTo>
+                      <a:pt x="302882" y="987723"/>
+                    </a:lnTo>
+                    <a:lnTo>
+                      <a:pt x="226752" y="911594"/>
+                    </a:lnTo>
+                    <a:lnTo>
+                      <a:pt x="307205" y="781694"/>
+                    </a:lnTo>
+                    <a:cubicBezTo>
+                      <a:pt x="276218" y="728402"/>
+                      <a:pt x="259985" y="667817"/>
+                      <a:pt x="260174" y="606171"/>
+                    </a:cubicBezTo>
+                    <a:lnTo>
+                      <a:pt x="125549" y="533901"/>
+                    </a:lnTo>
+                    <a:lnTo>
+                      <a:pt x="153416" y="429906"/>
+                    </a:lnTo>
+                    <a:lnTo>
+                      <a:pt x="306139" y="434630"/>
+                    </a:lnTo>
+                    <a:cubicBezTo>
+                      <a:pt x="336798" y="381149"/>
+                      <a:pt x="381148" y="336798"/>
+                      <a:pt x="434631" y="306139"/>
+                    </a:cubicBezTo>
+                    <a:lnTo>
+                      <a:pt x="429906" y="153416"/>
+                    </a:lnTo>
+                    <a:lnTo>
+                      <a:pt x="533901" y="125550"/>
+                    </a:lnTo>
+                    <a:lnTo>
+                      <a:pt x="606171" y="260174"/>
+                    </a:lnTo>
+                    <a:cubicBezTo>
+                      <a:pt x="667817" y="259985"/>
+                      <a:pt x="728401" y="276219"/>
+                      <a:pt x="781695" y="307205"/>
+                    </a:cubicBezTo>
+                    <a:lnTo>
+                      <a:pt x="781694" y="307206"/>
+                    </a:lnTo>
+                    <a:close/>
+                  </a:path>
+                </a:pathLst>
+              </a:custGeom>
+              <a:solidFill>
+                <a:srgbClr val="00B050"/>
+              </a:solidFill>
+            </p:spPr>
+            <p:style>
+              <a:lnRef idx="2">
+                <a:schemeClr val="lt1">
+                  <a:hueOff val="0"/>
+                  <a:satOff val="0"/>
+                  <a:lumOff val="0"/>
+                  <a:alphaOff val="0"/>
+                </a:schemeClr>
+              </a:lnRef>
+              <a:fillRef idx="1">
+                <a:schemeClr val="accent1">
+                  <a:hueOff val="0"/>
+                  <a:satOff val="0"/>
+                  <a:lumOff val="0"/>
+                  <a:alphaOff val="0"/>
+                </a:schemeClr>
+              </a:fillRef>
+              <a:effectRef idx="0">
+                <a:schemeClr val="accent1">
+                  <a:hueOff val="0"/>
+                  <a:satOff val="0"/>
+                  <a:lumOff val="0"/>
+                  <a:alphaOff val="0"/>
+                </a:schemeClr>
+              </a:effectRef>
+              <a:fontRef idx="minor">
+                <a:schemeClr val="lt1"/>
+              </a:fontRef>
+            </p:style>
+            <p:txBody>
+              <a:bodyPr spcFirstLastPara="0" vert="horz" wrap="square" lIns="428245" tIns="428245" rIns="428243" bIns="428243" numCol="1" spcCol="1270" anchor="ctr" anchorCtr="0">
+                <a:noAutofit/>
+              </a:bodyPr>
+              <a:lstStyle/>
+              <a:p>
+                <a:pPr lvl="0" algn="ctr" defTabSz="889000">
+                  <a:lnSpc>
+                    <a:spcPct val="90000"/>
+                  </a:lnSpc>
+                  <a:spcBef>
+                    <a:spcPct val="0"/>
+                  </a:spcBef>
+                  <a:spcAft>
+                    <a:spcPct val="35000"/>
+                  </a:spcAft>
+                </a:pPr>
+                <a:r>
+                  <a:rPr lang="en-US" sz="1200" dirty="0"/>
+                  <a:t>High Credit Rating </a:t>
+                </a:r>
+                <a:r>
+                  <a:rPr lang="en-US" sz="1000" dirty="0"/>
+                  <a:t>(</a:t>
+                </a:r>
+                <a:r>
+                  <a:rPr lang="en-US" sz="1000" dirty="0" err="1"/>
+                  <a:t>credita</a:t>
+                </a:r>
+                <a:r>
+                  <a:rPr lang="en-US" sz="1000" dirty="0"/>
+                  <a:t>, aa)</a:t>
+                </a:r>
+                <a:endParaRPr lang="en-US" sz="1100" kern="1200" dirty="0"/>
+              </a:p>
+            </p:txBody>
+          </p:sp>
+          <p:sp>
+            <p:nvSpPr>
+              <p:cNvPr id="43" name="Freeform 21">
+                <a:extLst>
+                  <a:ext uri="{FF2B5EF4-FFF2-40B4-BE49-F238E27FC236}">
+                    <a16:creationId xmlns:a16="http://schemas.microsoft.com/office/drawing/2014/main" id="{A9E4B3A0-03B5-4A49-811E-D3FF86219932}"/>
+                  </a:ext>
+                </a:extLst>
+              </p:cNvPr>
+              <p:cNvSpPr/>
+              <p:nvPr/>
+            </p:nvSpPr>
+            <p:spPr>
+              <a:xfrm>
+                <a:off x="5915258" y="3457216"/>
+                <a:ext cx="1763743" cy="1793330"/>
+              </a:xfrm>
+              <a:custGeom>
+                <a:avLst/>
+                <a:gdLst>
+                  <a:gd name="connsiteX0" fmla="*/ 908728 w 1214476"/>
+                  <a:gd name="connsiteY0" fmla="*/ 307596 h 1214476"/>
+                  <a:gd name="connsiteX1" fmla="*/ 1087904 w 1214476"/>
+                  <a:gd name="connsiteY1" fmla="*/ 253596 h 1214476"/>
+                  <a:gd name="connsiteX2" fmla="*/ 1153835 w 1214476"/>
+                  <a:gd name="connsiteY2" fmla="*/ 367790 h 1214476"/>
+                  <a:gd name="connsiteX3" fmla="*/ 1017481 w 1214476"/>
+                  <a:gd name="connsiteY3" fmla="*/ 495961 h 1214476"/>
+                  <a:gd name="connsiteX4" fmla="*/ 1017481 w 1214476"/>
+                  <a:gd name="connsiteY4" fmla="*/ 718515 h 1214476"/>
+                  <a:gd name="connsiteX5" fmla="*/ 1153835 w 1214476"/>
+                  <a:gd name="connsiteY5" fmla="*/ 846686 h 1214476"/>
+                  <a:gd name="connsiteX6" fmla="*/ 1087904 w 1214476"/>
+                  <a:gd name="connsiteY6" fmla="*/ 960880 h 1214476"/>
+                  <a:gd name="connsiteX7" fmla="*/ 908728 w 1214476"/>
+                  <a:gd name="connsiteY7" fmla="*/ 906880 h 1214476"/>
+                  <a:gd name="connsiteX8" fmla="*/ 715990 w 1214476"/>
+                  <a:gd name="connsiteY8" fmla="*/ 1018157 h 1214476"/>
+                  <a:gd name="connsiteX9" fmla="*/ 673168 w 1214476"/>
+                  <a:gd name="connsiteY9" fmla="*/ 1200328 h 1214476"/>
+                  <a:gd name="connsiteX10" fmla="*/ 541308 w 1214476"/>
+                  <a:gd name="connsiteY10" fmla="*/ 1200328 h 1214476"/>
+                  <a:gd name="connsiteX11" fmla="*/ 498485 w 1214476"/>
+                  <a:gd name="connsiteY11" fmla="*/ 1018157 h 1214476"/>
+                  <a:gd name="connsiteX12" fmla="*/ 305747 w 1214476"/>
+                  <a:gd name="connsiteY12" fmla="*/ 906880 h 1214476"/>
+                  <a:gd name="connsiteX13" fmla="*/ 126572 w 1214476"/>
+                  <a:gd name="connsiteY13" fmla="*/ 960880 h 1214476"/>
+                  <a:gd name="connsiteX14" fmla="*/ 60641 w 1214476"/>
+                  <a:gd name="connsiteY14" fmla="*/ 846686 h 1214476"/>
+                  <a:gd name="connsiteX15" fmla="*/ 196995 w 1214476"/>
+                  <a:gd name="connsiteY15" fmla="*/ 718515 h 1214476"/>
+                  <a:gd name="connsiteX16" fmla="*/ 196995 w 1214476"/>
+                  <a:gd name="connsiteY16" fmla="*/ 495961 h 1214476"/>
+                  <a:gd name="connsiteX17" fmla="*/ 60641 w 1214476"/>
+                  <a:gd name="connsiteY17" fmla="*/ 367790 h 1214476"/>
+                  <a:gd name="connsiteX18" fmla="*/ 126572 w 1214476"/>
+                  <a:gd name="connsiteY18" fmla="*/ 253596 h 1214476"/>
+                  <a:gd name="connsiteX19" fmla="*/ 305748 w 1214476"/>
+                  <a:gd name="connsiteY19" fmla="*/ 307596 h 1214476"/>
+                  <a:gd name="connsiteX20" fmla="*/ 498486 w 1214476"/>
+                  <a:gd name="connsiteY20" fmla="*/ 196319 h 1214476"/>
+                  <a:gd name="connsiteX21" fmla="*/ 541308 w 1214476"/>
+                  <a:gd name="connsiteY21" fmla="*/ 14148 h 1214476"/>
+                  <a:gd name="connsiteX22" fmla="*/ 673168 w 1214476"/>
+                  <a:gd name="connsiteY22" fmla="*/ 14148 h 1214476"/>
+                  <a:gd name="connsiteX23" fmla="*/ 715991 w 1214476"/>
+                  <a:gd name="connsiteY23" fmla="*/ 196319 h 1214476"/>
+                  <a:gd name="connsiteX24" fmla="*/ 908729 w 1214476"/>
+                  <a:gd name="connsiteY24" fmla="*/ 307596 h 1214476"/>
+                  <a:gd name="connsiteX25" fmla="*/ 908728 w 1214476"/>
+                  <a:gd name="connsiteY25" fmla="*/ 307596 h 1214476"/>
+                </a:gdLst>
+                <a:ahLst/>
+                <a:cxnLst>
+                  <a:cxn ang="0">
+                    <a:pos x="connsiteX0" y="connsiteY0"/>
+                  </a:cxn>
+                  <a:cxn ang="0">
+                    <a:pos x="connsiteX1" y="connsiteY1"/>
+                  </a:cxn>
+                  <a:cxn ang="0">
+                    <a:pos x="connsiteX2" y="connsiteY2"/>
+                  </a:cxn>
+                  <a:cxn ang="0">
+                    <a:pos x="connsiteX3" y="connsiteY3"/>
+                  </a:cxn>
+                  <a:cxn ang="0">
+                    <a:pos x="connsiteX4" y="connsiteY4"/>
+                  </a:cxn>
+                  <a:cxn ang="0">
+                    <a:pos x="connsiteX5" y="connsiteY5"/>
+                  </a:cxn>
+                  <a:cxn ang="0">
+                    <a:pos x="connsiteX6" y="connsiteY6"/>
+                  </a:cxn>
+                  <a:cxn ang="0">
+                    <a:pos x="connsiteX7" y="connsiteY7"/>
+                  </a:cxn>
+                  <a:cxn ang="0">
+                    <a:pos x="connsiteX8" y="connsiteY8"/>
+                  </a:cxn>
+                  <a:cxn ang="0">
+                    <a:pos x="connsiteX9" y="connsiteY9"/>
+                  </a:cxn>
+                  <a:cxn ang="0">
+                    <a:pos x="connsiteX10" y="connsiteY10"/>
+                  </a:cxn>
+                  <a:cxn ang="0">
+                    <a:pos x="connsiteX11" y="connsiteY11"/>
+                  </a:cxn>
+                  <a:cxn ang="0">
+                    <a:pos x="connsiteX12" y="connsiteY12"/>
+                  </a:cxn>
+                  <a:cxn ang="0">
+                    <a:pos x="connsiteX13" y="connsiteY13"/>
+                  </a:cxn>
+                  <a:cxn ang="0">
+                    <a:pos x="connsiteX14" y="connsiteY14"/>
+                  </a:cxn>
+                  <a:cxn ang="0">
+                    <a:pos x="connsiteX15" y="connsiteY15"/>
+                  </a:cxn>
+                  <a:cxn ang="0">
+                    <a:pos x="connsiteX16" y="connsiteY16"/>
+                  </a:cxn>
+                  <a:cxn ang="0">
+                    <a:pos x="connsiteX17" y="connsiteY17"/>
+                  </a:cxn>
+                  <a:cxn ang="0">
+                    <a:pos x="connsiteX18" y="connsiteY18"/>
+                  </a:cxn>
+                  <a:cxn ang="0">
+                    <a:pos x="connsiteX19" y="connsiteY19"/>
+                  </a:cxn>
+                  <a:cxn ang="0">
+                    <a:pos x="connsiteX20" y="connsiteY20"/>
+                  </a:cxn>
+                  <a:cxn ang="0">
+                    <a:pos x="connsiteX21" y="connsiteY21"/>
+                  </a:cxn>
+                  <a:cxn ang="0">
+                    <a:pos x="connsiteX22" y="connsiteY22"/>
+                  </a:cxn>
+                  <a:cxn ang="0">
+                    <a:pos x="connsiteX23" y="connsiteY23"/>
+                  </a:cxn>
+                  <a:cxn ang="0">
+                    <a:pos x="connsiteX24" y="connsiteY24"/>
+                  </a:cxn>
+                  <a:cxn ang="0">
+                    <a:pos x="connsiteX25" y="connsiteY25"/>
+                  </a:cxn>
+                </a:cxnLst>
+                <a:rect l="l" t="t" r="r" b="b"/>
+                <a:pathLst>
+                  <a:path w="1214476" h="1214476">
+                    <a:moveTo>
+                      <a:pt x="781694" y="307206"/>
+                    </a:moveTo>
+                    <a:lnTo>
+                      <a:pt x="911594" y="226753"/>
+                    </a:lnTo>
+                    <a:lnTo>
+                      <a:pt x="987724" y="302882"/>
+                    </a:lnTo>
+                    <a:lnTo>
+                      <a:pt x="907271" y="432782"/>
+                    </a:lnTo>
+                    <a:cubicBezTo>
+                      <a:pt x="938258" y="486074"/>
+                      <a:pt x="954491" y="546659"/>
+                      <a:pt x="954302" y="608305"/>
+                    </a:cubicBezTo>
+                    <a:lnTo>
+                      <a:pt x="1088927" y="680575"/>
+                    </a:lnTo>
+                    <a:lnTo>
+                      <a:pt x="1061060" y="784570"/>
+                    </a:lnTo>
+                    <a:lnTo>
+                      <a:pt x="908337" y="779846"/>
+                    </a:lnTo>
+                    <a:cubicBezTo>
+                      <a:pt x="877678" y="833327"/>
+                      <a:pt x="833328" y="877678"/>
+                      <a:pt x="779845" y="908337"/>
+                    </a:cubicBezTo>
+                    <a:lnTo>
+                      <a:pt x="784570" y="1061060"/>
+                    </a:lnTo>
+                    <a:lnTo>
+                      <a:pt x="680575" y="1088926"/>
+                    </a:lnTo>
+                    <a:lnTo>
+                      <a:pt x="608305" y="954302"/>
+                    </a:lnTo>
+                    <a:cubicBezTo>
+                      <a:pt x="546659" y="954491"/>
+                      <a:pt x="486075" y="938257"/>
+                      <a:pt x="432781" y="907271"/>
+                    </a:cubicBezTo>
+                    <a:lnTo>
+                      <a:pt x="302882" y="987723"/>
+                    </a:lnTo>
+                    <a:lnTo>
+                      <a:pt x="226752" y="911594"/>
+                    </a:lnTo>
+                    <a:lnTo>
+                      <a:pt x="307205" y="781694"/>
+                    </a:lnTo>
+                    <a:cubicBezTo>
+                      <a:pt x="276218" y="728402"/>
+                      <a:pt x="259985" y="667817"/>
+                      <a:pt x="260174" y="606171"/>
+                    </a:cubicBezTo>
+                    <a:lnTo>
+                      <a:pt x="125549" y="533901"/>
+                    </a:lnTo>
+                    <a:lnTo>
+                      <a:pt x="153416" y="429906"/>
+                    </a:lnTo>
+                    <a:lnTo>
+                      <a:pt x="306139" y="434630"/>
+                    </a:lnTo>
+                    <a:cubicBezTo>
+                      <a:pt x="336798" y="381149"/>
+                      <a:pt x="381148" y="336798"/>
+                      <a:pt x="434631" y="306139"/>
+                    </a:cubicBezTo>
+                    <a:lnTo>
+                      <a:pt x="429906" y="153416"/>
+                    </a:lnTo>
+                    <a:lnTo>
+                      <a:pt x="533901" y="125550"/>
+                    </a:lnTo>
+                    <a:lnTo>
+                      <a:pt x="606171" y="260174"/>
+                    </a:lnTo>
+                    <a:cubicBezTo>
+                      <a:pt x="667817" y="259985"/>
+                      <a:pt x="728401" y="276219"/>
+                      <a:pt x="781695" y="307205"/>
+                    </a:cubicBezTo>
+                    <a:lnTo>
+                      <a:pt x="781694" y="307206"/>
+                    </a:lnTo>
+                    <a:close/>
+                  </a:path>
+                </a:pathLst>
+              </a:custGeom>
+              <a:solidFill>
+                <a:srgbClr val="CC3300"/>
+              </a:solidFill>
+            </p:spPr>
+            <p:style>
+              <a:lnRef idx="2">
+                <a:schemeClr val="lt1">
+                  <a:hueOff val="0"/>
+                  <a:satOff val="0"/>
+                  <a:lumOff val="0"/>
+                  <a:alphaOff val="0"/>
+                </a:schemeClr>
+              </a:lnRef>
+              <a:fillRef idx="1">
+                <a:schemeClr val="accent1">
+                  <a:hueOff val="0"/>
+                  <a:satOff val="0"/>
+                  <a:lumOff val="0"/>
+                  <a:alphaOff val="0"/>
+                </a:schemeClr>
+              </a:fillRef>
+              <a:effectRef idx="0">
+                <a:schemeClr val="accent1">
+                  <a:hueOff val="0"/>
+                  <a:satOff val="0"/>
+                  <a:lumOff val="0"/>
+                  <a:alphaOff val="0"/>
+                </a:schemeClr>
+              </a:effectRef>
+              <a:fontRef idx="minor">
+                <a:schemeClr val="lt1"/>
+              </a:fontRef>
+            </p:style>
+            <p:txBody>
+              <a:bodyPr spcFirstLastPara="0" vert="horz" wrap="square" lIns="428245" tIns="428245" rIns="428243" bIns="428243" numCol="1" spcCol="1270" anchor="ctr" anchorCtr="0">
+                <a:noAutofit/>
+              </a:bodyPr>
+              <a:lstStyle/>
+              <a:p>
+                <a:pPr lvl="0" algn="ctr" defTabSz="889000">
+                  <a:lnSpc>
+                    <a:spcPct val="90000"/>
+                  </a:lnSpc>
+                  <a:spcBef>
+                    <a:spcPct val="0"/>
+                  </a:spcBef>
+                  <a:spcAft>
+                    <a:spcPct val="35000"/>
+                  </a:spcAft>
+                </a:pPr>
+                <a:r>
+                  <a:rPr lang="en-US" sz="1200" kern="1200" dirty="0"/>
+                  <a:t>Number of dropped or blocked calls </a:t>
+                </a:r>
+                <a:r>
+                  <a:rPr lang="en-US" sz="1000" kern="1200" dirty="0"/>
+                  <a:t>(</a:t>
+                </a:r>
+                <a:r>
+                  <a:rPr lang="en-US" sz="1000" kern="1200" dirty="0" err="1"/>
+                  <a:t>dropblk</a:t>
+                </a:r>
+                <a:r>
+                  <a:rPr lang="en-US" sz="1000" kern="1200" dirty="0"/>
+                  <a:t>)</a:t>
+                </a:r>
+              </a:p>
+            </p:txBody>
+          </p:sp>
+          <p:sp>
+            <p:nvSpPr>
+              <p:cNvPr id="44" name="Freeform 23">
+                <a:extLst>
+                  <a:ext uri="{FF2B5EF4-FFF2-40B4-BE49-F238E27FC236}">
+                    <a16:creationId xmlns:a16="http://schemas.microsoft.com/office/drawing/2014/main" id="{EEB052B8-BEAE-4A7D-8FB6-7D0D848899FB}"/>
+                  </a:ext>
+                </a:extLst>
+              </p:cNvPr>
+              <p:cNvSpPr/>
+              <p:nvPr/>
+            </p:nvSpPr>
+            <p:spPr>
+              <a:xfrm rot="21211761">
+                <a:off x="5004135" y="3197464"/>
+                <a:ext cx="1487424" cy="1487424"/>
+              </a:xfrm>
+              <a:custGeom>
+                <a:avLst/>
+                <a:gdLst>
+                  <a:gd name="connsiteX0" fmla="*/ 908728 w 1214476"/>
+                  <a:gd name="connsiteY0" fmla="*/ 307596 h 1214476"/>
+                  <a:gd name="connsiteX1" fmla="*/ 1087904 w 1214476"/>
+                  <a:gd name="connsiteY1" fmla="*/ 253596 h 1214476"/>
+                  <a:gd name="connsiteX2" fmla="*/ 1153835 w 1214476"/>
+                  <a:gd name="connsiteY2" fmla="*/ 367790 h 1214476"/>
+                  <a:gd name="connsiteX3" fmla="*/ 1017481 w 1214476"/>
+                  <a:gd name="connsiteY3" fmla="*/ 495961 h 1214476"/>
+                  <a:gd name="connsiteX4" fmla="*/ 1017481 w 1214476"/>
+                  <a:gd name="connsiteY4" fmla="*/ 718515 h 1214476"/>
+                  <a:gd name="connsiteX5" fmla="*/ 1153835 w 1214476"/>
+                  <a:gd name="connsiteY5" fmla="*/ 846686 h 1214476"/>
+                  <a:gd name="connsiteX6" fmla="*/ 1087904 w 1214476"/>
+                  <a:gd name="connsiteY6" fmla="*/ 960880 h 1214476"/>
+                  <a:gd name="connsiteX7" fmla="*/ 908728 w 1214476"/>
+                  <a:gd name="connsiteY7" fmla="*/ 906880 h 1214476"/>
+                  <a:gd name="connsiteX8" fmla="*/ 715990 w 1214476"/>
+                  <a:gd name="connsiteY8" fmla="*/ 1018157 h 1214476"/>
+                  <a:gd name="connsiteX9" fmla="*/ 673168 w 1214476"/>
+                  <a:gd name="connsiteY9" fmla="*/ 1200328 h 1214476"/>
+                  <a:gd name="connsiteX10" fmla="*/ 541308 w 1214476"/>
+                  <a:gd name="connsiteY10" fmla="*/ 1200328 h 1214476"/>
+                  <a:gd name="connsiteX11" fmla="*/ 498485 w 1214476"/>
+                  <a:gd name="connsiteY11" fmla="*/ 1018157 h 1214476"/>
+                  <a:gd name="connsiteX12" fmla="*/ 305747 w 1214476"/>
+                  <a:gd name="connsiteY12" fmla="*/ 906880 h 1214476"/>
+                  <a:gd name="connsiteX13" fmla="*/ 126572 w 1214476"/>
+                  <a:gd name="connsiteY13" fmla="*/ 960880 h 1214476"/>
+                  <a:gd name="connsiteX14" fmla="*/ 60641 w 1214476"/>
+                  <a:gd name="connsiteY14" fmla="*/ 846686 h 1214476"/>
+                  <a:gd name="connsiteX15" fmla="*/ 196995 w 1214476"/>
+                  <a:gd name="connsiteY15" fmla="*/ 718515 h 1214476"/>
+                  <a:gd name="connsiteX16" fmla="*/ 196995 w 1214476"/>
+                  <a:gd name="connsiteY16" fmla="*/ 495961 h 1214476"/>
+                  <a:gd name="connsiteX17" fmla="*/ 60641 w 1214476"/>
+                  <a:gd name="connsiteY17" fmla="*/ 367790 h 1214476"/>
+                  <a:gd name="connsiteX18" fmla="*/ 126572 w 1214476"/>
+                  <a:gd name="connsiteY18" fmla="*/ 253596 h 1214476"/>
+                  <a:gd name="connsiteX19" fmla="*/ 305748 w 1214476"/>
+                  <a:gd name="connsiteY19" fmla="*/ 307596 h 1214476"/>
+                  <a:gd name="connsiteX20" fmla="*/ 498486 w 1214476"/>
+                  <a:gd name="connsiteY20" fmla="*/ 196319 h 1214476"/>
+                  <a:gd name="connsiteX21" fmla="*/ 541308 w 1214476"/>
+                  <a:gd name="connsiteY21" fmla="*/ 14148 h 1214476"/>
+                  <a:gd name="connsiteX22" fmla="*/ 673168 w 1214476"/>
+                  <a:gd name="connsiteY22" fmla="*/ 14148 h 1214476"/>
+                  <a:gd name="connsiteX23" fmla="*/ 715991 w 1214476"/>
+                  <a:gd name="connsiteY23" fmla="*/ 196319 h 1214476"/>
+                  <a:gd name="connsiteX24" fmla="*/ 908729 w 1214476"/>
+                  <a:gd name="connsiteY24" fmla="*/ 307596 h 1214476"/>
+                  <a:gd name="connsiteX25" fmla="*/ 908728 w 1214476"/>
+                  <a:gd name="connsiteY25" fmla="*/ 307596 h 1214476"/>
+                </a:gdLst>
+                <a:ahLst/>
+                <a:cxnLst>
+                  <a:cxn ang="0">
+                    <a:pos x="connsiteX0" y="connsiteY0"/>
+                  </a:cxn>
+                  <a:cxn ang="0">
+                    <a:pos x="connsiteX1" y="connsiteY1"/>
+                  </a:cxn>
+                  <a:cxn ang="0">
+                    <a:pos x="connsiteX2" y="connsiteY2"/>
+                  </a:cxn>
+                  <a:cxn ang="0">
+                    <a:pos x="connsiteX3" y="connsiteY3"/>
+                  </a:cxn>
+                  <a:cxn ang="0">
+                    <a:pos x="connsiteX4" y="connsiteY4"/>
+                  </a:cxn>
+                  <a:cxn ang="0">
+                    <a:pos x="connsiteX5" y="connsiteY5"/>
+                  </a:cxn>
+                  <a:cxn ang="0">
+                    <a:pos x="connsiteX6" y="connsiteY6"/>
+                  </a:cxn>
+                  <a:cxn ang="0">
+                    <a:pos x="connsiteX7" y="connsiteY7"/>
+                  </a:cxn>
+                  <a:cxn ang="0">
+                    <a:pos x="connsiteX8" y="connsiteY8"/>
+                  </a:cxn>
+                  <a:cxn ang="0">
+                    <a:pos x="connsiteX9" y="connsiteY9"/>
+                  </a:cxn>
+                  <a:cxn ang="0">
+                    <a:pos x="connsiteX10" y="connsiteY10"/>
+                  </a:cxn>
+                  <a:cxn ang="0">
+                    <a:pos x="connsiteX11" y="connsiteY11"/>
+                  </a:cxn>
+                  <a:cxn ang="0">
+                    <a:pos x="connsiteX12" y="connsiteY12"/>
+                  </a:cxn>
+                  <a:cxn ang="0">
+                    <a:pos x="connsiteX13" y="connsiteY13"/>
+                  </a:cxn>
+                  <a:cxn ang="0">
+                    <a:pos x="connsiteX14" y="connsiteY14"/>
+                  </a:cxn>
+                  <a:cxn ang="0">
+                    <a:pos x="connsiteX15" y="connsiteY15"/>
+                  </a:cxn>
+                  <a:cxn ang="0">
+                    <a:pos x="connsiteX16" y="connsiteY16"/>
+                  </a:cxn>
+                  <a:cxn ang="0">
+                    <a:pos x="connsiteX17" y="connsiteY17"/>
+                  </a:cxn>
+                  <a:cxn ang="0">
+                    <a:pos x="connsiteX18" y="connsiteY18"/>
+                  </a:cxn>
+                  <a:cxn ang="0">
+                    <a:pos x="connsiteX19" y="connsiteY19"/>
+                  </a:cxn>
+                  <a:cxn ang="0">
+                    <a:pos x="connsiteX20" y="connsiteY20"/>
+                  </a:cxn>
+                  <a:cxn ang="0">
+                    <a:pos x="connsiteX21" y="connsiteY21"/>
+                  </a:cxn>
+                  <a:cxn ang="0">
+                    <a:pos x="connsiteX22" y="connsiteY22"/>
+                  </a:cxn>
+                  <a:cxn ang="0">
+                    <a:pos x="connsiteX23" y="connsiteY23"/>
+                  </a:cxn>
+                  <a:cxn ang="0">
+                    <a:pos x="connsiteX24" y="connsiteY24"/>
+                  </a:cxn>
+                  <a:cxn ang="0">
+                    <a:pos x="connsiteX25" y="connsiteY25"/>
+                  </a:cxn>
+                </a:cxnLst>
+                <a:rect l="l" t="t" r="r" b="b"/>
+                <a:pathLst>
+                  <a:path w="1214476" h="1214476">
+                    <a:moveTo>
+                      <a:pt x="781694" y="307206"/>
+                    </a:moveTo>
+                    <a:lnTo>
+                      <a:pt x="911594" y="226753"/>
+                    </a:lnTo>
+                    <a:lnTo>
+                      <a:pt x="987724" y="302882"/>
+                    </a:lnTo>
+                    <a:lnTo>
+                      <a:pt x="907271" y="432782"/>
+                    </a:lnTo>
+                    <a:cubicBezTo>
+                      <a:pt x="938258" y="486074"/>
+                      <a:pt x="954491" y="546659"/>
+                      <a:pt x="954302" y="608305"/>
+                    </a:cubicBezTo>
+                    <a:lnTo>
+                      <a:pt x="1088927" y="680575"/>
+                    </a:lnTo>
+                    <a:lnTo>
+                      <a:pt x="1061060" y="784570"/>
+                    </a:lnTo>
+                    <a:lnTo>
+                      <a:pt x="908337" y="779846"/>
+                    </a:lnTo>
+                    <a:cubicBezTo>
+                      <a:pt x="877678" y="833327"/>
+                      <a:pt x="833328" y="877678"/>
+                      <a:pt x="779845" y="908337"/>
+                    </a:cubicBezTo>
+                    <a:lnTo>
+                      <a:pt x="784570" y="1061060"/>
+                    </a:lnTo>
+                    <a:lnTo>
+                      <a:pt x="680575" y="1088926"/>
+                    </a:lnTo>
+                    <a:lnTo>
+                      <a:pt x="608305" y="954302"/>
+                    </a:lnTo>
+                    <a:cubicBezTo>
+                      <a:pt x="546659" y="954491"/>
+                      <a:pt x="486075" y="938257"/>
+                      <a:pt x="432781" y="907271"/>
+                    </a:cubicBezTo>
+                    <a:lnTo>
+                      <a:pt x="302882" y="987723"/>
+                    </a:lnTo>
+                    <a:lnTo>
+                      <a:pt x="226752" y="911594"/>
+                    </a:lnTo>
+                    <a:lnTo>
+                      <a:pt x="307205" y="781694"/>
+                    </a:lnTo>
+                    <a:cubicBezTo>
+                      <a:pt x="276218" y="728402"/>
+                      <a:pt x="259985" y="667817"/>
+                      <a:pt x="260174" y="606171"/>
+                    </a:cubicBezTo>
+                    <a:lnTo>
+                      <a:pt x="125549" y="533901"/>
+                    </a:lnTo>
+                    <a:lnTo>
+                      <a:pt x="153416" y="429906"/>
+                    </a:lnTo>
+                    <a:lnTo>
+                      <a:pt x="306139" y="434630"/>
+                    </a:lnTo>
+                    <a:cubicBezTo>
+                      <a:pt x="336798" y="381149"/>
+                      <a:pt x="381148" y="336798"/>
+                      <a:pt x="434631" y="306139"/>
+                    </a:cubicBezTo>
+                    <a:lnTo>
+                      <a:pt x="429906" y="153416"/>
+                    </a:lnTo>
+                    <a:lnTo>
+                      <a:pt x="533901" y="125550"/>
+                    </a:lnTo>
+                    <a:lnTo>
+                      <a:pt x="606171" y="260174"/>
+                    </a:lnTo>
+                    <a:cubicBezTo>
+                      <a:pt x="667817" y="259985"/>
+                      <a:pt x="728401" y="276219"/>
+                      <a:pt x="781695" y="307205"/>
+                    </a:cubicBezTo>
+                    <a:lnTo>
+                      <a:pt x="781694" y="307206"/>
+                    </a:lnTo>
+                    <a:close/>
+                  </a:path>
+                </a:pathLst>
+              </a:custGeom>
+              <a:solidFill>
+                <a:srgbClr val="CC3300"/>
+              </a:solidFill>
+            </p:spPr>
+            <p:style>
+              <a:lnRef idx="2">
+                <a:schemeClr val="lt1">
+                  <a:hueOff val="0"/>
+                  <a:satOff val="0"/>
+                  <a:lumOff val="0"/>
+                  <a:alphaOff val="0"/>
+                </a:schemeClr>
+              </a:lnRef>
+              <a:fillRef idx="1">
+                <a:schemeClr val="accent1">
+                  <a:hueOff val="0"/>
+                  <a:satOff val="0"/>
+                  <a:lumOff val="0"/>
+                  <a:alphaOff val="0"/>
+                </a:schemeClr>
+              </a:fillRef>
+              <a:effectRef idx="0">
+                <a:schemeClr val="accent1">
+                  <a:hueOff val="0"/>
+                  <a:satOff val="0"/>
+                  <a:lumOff val="0"/>
+                  <a:alphaOff val="0"/>
+                </a:schemeClr>
+              </a:effectRef>
+              <a:fontRef idx="minor">
+                <a:schemeClr val="lt1"/>
+              </a:fontRef>
+            </p:style>
+            <p:txBody>
+              <a:bodyPr spcFirstLastPara="0" vert="horz" wrap="square" lIns="428245" tIns="428245" rIns="428243" bIns="428243" numCol="1" spcCol="1270" anchor="ctr" anchorCtr="0">
+                <a:noAutofit/>
+              </a:bodyPr>
+              <a:lstStyle/>
+              <a:p>
+                <a:pPr lvl="0" algn="ctr" defTabSz="889000">
+                  <a:lnSpc>
+                    <a:spcPct val="90000"/>
+                  </a:lnSpc>
+                  <a:spcBef>
+                    <a:spcPct val="0"/>
+                  </a:spcBef>
+                  <a:spcAft>
+                    <a:spcPct val="35000"/>
+                  </a:spcAft>
+                </a:pPr>
+                <a:r>
+                  <a:rPr lang="en-US" sz="1200" kern="1200" dirty="0"/>
+                  <a:t>Overage Minutes Usage </a:t>
+                </a:r>
+                <a:r>
+                  <a:rPr lang="en-US" sz="1000" kern="1200" dirty="0"/>
+                  <a:t>(overage)</a:t>
+                </a:r>
+                <a:endParaRPr lang="en-US" sz="1100" kern="1200" dirty="0"/>
+              </a:p>
+            </p:txBody>
+          </p:sp>
+          <p:sp>
+            <p:nvSpPr>
+              <p:cNvPr id="45" name="Freeform 32">
+                <a:extLst>
+                  <a:ext uri="{FF2B5EF4-FFF2-40B4-BE49-F238E27FC236}">
+                    <a16:creationId xmlns:a16="http://schemas.microsoft.com/office/drawing/2014/main" id="{29C3D4D6-ABF3-4CE9-8431-C9CACFDD0D6D}"/>
+                  </a:ext>
+                </a:extLst>
+              </p:cNvPr>
+              <p:cNvSpPr/>
+              <p:nvPr/>
+            </p:nvSpPr>
+            <p:spPr>
+              <a:xfrm>
+                <a:off x="4497612" y="2292743"/>
+                <a:ext cx="1487424" cy="1487424"/>
+              </a:xfrm>
+              <a:custGeom>
+                <a:avLst/>
+                <a:gdLst>
+                  <a:gd name="connsiteX0" fmla="*/ 908728 w 1214476"/>
+                  <a:gd name="connsiteY0" fmla="*/ 307596 h 1214476"/>
+                  <a:gd name="connsiteX1" fmla="*/ 1087904 w 1214476"/>
+                  <a:gd name="connsiteY1" fmla="*/ 253596 h 1214476"/>
+                  <a:gd name="connsiteX2" fmla="*/ 1153835 w 1214476"/>
+                  <a:gd name="connsiteY2" fmla="*/ 367790 h 1214476"/>
+                  <a:gd name="connsiteX3" fmla="*/ 1017481 w 1214476"/>
+                  <a:gd name="connsiteY3" fmla="*/ 495961 h 1214476"/>
+                  <a:gd name="connsiteX4" fmla="*/ 1017481 w 1214476"/>
+                  <a:gd name="connsiteY4" fmla="*/ 718515 h 1214476"/>
+                  <a:gd name="connsiteX5" fmla="*/ 1153835 w 1214476"/>
+                  <a:gd name="connsiteY5" fmla="*/ 846686 h 1214476"/>
+                  <a:gd name="connsiteX6" fmla="*/ 1087904 w 1214476"/>
+                  <a:gd name="connsiteY6" fmla="*/ 960880 h 1214476"/>
+                  <a:gd name="connsiteX7" fmla="*/ 908728 w 1214476"/>
+                  <a:gd name="connsiteY7" fmla="*/ 906880 h 1214476"/>
+                  <a:gd name="connsiteX8" fmla="*/ 715990 w 1214476"/>
+                  <a:gd name="connsiteY8" fmla="*/ 1018157 h 1214476"/>
+                  <a:gd name="connsiteX9" fmla="*/ 673168 w 1214476"/>
+                  <a:gd name="connsiteY9" fmla="*/ 1200328 h 1214476"/>
+                  <a:gd name="connsiteX10" fmla="*/ 541308 w 1214476"/>
+                  <a:gd name="connsiteY10" fmla="*/ 1200328 h 1214476"/>
+                  <a:gd name="connsiteX11" fmla="*/ 498485 w 1214476"/>
+                  <a:gd name="connsiteY11" fmla="*/ 1018157 h 1214476"/>
+                  <a:gd name="connsiteX12" fmla="*/ 305747 w 1214476"/>
+                  <a:gd name="connsiteY12" fmla="*/ 906880 h 1214476"/>
+                  <a:gd name="connsiteX13" fmla="*/ 126572 w 1214476"/>
+                  <a:gd name="connsiteY13" fmla="*/ 960880 h 1214476"/>
+                  <a:gd name="connsiteX14" fmla="*/ 60641 w 1214476"/>
+                  <a:gd name="connsiteY14" fmla="*/ 846686 h 1214476"/>
+                  <a:gd name="connsiteX15" fmla="*/ 196995 w 1214476"/>
+                  <a:gd name="connsiteY15" fmla="*/ 718515 h 1214476"/>
+                  <a:gd name="connsiteX16" fmla="*/ 196995 w 1214476"/>
+                  <a:gd name="connsiteY16" fmla="*/ 495961 h 1214476"/>
+                  <a:gd name="connsiteX17" fmla="*/ 60641 w 1214476"/>
+                  <a:gd name="connsiteY17" fmla="*/ 367790 h 1214476"/>
+                  <a:gd name="connsiteX18" fmla="*/ 126572 w 1214476"/>
+                  <a:gd name="connsiteY18" fmla="*/ 253596 h 1214476"/>
+                  <a:gd name="connsiteX19" fmla="*/ 305748 w 1214476"/>
+                  <a:gd name="connsiteY19" fmla="*/ 307596 h 1214476"/>
+                  <a:gd name="connsiteX20" fmla="*/ 498486 w 1214476"/>
+                  <a:gd name="connsiteY20" fmla="*/ 196319 h 1214476"/>
+                  <a:gd name="connsiteX21" fmla="*/ 541308 w 1214476"/>
+                  <a:gd name="connsiteY21" fmla="*/ 14148 h 1214476"/>
+                  <a:gd name="connsiteX22" fmla="*/ 673168 w 1214476"/>
+                  <a:gd name="connsiteY22" fmla="*/ 14148 h 1214476"/>
+                  <a:gd name="connsiteX23" fmla="*/ 715991 w 1214476"/>
+                  <a:gd name="connsiteY23" fmla="*/ 196319 h 1214476"/>
+                  <a:gd name="connsiteX24" fmla="*/ 908729 w 1214476"/>
+                  <a:gd name="connsiteY24" fmla="*/ 307596 h 1214476"/>
+                  <a:gd name="connsiteX25" fmla="*/ 908728 w 1214476"/>
+                  <a:gd name="connsiteY25" fmla="*/ 307596 h 1214476"/>
+                </a:gdLst>
+                <a:ahLst/>
+                <a:cxnLst>
+                  <a:cxn ang="0">
+                    <a:pos x="connsiteX0" y="connsiteY0"/>
+                  </a:cxn>
+                  <a:cxn ang="0">
+                    <a:pos x="connsiteX1" y="connsiteY1"/>
+                  </a:cxn>
+                  <a:cxn ang="0">
+                    <a:pos x="connsiteX2" y="connsiteY2"/>
+                  </a:cxn>
+                  <a:cxn ang="0">
+                    <a:pos x="connsiteX3" y="connsiteY3"/>
+                  </a:cxn>
+                  <a:cxn ang="0">
+                    <a:pos x="connsiteX4" y="connsiteY4"/>
+                  </a:cxn>
+                  <a:cxn ang="0">
+                    <a:pos x="connsiteX5" y="connsiteY5"/>
+                  </a:cxn>
+                  <a:cxn ang="0">
+                    <a:pos x="connsiteX6" y="connsiteY6"/>
+                  </a:cxn>
+                  <a:cxn ang="0">
+                    <a:pos x="connsiteX7" y="connsiteY7"/>
+                  </a:cxn>
+                  <a:cxn ang="0">
+                    <a:pos x="connsiteX8" y="connsiteY8"/>
+                  </a:cxn>
+                  <a:cxn ang="0">
+                    <a:pos x="connsiteX9" y="connsiteY9"/>
+                  </a:cxn>
+                  <a:cxn ang="0">
+                    <a:pos x="connsiteX10" y="connsiteY10"/>
+                  </a:cxn>
+                  <a:cxn ang="0">
+                    <a:pos x="connsiteX11" y="connsiteY11"/>
+                  </a:cxn>
+                  <a:cxn ang="0">
+                    <a:pos x="connsiteX12" y="connsiteY12"/>
+                  </a:cxn>
+                  <a:cxn ang="0">
+                    <a:pos x="connsiteX13" y="connsiteY13"/>
+                  </a:cxn>
+                  <a:cxn ang="0">
+                    <a:pos x="connsiteX14" y="connsiteY14"/>
+                  </a:cxn>
+                  <a:cxn ang="0">
+                    <a:pos x="connsiteX15" y="connsiteY15"/>
+                  </a:cxn>
+                  <a:cxn ang="0">
+                    <a:pos x="connsiteX16" y="connsiteY16"/>
+                  </a:cxn>
+                  <a:cxn ang="0">
+                    <a:pos x="connsiteX17" y="connsiteY17"/>
+                  </a:cxn>
+                  <a:cxn ang="0">
+                    <a:pos x="connsiteX18" y="connsiteY18"/>
+                  </a:cxn>
+                  <a:cxn ang="0">
+                    <a:pos x="connsiteX19" y="connsiteY19"/>
+                  </a:cxn>
+                  <a:cxn ang="0">
+                    <a:pos x="connsiteX20" y="connsiteY20"/>
+                  </a:cxn>
+                  <a:cxn ang="0">
+                    <a:pos x="connsiteX21" y="connsiteY21"/>
+                  </a:cxn>
+                  <a:cxn ang="0">
+                    <a:pos x="connsiteX22" y="connsiteY22"/>
+                  </a:cxn>
+                  <a:cxn ang="0">
+                    <a:pos x="connsiteX23" y="connsiteY23"/>
+                  </a:cxn>
+                  <a:cxn ang="0">
+                    <a:pos x="connsiteX24" y="connsiteY24"/>
+                  </a:cxn>
+                  <a:cxn ang="0">
+                    <a:pos x="connsiteX25" y="connsiteY25"/>
+                  </a:cxn>
+                </a:cxnLst>
+                <a:rect l="l" t="t" r="r" b="b"/>
+                <a:pathLst>
+                  <a:path w="1214476" h="1214476">
+                    <a:moveTo>
+                      <a:pt x="781694" y="307206"/>
+                    </a:moveTo>
+                    <a:lnTo>
+                      <a:pt x="911594" y="226753"/>
+                    </a:lnTo>
+                    <a:lnTo>
+                      <a:pt x="987724" y="302882"/>
+                    </a:lnTo>
+                    <a:lnTo>
+                      <a:pt x="907271" y="432782"/>
+                    </a:lnTo>
+                    <a:cubicBezTo>
+                      <a:pt x="938258" y="486074"/>
+                      <a:pt x="954491" y="546659"/>
+                      <a:pt x="954302" y="608305"/>
+                    </a:cubicBezTo>
+                    <a:lnTo>
+                      <a:pt x="1088927" y="680575"/>
+                    </a:lnTo>
+                    <a:lnTo>
+                      <a:pt x="1061060" y="784570"/>
+                    </a:lnTo>
+                    <a:lnTo>
+                      <a:pt x="908337" y="779846"/>
+                    </a:lnTo>
+                    <a:cubicBezTo>
+                      <a:pt x="877678" y="833327"/>
+                      <a:pt x="833328" y="877678"/>
+                      <a:pt x="779845" y="908337"/>
+                    </a:cubicBezTo>
+                    <a:lnTo>
+                      <a:pt x="784570" y="1061060"/>
+                    </a:lnTo>
+                    <a:lnTo>
+                      <a:pt x="680575" y="1088926"/>
+                    </a:lnTo>
+                    <a:lnTo>
+                      <a:pt x="608305" y="954302"/>
+                    </a:lnTo>
+                    <a:cubicBezTo>
+                      <a:pt x="546659" y="954491"/>
+                      <a:pt x="486075" y="938257"/>
+                      <a:pt x="432781" y="907271"/>
+                    </a:cubicBezTo>
+                    <a:lnTo>
+                      <a:pt x="302882" y="987723"/>
+                    </a:lnTo>
+                    <a:lnTo>
+                      <a:pt x="226752" y="911594"/>
+                    </a:lnTo>
+                    <a:lnTo>
+                      <a:pt x="307205" y="781694"/>
+                    </a:lnTo>
+                    <a:cubicBezTo>
+                      <a:pt x="276218" y="728402"/>
+                      <a:pt x="259985" y="667817"/>
+                      <a:pt x="260174" y="606171"/>
+                    </a:cubicBezTo>
+                    <a:lnTo>
+                      <a:pt x="125549" y="533901"/>
+                    </a:lnTo>
+                    <a:lnTo>
+                      <a:pt x="153416" y="429906"/>
+                    </a:lnTo>
+                    <a:lnTo>
+                      <a:pt x="306139" y="434630"/>
+                    </a:lnTo>
+                    <a:cubicBezTo>
+                      <a:pt x="336798" y="381149"/>
+                      <a:pt x="381148" y="336798"/>
+                      <a:pt x="434631" y="306139"/>
+                    </a:cubicBezTo>
+                    <a:lnTo>
+                      <a:pt x="429906" y="153416"/>
+                    </a:lnTo>
+                    <a:lnTo>
+                      <a:pt x="533901" y="125550"/>
+                    </a:lnTo>
+                    <a:lnTo>
+                      <a:pt x="606171" y="260174"/>
+                    </a:lnTo>
+                    <a:cubicBezTo>
+                      <a:pt x="667817" y="259985"/>
+                      <a:pt x="728401" y="276219"/>
+                      <a:pt x="781695" y="307205"/>
+                    </a:cubicBezTo>
+                    <a:lnTo>
+                      <a:pt x="781694" y="307206"/>
+                    </a:lnTo>
+                    <a:close/>
+                  </a:path>
+                </a:pathLst>
+              </a:custGeom>
+              <a:solidFill>
+                <a:srgbClr val="CC3300"/>
+              </a:solidFill>
+            </p:spPr>
+            <p:style>
+              <a:lnRef idx="2">
+                <a:schemeClr val="lt1">
+                  <a:hueOff val="0"/>
+                  <a:satOff val="0"/>
+                  <a:lumOff val="0"/>
+                  <a:alphaOff val="0"/>
+                </a:schemeClr>
+              </a:lnRef>
+              <a:fillRef idx="1">
+                <a:schemeClr val="accent1">
+                  <a:hueOff val="0"/>
+                  <a:satOff val="0"/>
+                  <a:lumOff val="0"/>
+                  <a:alphaOff val="0"/>
+                </a:schemeClr>
+              </a:fillRef>
+              <a:effectRef idx="0">
+                <a:schemeClr val="accent1">
+                  <a:hueOff val="0"/>
+                  <a:satOff val="0"/>
+                  <a:lumOff val="0"/>
+                  <a:alphaOff val="0"/>
+                </a:schemeClr>
+              </a:effectRef>
+              <a:fontRef idx="minor">
+                <a:schemeClr val="lt1"/>
+              </a:fontRef>
+            </p:style>
+            <p:txBody>
+              <a:bodyPr spcFirstLastPara="0" vert="horz" wrap="square" lIns="428245" tIns="428245" rIns="428243" bIns="428243" numCol="1" spcCol="1270" anchor="ctr" anchorCtr="0">
+                <a:noAutofit/>
+              </a:bodyPr>
+              <a:lstStyle/>
+              <a:p>
+                <a:pPr lvl="0" algn="ctr" defTabSz="889000">
+                  <a:lnSpc>
+                    <a:spcPct val="90000"/>
+                  </a:lnSpc>
+                  <a:spcBef>
+                    <a:spcPct val="0"/>
+                  </a:spcBef>
+                  <a:spcAft>
+                    <a:spcPct val="35000"/>
+                  </a:spcAft>
+                </a:pPr>
+                <a:r>
+                  <a:rPr lang="en-US" sz="1100" dirty="0"/>
+                  <a:t>Current Equipment Age</a:t>
+                </a:r>
+              </a:p>
+              <a:p>
+                <a:pPr lvl="0" algn="ctr" defTabSz="889000">
+                  <a:lnSpc>
+                    <a:spcPct val="90000"/>
+                  </a:lnSpc>
+                  <a:spcBef>
+                    <a:spcPct val="0"/>
+                  </a:spcBef>
+                  <a:spcAft>
+                    <a:spcPct val="35000"/>
+                  </a:spcAft>
+                </a:pPr>
+                <a:r>
+                  <a:rPr lang="en-US" sz="1000" dirty="0"/>
+                  <a:t>(</a:t>
+                </a:r>
+                <a:r>
+                  <a:rPr lang="en-US" sz="1000" dirty="0" err="1"/>
+                  <a:t>Eqpdays</a:t>
+                </a:r>
+                <a:r>
+                  <a:rPr lang="en-US" sz="1000" dirty="0"/>
+                  <a:t>)</a:t>
+                </a:r>
+                <a:endParaRPr lang="en-US" sz="1000" b="1" kern="1200" dirty="0"/>
+              </a:p>
+            </p:txBody>
+          </p:sp>
+        </p:grpSp>
+        <p:sp>
+          <p:nvSpPr>
+            <p:cNvPr id="37" name="Freeform 30">
+              <a:extLst>
+                <a:ext uri="{FF2B5EF4-FFF2-40B4-BE49-F238E27FC236}">
+                  <a16:creationId xmlns:a16="http://schemas.microsoft.com/office/drawing/2014/main" id="{FD08D564-5A79-4D91-9DF2-A43ED3106AC1}"/>
+                </a:ext>
+              </a:extLst>
+            </p:cNvPr>
+            <p:cNvSpPr/>
+            <p:nvPr/>
+          </p:nvSpPr>
+          <p:spPr>
+            <a:xfrm rot="341484">
+              <a:off x="4821424" y="3602224"/>
+              <a:ext cx="2059048" cy="2059048"/>
+            </a:xfrm>
+            <a:custGeom>
+              <a:avLst/>
+              <a:gdLst>
+                <a:gd name="connsiteX0" fmla="*/ 908728 w 1214476"/>
+                <a:gd name="connsiteY0" fmla="*/ 307596 h 1214476"/>
+                <a:gd name="connsiteX1" fmla="*/ 1087904 w 1214476"/>
+                <a:gd name="connsiteY1" fmla="*/ 253596 h 1214476"/>
+                <a:gd name="connsiteX2" fmla="*/ 1153835 w 1214476"/>
+                <a:gd name="connsiteY2" fmla="*/ 367790 h 1214476"/>
+                <a:gd name="connsiteX3" fmla="*/ 1017481 w 1214476"/>
+                <a:gd name="connsiteY3" fmla="*/ 495961 h 1214476"/>
+                <a:gd name="connsiteX4" fmla="*/ 1017481 w 1214476"/>
+                <a:gd name="connsiteY4" fmla="*/ 718515 h 1214476"/>
+                <a:gd name="connsiteX5" fmla="*/ 1153835 w 1214476"/>
+                <a:gd name="connsiteY5" fmla="*/ 846686 h 1214476"/>
+                <a:gd name="connsiteX6" fmla="*/ 1087904 w 1214476"/>
+                <a:gd name="connsiteY6" fmla="*/ 960880 h 1214476"/>
+                <a:gd name="connsiteX7" fmla="*/ 908728 w 1214476"/>
+                <a:gd name="connsiteY7" fmla="*/ 906880 h 1214476"/>
+                <a:gd name="connsiteX8" fmla="*/ 715990 w 1214476"/>
+                <a:gd name="connsiteY8" fmla="*/ 1018157 h 1214476"/>
+                <a:gd name="connsiteX9" fmla="*/ 673168 w 1214476"/>
+                <a:gd name="connsiteY9" fmla="*/ 1200328 h 1214476"/>
+                <a:gd name="connsiteX10" fmla="*/ 541308 w 1214476"/>
+                <a:gd name="connsiteY10" fmla="*/ 1200328 h 1214476"/>
+                <a:gd name="connsiteX11" fmla="*/ 498485 w 1214476"/>
+                <a:gd name="connsiteY11" fmla="*/ 1018157 h 1214476"/>
+                <a:gd name="connsiteX12" fmla="*/ 305747 w 1214476"/>
+                <a:gd name="connsiteY12" fmla="*/ 906880 h 1214476"/>
+                <a:gd name="connsiteX13" fmla="*/ 126572 w 1214476"/>
+                <a:gd name="connsiteY13" fmla="*/ 960880 h 1214476"/>
+                <a:gd name="connsiteX14" fmla="*/ 60641 w 1214476"/>
+                <a:gd name="connsiteY14" fmla="*/ 846686 h 1214476"/>
+                <a:gd name="connsiteX15" fmla="*/ 196995 w 1214476"/>
+                <a:gd name="connsiteY15" fmla="*/ 718515 h 1214476"/>
+                <a:gd name="connsiteX16" fmla="*/ 196995 w 1214476"/>
+                <a:gd name="connsiteY16" fmla="*/ 495961 h 1214476"/>
+                <a:gd name="connsiteX17" fmla="*/ 60641 w 1214476"/>
+                <a:gd name="connsiteY17" fmla="*/ 367790 h 1214476"/>
+                <a:gd name="connsiteX18" fmla="*/ 126572 w 1214476"/>
+                <a:gd name="connsiteY18" fmla="*/ 253596 h 1214476"/>
+                <a:gd name="connsiteX19" fmla="*/ 305748 w 1214476"/>
+                <a:gd name="connsiteY19" fmla="*/ 307596 h 1214476"/>
+                <a:gd name="connsiteX20" fmla="*/ 498486 w 1214476"/>
+                <a:gd name="connsiteY20" fmla="*/ 196319 h 1214476"/>
+                <a:gd name="connsiteX21" fmla="*/ 541308 w 1214476"/>
+                <a:gd name="connsiteY21" fmla="*/ 14148 h 1214476"/>
+                <a:gd name="connsiteX22" fmla="*/ 673168 w 1214476"/>
+                <a:gd name="connsiteY22" fmla="*/ 14148 h 1214476"/>
+                <a:gd name="connsiteX23" fmla="*/ 715991 w 1214476"/>
+                <a:gd name="connsiteY23" fmla="*/ 196319 h 1214476"/>
+                <a:gd name="connsiteX24" fmla="*/ 908729 w 1214476"/>
+                <a:gd name="connsiteY24" fmla="*/ 307596 h 1214476"/>
+                <a:gd name="connsiteX25" fmla="*/ 908728 w 1214476"/>
+                <a:gd name="connsiteY25" fmla="*/ 307596 h 1214476"/>
+              </a:gdLst>
+              <a:ahLst/>
+              <a:cxnLst>
+                <a:cxn ang="0">
+                  <a:pos x="connsiteX0" y="connsiteY0"/>
+                </a:cxn>
+                <a:cxn ang="0">
+                  <a:pos x="connsiteX1" y="connsiteY1"/>
+                </a:cxn>
+                <a:cxn ang="0">
+                  <a:pos x="connsiteX2" y="connsiteY2"/>
+                </a:cxn>
+                <a:cxn ang="0">
+                  <a:pos x="connsiteX3" y="connsiteY3"/>
+                </a:cxn>
+                <a:cxn ang="0">
+                  <a:pos x="connsiteX4" y="connsiteY4"/>
+                </a:cxn>
+                <a:cxn ang="0">
+                  <a:pos x="connsiteX5" y="connsiteY5"/>
+                </a:cxn>
+                <a:cxn ang="0">
+                  <a:pos x="connsiteX6" y="connsiteY6"/>
+                </a:cxn>
+                <a:cxn ang="0">
+                  <a:pos x="connsiteX7" y="connsiteY7"/>
+                </a:cxn>
+                <a:cxn ang="0">
+                  <a:pos x="connsiteX8" y="connsiteY8"/>
+                </a:cxn>
+                <a:cxn ang="0">
+                  <a:pos x="connsiteX9" y="connsiteY9"/>
+                </a:cxn>
+                <a:cxn ang="0">
+                  <a:pos x="connsiteX10" y="connsiteY10"/>
+                </a:cxn>
+                <a:cxn ang="0">
+                  <a:pos x="connsiteX11" y="connsiteY11"/>
+                </a:cxn>
+                <a:cxn ang="0">
+                  <a:pos x="connsiteX12" y="connsiteY12"/>
+                </a:cxn>
+                <a:cxn ang="0">
+                  <a:pos x="connsiteX13" y="connsiteY13"/>
+                </a:cxn>
+                <a:cxn ang="0">
+                  <a:pos x="connsiteX14" y="connsiteY14"/>
+                </a:cxn>
+                <a:cxn ang="0">
+                  <a:pos x="connsiteX15" y="connsiteY15"/>
+                </a:cxn>
+                <a:cxn ang="0">
+                  <a:pos x="connsiteX16" y="connsiteY16"/>
+                </a:cxn>
+                <a:cxn ang="0">
+                  <a:pos x="connsiteX17" y="connsiteY17"/>
+                </a:cxn>
+                <a:cxn ang="0">
+                  <a:pos x="connsiteX18" y="connsiteY18"/>
+                </a:cxn>
+                <a:cxn ang="0">
+                  <a:pos x="connsiteX19" y="connsiteY19"/>
+                </a:cxn>
+                <a:cxn ang="0">
+                  <a:pos x="connsiteX20" y="connsiteY20"/>
+                </a:cxn>
+                <a:cxn ang="0">
+                  <a:pos x="connsiteX21" y="connsiteY21"/>
+                </a:cxn>
+                <a:cxn ang="0">
+                  <a:pos x="connsiteX22" y="connsiteY22"/>
+                </a:cxn>
+                <a:cxn ang="0">
+                  <a:pos x="connsiteX23" y="connsiteY23"/>
+                </a:cxn>
+                <a:cxn ang="0">
+                  <a:pos x="connsiteX24" y="connsiteY24"/>
+                </a:cxn>
+                <a:cxn ang="0">
+                  <a:pos x="connsiteX25" y="connsiteY25"/>
+                </a:cxn>
+              </a:cxnLst>
+              <a:rect l="l" t="t" r="r" b="b"/>
+              <a:pathLst>
+                <a:path w="1214476" h="1214476">
+                  <a:moveTo>
+                    <a:pt x="781694" y="307206"/>
+                  </a:moveTo>
+                  <a:lnTo>
+                    <a:pt x="911594" y="226753"/>
+                  </a:lnTo>
+                  <a:lnTo>
+                    <a:pt x="987724" y="302882"/>
+                  </a:lnTo>
+                  <a:lnTo>
+                    <a:pt x="907271" y="432782"/>
+                  </a:lnTo>
+                  <a:cubicBezTo>
+                    <a:pt x="938258" y="486074"/>
+                    <a:pt x="954491" y="546659"/>
+                    <a:pt x="954302" y="608305"/>
+                  </a:cubicBezTo>
+                  <a:lnTo>
+                    <a:pt x="1088927" y="680575"/>
+                  </a:lnTo>
+                  <a:lnTo>
+                    <a:pt x="1061060" y="784570"/>
+                  </a:lnTo>
+                  <a:lnTo>
+                    <a:pt x="908337" y="779846"/>
+                  </a:lnTo>
+                  <a:cubicBezTo>
+                    <a:pt x="877678" y="833327"/>
+                    <a:pt x="833328" y="877678"/>
+                    <a:pt x="779845" y="908337"/>
+                  </a:cubicBezTo>
+                  <a:lnTo>
+                    <a:pt x="784570" y="1061060"/>
+                  </a:lnTo>
+                  <a:lnTo>
+                    <a:pt x="680575" y="1088926"/>
+                  </a:lnTo>
+                  <a:lnTo>
+                    <a:pt x="608305" y="954302"/>
+                  </a:lnTo>
+                  <a:cubicBezTo>
+                    <a:pt x="546659" y="954491"/>
+                    <a:pt x="486075" y="938257"/>
+                    <a:pt x="432781" y="907271"/>
+                  </a:cubicBezTo>
+                  <a:lnTo>
+                    <a:pt x="302882" y="987723"/>
+                  </a:lnTo>
+                  <a:lnTo>
+                    <a:pt x="226752" y="911594"/>
+                  </a:lnTo>
+                  <a:lnTo>
+                    <a:pt x="307205" y="781694"/>
+                  </a:lnTo>
+                  <a:cubicBezTo>
+                    <a:pt x="276218" y="728402"/>
+                    <a:pt x="259985" y="667817"/>
+                    <a:pt x="260174" y="606171"/>
+                  </a:cubicBezTo>
+                  <a:lnTo>
+                    <a:pt x="125549" y="533901"/>
+                  </a:lnTo>
+                  <a:lnTo>
+                    <a:pt x="153416" y="429906"/>
+                  </a:lnTo>
+                  <a:lnTo>
+                    <a:pt x="306139" y="434630"/>
+                  </a:lnTo>
+                  <a:cubicBezTo>
+                    <a:pt x="336798" y="381149"/>
+                    <a:pt x="381148" y="336798"/>
+                    <a:pt x="434631" y="306139"/>
+                  </a:cubicBezTo>
+                  <a:lnTo>
+                    <a:pt x="429906" y="153416"/>
+                  </a:lnTo>
+                  <a:lnTo>
+                    <a:pt x="533901" y="125550"/>
+                  </a:lnTo>
+                  <a:lnTo>
+                    <a:pt x="606171" y="260174"/>
+                  </a:lnTo>
+                  <a:cubicBezTo>
+                    <a:pt x="667817" y="259985"/>
+                    <a:pt x="728401" y="276219"/>
+                    <a:pt x="781695" y="307205"/>
+                  </a:cubicBezTo>
+                  <a:lnTo>
+                    <a:pt x="781694" y="307206"/>
+                  </a:lnTo>
+                  <a:close/>
+                </a:path>
+              </a:pathLst>
+            </a:custGeom>
+            <a:solidFill>
+              <a:srgbClr val="CC3300"/>
+            </a:solidFill>
+          </p:spPr>
+          <p:style>
+            <a:lnRef idx="2">
+              <a:schemeClr val="lt1">
+                <a:hueOff val="0"/>
+                <a:satOff val="0"/>
+                <a:lumOff val="0"/>
+                <a:alphaOff val="0"/>
+              </a:schemeClr>
+            </a:lnRef>
+            <a:fillRef idx="1">
+              <a:schemeClr val="accent1">
+                <a:hueOff val="0"/>
+                <a:satOff val="0"/>
+                <a:lumOff val="0"/>
+                <a:alphaOff val="0"/>
+              </a:schemeClr>
+            </a:fillRef>
+            <a:effectRef idx="0">
+              <a:schemeClr val="accent1">
+                <a:hueOff val="0"/>
+                <a:satOff val="0"/>
+                <a:lumOff val="0"/>
+                <a:alphaOff val="0"/>
+              </a:schemeClr>
+            </a:effectRef>
+            <a:fontRef idx="minor">
+              <a:schemeClr val="lt1"/>
+            </a:fontRef>
+          </p:style>
+          <p:txBody>
+            <a:bodyPr spcFirstLastPara="0" vert="horz" wrap="square" lIns="428245" tIns="428245" rIns="428243" bIns="428243" numCol="1" spcCol="1270" anchor="ctr" anchorCtr="0">
+              <a:noAutofit/>
+            </a:bodyPr>
+            <a:lstStyle/>
+            <a:p>
+              <a:pPr algn="ctr" defTabSz="889000">
+                <a:lnSpc>
+                  <a:spcPct val="90000"/>
+                </a:lnSpc>
+                <a:spcBef>
+                  <a:spcPct val="0"/>
+                </a:spcBef>
+                <a:spcAft>
+                  <a:spcPct val="35000"/>
+                </a:spcAft>
+              </a:pPr>
+              <a:r>
+                <a:rPr lang="en-US" sz="1400" dirty="0"/>
+                <a:t>Has Made Retention Call</a:t>
+              </a:r>
+              <a:br>
+                <a:rPr lang="en-US" sz="1400" dirty="0"/>
+              </a:br>
+              <a:r>
+                <a:rPr lang="en-US" sz="1100" dirty="0"/>
+                <a:t>(</a:t>
+              </a:r>
+              <a:r>
+                <a:rPr lang="en-US" sz="1000" dirty="0" err="1"/>
+                <a:t>retcall</a:t>
+              </a:r>
+              <a:r>
+                <a:rPr lang="en-US" sz="1100" dirty="0"/>
+                <a:t>) </a:t>
+              </a:r>
+            </a:p>
+          </p:txBody>
+        </p:sp>
+      </p:grpSp>
+      <p:sp>
+        <p:nvSpPr>
+          <p:cNvPr id="46" name="TextBox 45">
+            <a:extLst>
+              <a:ext uri="{FF2B5EF4-FFF2-40B4-BE49-F238E27FC236}">
+                <a16:creationId xmlns:a16="http://schemas.microsoft.com/office/drawing/2014/main" id="{CED238D8-83DB-4231-A8F8-6E634C2CCF82}"/>
+              </a:ext>
+            </a:extLst>
+          </p:cNvPr>
+          <p:cNvSpPr txBox="1"/>
+          <p:nvPr/>
+        </p:nvSpPr>
+        <p:spPr>
+          <a:xfrm>
+            <a:off x="235927" y="1066800"/>
+            <a:ext cx="2434001" cy="1015663"/>
+          </a:xfrm>
+          <a:prstGeom prst="rect">
+            <a:avLst/>
+          </a:prstGeom>
+          <a:noFill/>
+        </p:spPr>
+        <p:txBody>
+          <a:bodyPr wrap="square" rtlCol="0">
+            <a:spAutoFit/>
+          </a:bodyPr>
+          <a:lstStyle/>
+          <a:p>
+            <a:pPr algn="ctr"/>
+            <a:r>
+              <a:rPr lang="en-US" sz="3000" b="1" dirty="0">
+                <a:solidFill>
+                  <a:schemeClr val="accent2"/>
+                </a:solidFill>
+              </a:rPr>
+              <a:t>Customer Needs</a:t>
+            </a:r>
+          </a:p>
+        </p:txBody>
+      </p:sp>
+      <p:sp>
+        <p:nvSpPr>
+          <p:cNvPr id="47" name="TextBox 46">
+            <a:extLst>
+              <a:ext uri="{FF2B5EF4-FFF2-40B4-BE49-F238E27FC236}">
+                <a16:creationId xmlns:a16="http://schemas.microsoft.com/office/drawing/2014/main" id="{AE7A2F21-0305-4922-A957-AEA50CA3FAA4}"/>
+              </a:ext>
+            </a:extLst>
+          </p:cNvPr>
+          <p:cNvSpPr txBox="1"/>
+          <p:nvPr/>
+        </p:nvSpPr>
+        <p:spPr>
+          <a:xfrm>
+            <a:off x="6367167" y="4953000"/>
+            <a:ext cx="2779761" cy="1015663"/>
+          </a:xfrm>
+          <a:prstGeom prst="rect">
+            <a:avLst/>
+          </a:prstGeom>
+          <a:noFill/>
+        </p:spPr>
+        <p:txBody>
+          <a:bodyPr wrap="square" rtlCol="0">
+            <a:spAutoFit/>
+          </a:bodyPr>
+          <a:lstStyle/>
+          <a:p>
+            <a:pPr algn="ctr"/>
+            <a:r>
+              <a:rPr lang="en-US" sz="3000" b="1" dirty="0">
+                <a:solidFill>
+                  <a:schemeClr val="accent2"/>
+                </a:solidFill>
+              </a:rPr>
+              <a:t>Customer Choice</a:t>
+            </a:r>
+          </a:p>
+        </p:txBody>
+      </p:sp>
+      <p:sp>
+        <p:nvSpPr>
+          <p:cNvPr id="48" name="Cloud Callout 36">
+            <a:extLst>
+              <a:ext uri="{FF2B5EF4-FFF2-40B4-BE49-F238E27FC236}">
+                <a16:creationId xmlns:a16="http://schemas.microsoft.com/office/drawing/2014/main" id="{1FB321A0-170B-4168-94A4-3C11ABA88461}"/>
+              </a:ext>
+            </a:extLst>
+          </p:cNvPr>
+          <p:cNvSpPr/>
+          <p:nvPr/>
+        </p:nvSpPr>
+        <p:spPr bwMode="auto">
+          <a:xfrm>
+            <a:off x="1107828" y="2242451"/>
+            <a:ext cx="1257300" cy="589859"/>
+          </a:xfrm>
+          <a:prstGeom prst="cloudCallout">
+            <a:avLst>
+              <a:gd name="adj1" fmla="val -46524"/>
+              <a:gd name="adj2" fmla="val 54074"/>
+            </a:avLst>
+          </a:prstGeom>
+          <a:solidFill>
+            <a:schemeClr val="bg1">
+              <a:lumMod val="75000"/>
+              <a:alpha val="85000"/>
+            </a:schemeClr>
+          </a:solidFill>
+          <a:ln w="9525" cap="flat" cmpd="sng" algn="ctr">
+            <a:noFill/>
+            <a:prstDash val="solid"/>
+            <a:round/>
+            <a:headEnd type="none" w="med" len="med"/>
+            <a:tailEnd type="none" w="med" len="med"/>
+          </a:ln>
+          <a:effectLst/>
+        </p:spPr>
+        <p:txBody>
+          <a:bodyPr vert="horz" wrap="square" lIns="91440" tIns="45720" rIns="91440" bIns="45720" numCol="1" rtlCol="0" anchor="ctr" anchorCtr="0" compatLnSpc="1">
+            <a:prstTxWarp prst="textNoShape">
+              <a:avLst/>
+            </a:prstTxWarp>
+          </a:bodyPr>
+          <a:lstStyle/>
+          <a:p>
+            <a:pPr marL="0" marR="0" indent="0" algn="ctr" defTabSz="914400" rtl="0" eaLnBrk="1" fontAlgn="base" latinLnBrk="0" hangingPunct="1">
+              <a:lnSpc>
+                <a:spcPct val="100000"/>
+              </a:lnSpc>
+              <a:spcBef>
+                <a:spcPct val="0"/>
+              </a:spcBef>
+              <a:spcAft>
+                <a:spcPct val="0"/>
+              </a:spcAft>
+              <a:buClrTx/>
+              <a:buSzTx/>
+              <a:buFontTx/>
+              <a:buNone/>
+              <a:tabLst/>
+            </a:pPr>
+            <a:r>
+              <a:rPr kumimoji="0" lang="en-US" sz="3000" b="1" u="none" strike="noStrike" cap="none" normalizeH="0" baseline="0" dirty="0">
+                <a:ln>
+                  <a:noFill/>
+                </a:ln>
+                <a:solidFill>
+                  <a:schemeClr val="bg1"/>
+                </a:solidFill>
+                <a:effectLst/>
+                <a:latin typeface="Arial" charset="0"/>
+              </a:rPr>
+              <a:t>?</a:t>
+            </a:r>
+          </a:p>
+        </p:txBody>
+      </p:sp>
+      <p:cxnSp>
+        <p:nvCxnSpPr>
+          <p:cNvPr id="15" name="Straight Connector 14">
+            <a:extLst>
+              <a:ext uri="{FF2B5EF4-FFF2-40B4-BE49-F238E27FC236}">
+                <a16:creationId xmlns:a16="http://schemas.microsoft.com/office/drawing/2014/main" id="{EB7260C9-739E-4B6B-9172-BC32BED85A2D}"/>
+              </a:ext>
+            </a:extLst>
+          </p:cNvPr>
+          <p:cNvCxnSpPr/>
+          <p:nvPr/>
+        </p:nvCxnSpPr>
+        <p:spPr>
+          <a:xfrm>
+            <a:off x="0" y="918865"/>
+            <a:ext cx="9144000" cy="0"/>
+          </a:xfrm>
+          <a:prstGeom prst="line">
+            <a:avLst/>
+          </a:prstGeom>
+          <a:ln>
+            <a:solidFill>
+              <a:schemeClr val="tx1"/>
+            </a:solidFill>
+          </a:ln>
+        </p:spPr>
+        <p:style>
+          <a:lnRef idx="1">
+            <a:schemeClr val="accent1"/>
+          </a:lnRef>
+          <a:fillRef idx="0">
+            <a:schemeClr val="accent1"/>
+          </a:fillRef>
+          <a:effectRef idx="0">
+            <a:schemeClr val="accent1"/>
+          </a:effectRef>
+          <a:fontRef idx="minor">
+            <a:schemeClr val="tx1"/>
+          </a:fontRef>
+        </p:style>
+      </p:cxnSp>
+    </p:spTree>
+    <p:extLst>
+      <p:ext uri="{BB962C8B-B14F-4D97-AF65-F5344CB8AC3E}">
+        <p14:creationId xmlns:p14="http://schemas.microsoft.com/office/powerpoint/2010/main" val="2277420592"/>
+      </p:ext>
+    </p:extLst>
+  </p:cSld>
+  <p:clrMapOvr>
+    <a:masterClrMapping/>
+  </p:clrMapOvr>
+</p:sld>
+</file>
+
+<file path=ppt/slides/slide3.xml><?xml version="1.0" encoding="utf-8"?>
+<p:sld xmlns:a="http://schemas.openxmlformats.org/drawingml/2006/main" xmlns:r="http://schemas.openxmlformats.org/officeDocument/2006/relationships" xmlns:p="http://schemas.openxmlformats.org/presentationml/2006/main">
+  <p:cSld>
+    <p:spTree>
+      <p:nvGrpSpPr>
+        <p:cNvPr id="1" name=""/>
+        <p:cNvGrpSpPr/>
+        <p:nvPr/>
+      </p:nvGrpSpPr>
+      <p:grpSpPr>
+        <a:xfrm>
+          <a:off x="0" y="0"/>
+          <a:ext cx="0" cy="0"/>
+          <a:chOff x="0" y="0"/>
+          <a:chExt cx="0" cy="0"/>
+        </a:xfrm>
+      </p:grpSpPr>
+      <p:sp>
+        <p:nvSpPr>
           <p:cNvPr id="2" name="Title 1">
             <a:extLst>
               <a:ext uri="{FF2B5EF4-FFF2-40B4-BE49-F238E27FC236}">
@@ -3541,10 +7612,15 @@
             <a:spLocks noGrp="1"/>
           </p:cNvSpPr>
           <p:nvPr>
-            <p:ph type="title"/>
+            <p:ph type="title" idx="4294967295"/>
           </p:nvPr>
         </p:nvSpPr>
-        <p:spPr/>
+        <p:spPr>
+          <a:xfrm>
+            <a:off x="1600200" y="287338"/>
+            <a:ext cx="7543800" cy="1449387"/>
+          </a:xfrm>
+        </p:spPr>
         <p:txBody>
           <a:bodyPr/>
           <a:lstStyle/>
@@ -3738,7 +7814,7 @@
 </p:sld>
 </file>
 
-<file path=ppt/slides/slide3.xml><?xml version="1.0" encoding="utf-8"?>
+<file path=ppt/slides/slide4.xml><?xml version="1.0" encoding="utf-8"?>
 <p:sld xmlns:a="http://schemas.openxmlformats.org/drawingml/2006/main" xmlns:r="http://schemas.openxmlformats.org/officeDocument/2006/relationships" xmlns:p="http://schemas.openxmlformats.org/presentationml/2006/main">
   <p:cSld>
     <p:spTree>
@@ -3886,7 +7962,7 @@
 </p:sld>
 </file>
 
-<file path=ppt/slides/slide4.xml><?xml version="1.0" encoding="utf-8"?>
+<file path=ppt/slides/slide5.xml><?xml version="1.0" encoding="utf-8"?>
 <p:sld xmlns:a="http://schemas.openxmlformats.org/drawingml/2006/main" xmlns:r="http://schemas.openxmlformats.org/officeDocument/2006/relationships" xmlns:p="http://schemas.openxmlformats.org/presentationml/2006/main">
   <p:cSld>
     <p:spTree>
@@ -3974,7 +8050,7 @@
 </p:sld>
 </file>
 
-<file path=ppt/slides/slide5.xml><?xml version="1.0" encoding="utf-8"?>
+<file path=ppt/slides/slide6.xml><?xml version="1.0" encoding="utf-8"?>
 <p:sld xmlns:a="http://schemas.openxmlformats.org/drawingml/2006/main" xmlns:r="http://schemas.openxmlformats.org/officeDocument/2006/relationships" xmlns:p="http://schemas.openxmlformats.org/presentationml/2006/main">
   <p:cSld>
     <p:spTree>
@@ -4062,7 +8138,7 @@
 </p:sld>
 </file>
 
-<file path=ppt/slides/slide6.xml><?xml version="1.0" encoding="utf-8"?>
+<file path=ppt/slides/slide7.xml><?xml version="1.0" encoding="utf-8"?>
 <p:sld xmlns:a="http://schemas.openxmlformats.org/drawingml/2006/main" xmlns:r="http://schemas.openxmlformats.org/officeDocument/2006/relationships" xmlns:p="http://schemas.openxmlformats.org/presentationml/2006/main">
   <p:cSld>
     <p:spTree>
@@ -4125,12 +8201,7 @@
             <p:ph type="title"/>
           </p:nvPr>
         </p:nvSpPr>
-        <p:spPr>
-          <a:xfrm>
-            <a:off x="628650" y="365126"/>
-            <a:ext cx="7886700" cy="1325563"/>
-          </a:xfrm>
-        </p:spPr>
+        <p:spPr/>
         <p:txBody>
           <a:bodyPr/>
           <a:lstStyle/>
@@ -4161,54 +8232,54 @@
 </file>
 
 <file path=ppt/theme/theme1.xml><?xml version="1.0" encoding="utf-8"?>
-<a:theme xmlns:a="http://schemas.openxmlformats.org/drawingml/2006/main" name="Office Theme">
+<a:theme xmlns:a="http://schemas.openxmlformats.org/drawingml/2006/main" name="Retrospect">
   <a:themeElements>
-    <a:clrScheme name="Office Theme">
+    <a:clrScheme name="Retrospect">
       <a:dk1>
-        <a:sysClr val="windowText" lastClr="000000"/>
+        <a:srgbClr val="000000"/>
       </a:dk1>
       <a:lt1>
         <a:sysClr val="window" lastClr="FFFFFF"/>
       </a:lt1>
       <a:dk2>
-        <a:srgbClr val="44546A"/>
+        <a:srgbClr val="637052"/>
       </a:dk2>
       <a:lt2>
-        <a:srgbClr val="E7E6E6"/>
+        <a:srgbClr val="CCDDEA"/>
       </a:lt2>
       <a:accent1>
-        <a:srgbClr val="4472C4"/>
+        <a:srgbClr val="E48312"/>
       </a:accent1>
       <a:accent2>
-        <a:srgbClr val="ED7D31"/>
+        <a:srgbClr val="BD582C"/>
       </a:accent2>
       <a:accent3>
-        <a:srgbClr val="A5A5A5"/>
+        <a:srgbClr val="865640"/>
       </a:accent3>
       <a:accent4>
-        <a:srgbClr val="FFC000"/>
+        <a:srgbClr val="9B8357"/>
       </a:accent4>
       <a:accent5>
-        <a:srgbClr val="5B9BD5"/>
+        <a:srgbClr val="C2BC80"/>
       </a:accent5>
       <a:accent6>
-        <a:srgbClr val="70AD47"/>
+        <a:srgbClr val="94A088"/>
       </a:accent6>
       <a:hlink>
-        <a:srgbClr val="0563C1"/>
+        <a:srgbClr val="2998E3"/>
       </a:hlink>
       <a:folHlink>
-        <a:srgbClr val="954F72"/>
+        <a:srgbClr val="8C8C8C"/>
       </a:folHlink>
     </a:clrScheme>
-    <a:fontScheme name="Office Theme">
+    <a:fontScheme name="Retrospect">
       <a:majorFont>
         <a:latin typeface="Calibri Light" panose="020F0302020204030204"/>
         <a:ea typeface=""/>
         <a:cs typeface=""/>
-        <a:font script="Jpan" typeface="游ゴシック Light"/>
+        <a:font script="Jpan" typeface="ＭＳ Ｐゴシック"/>
         <a:font script="Hang" typeface="맑은 고딕"/>
-        <a:font script="Hans" typeface="等线 Light"/>
+        <a:font script="Hans" typeface="宋体"/>
         <a:font script="Hant" typeface="新細明體"/>
         <a:font script="Arab" typeface="Times New Roman"/>
         <a:font script="Hebr" typeface="Times New Roman"/>
@@ -4241,9 +8312,9 @@
         <a:latin typeface="Calibri" panose="020F0502020204030204"/>
         <a:ea typeface=""/>
         <a:cs typeface=""/>
-        <a:font script="Jpan" typeface="游ゴシック"/>
+        <a:font script="Jpan" typeface="ＭＳ Ｐゴシック"/>
         <a:font script="Hang" typeface="맑은 고딕"/>
-        <a:font script="Hans" typeface="等线"/>
+        <a:font script="Hans" typeface="宋体"/>
         <a:font script="Hant" typeface="新細明體"/>
         <a:font script="Arab" typeface="Arial"/>
         <a:font script="Hebr" typeface="Arial"/>
@@ -4273,7 +8344,7 @@
         <a:font script="Geor" typeface="Sylfaen"/>
       </a:minorFont>
     </a:fontScheme>
-    <a:fmtScheme name="Office Theme">
+    <a:fmtScheme name="Retrospect">
       <a:fillStyleLst>
         <a:solidFill>
           <a:schemeClr val="phClr"/>
@@ -4282,76 +8353,81 @@
           <a:gsLst>
             <a:gs pos="0">
               <a:schemeClr val="phClr">
-                <a:lumMod val="110000"/>
-                <a:satMod val="105000"/>
-                <a:tint val="67000"/>
+                <a:tint val="65000"/>
+                <a:shade val="92000"/>
+                <a:satMod val="130000"/>
               </a:schemeClr>
             </a:gs>
-            <a:gs pos="50000">
+            <a:gs pos="45000">
               <a:schemeClr val="phClr">
-                <a:lumMod val="105000"/>
-                <a:satMod val="103000"/>
-                <a:tint val="73000"/>
+                <a:tint val="60000"/>
+                <a:shade val="99000"/>
+                <a:satMod val="120000"/>
               </a:schemeClr>
             </a:gs>
             <a:gs pos="100000">
               <a:schemeClr val="phClr">
-                <a:lumMod val="105000"/>
-                <a:satMod val="109000"/>
-                <a:tint val="81000"/>
+                <a:tint val="55000"/>
+                <a:satMod val="140000"/>
               </a:schemeClr>
             </a:gs>
           </a:gsLst>
-          <a:lin ang="5400000" scaled="0"/>
+          <a:path path="circle">
+            <a:fillToRect l="100000" t="100000" r="100000" b="100000"/>
+          </a:path>
         </a:gradFill>
         <a:gradFill rotWithShape="1">
           <a:gsLst>
             <a:gs pos="0">
               <a:schemeClr val="phClr">
-                <a:satMod val="103000"/>
-                <a:lumMod val="102000"/>
-                <a:tint val="94000"/>
+                <a:shade val="85000"/>
+                <a:satMod val="130000"/>
               </a:schemeClr>
             </a:gs>
-            <a:gs pos="50000">
+            <a:gs pos="34000">
               <a:schemeClr val="phClr">
-                <a:satMod val="110000"/>
-                <a:lumMod val="100000"/>
-                <a:shade val="100000"/>
+                <a:shade val="87000"/>
+                <a:satMod val="125000"/>
+              </a:schemeClr>
+            </a:gs>
+            <a:gs pos="70000">
+              <a:schemeClr val="phClr">
+                <a:tint val="100000"/>
+                <a:shade val="90000"/>
+                <a:satMod val="130000"/>
               </a:schemeClr>
             </a:gs>
             <a:gs pos="100000">
               <a:schemeClr val="phClr">
-                <a:lumMod val="99000"/>
-                <a:satMod val="120000"/>
-                <a:shade val="78000"/>
+                <a:tint val="100000"/>
+                <a:shade val="100000"/>
+                <a:satMod val="110000"/>
               </a:schemeClr>
             </a:gs>
           </a:gsLst>
-          <a:lin ang="5400000" scaled="0"/>
+          <a:path path="circle">
+            <a:fillToRect l="100000" t="100000" r="100000" b="100000"/>
+          </a:path>
         </a:gradFill>
       </a:fillStyleLst>
       <a:lnStyleLst>
-        <a:ln w="6350" cap="flat" cmpd="sng" algn="ctr">
-          <a:solidFill>
-            <a:schemeClr val="phClr"/>
-          </a:solidFill>
-          <a:prstDash val="solid"/>
-          <a:miter lim="800000"/>
-        </a:ln>
         <a:ln w="12700" cap="flat" cmpd="sng" algn="ctr">
           <a:solidFill>
             <a:schemeClr val="phClr"/>
           </a:solidFill>
           <a:prstDash val="solid"/>
-          <a:miter lim="800000"/>
         </a:ln>
-        <a:ln w="19050" cap="flat" cmpd="sng" algn="ctr">
+        <a:ln w="15875" cap="flat" cmpd="sng" algn="ctr">
           <a:solidFill>
             <a:schemeClr val="phClr"/>
           </a:solidFill>
           <a:prstDash val="solid"/>
-          <a:miter lim="800000"/>
+        </a:ln>
+        <a:ln w="25400" cap="flat" cmpd="sng" algn="ctr">
+          <a:solidFill>
+            <a:schemeClr val="phClr"/>
+          </a:solidFill>
+          <a:prstDash val="solid"/>
         </a:ln>
       </a:lnStyleLst>
       <a:effectStyleLst>
@@ -4359,16 +8435,33 @@
           <a:effectLst/>
         </a:effectStyle>
         <a:effectStyle>
-          <a:effectLst/>
+          <a:effectLst>
+            <a:outerShdw blurRad="38100" dist="25400" dir="2700000" algn="br" rotWithShape="0">
+              <a:srgbClr val="000000">
+                <a:alpha val="60000"/>
+              </a:srgbClr>
+            </a:outerShdw>
+          </a:effectLst>
         </a:effectStyle>
         <a:effectStyle>
           <a:effectLst>
-            <a:outerShdw blurRad="57150" dist="19050" dir="5400000" algn="ctr" rotWithShape="0">
+            <a:outerShdw blurRad="44450" dist="25400" dir="2700000" algn="br" rotWithShape="0">
               <a:srgbClr val="000000">
-                <a:alpha val="63000"/>
+                <a:alpha val="60000"/>
               </a:srgbClr>
             </a:outerShdw>
           </a:effectLst>
+          <a:scene3d>
+            <a:camera prst="orthographicFront">
+              <a:rot lat="0" lon="0" rev="0"/>
+            </a:camera>
+            <a:lightRig rig="threePt" dir="t">
+              <a:rot lat="0" lon="0" rev="19800000"/>
+            </a:lightRig>
+          </a:scene3d>
+          <a:sp3d prstMaterial="flat">
+            <a:bevelT w="25400" h="31750"/>
+          </a:sp3d>
         </a:effectStyle>
       </a:effectStyleLst>
       <a:bgFillStyleLst>
@@ -4377,36 +8470,36 @@
         </a:solidFill>
         <a:solidFill>
           <a:schemeClr val="phClr">
-            <a:tint val="95000"/>
-            <a:satMod val="170000"/>
+            <a:tint val="90000"/>
+            <a:shade val="97000"/>
+            <a:satMod val="130000"/>
           </a:schemeClr>
         </a:solidFill>
         <a:gradFill rotWithShape="1">
           <a:gsLst>
             <a:gs pos="0">
               <a:schemeClr val="phClr">
-                <a:tint val="93000"/>
-                <a:satMod val="150000"/>
-                <a:shade val="98000"/>
-                <a:lumMod val="102000"/>
+                <a:tint val="96000"/>
+                <a:shade val="99000"/>
+                <a:satMod val="140000"/>
               </a:schemeClr>
             </a:gs>
-            <a:gs pos="50000">
+            <a:gs pos="65000">
               <a:schemeClr val="phClr">
-                <a:tint val="98000"/>
+                <a:tint val="100000"/>
+                <a:shade val="80000"/>
                 <a:satMod val="130000"/>
-                <a:shade val="90000"/>
-                <a:lumMod val="103000"/>
               </a:schemeClr>
             </a:gs>
             <a:gs pos="100000">
               <a:schemeClr val="phClr">
-                <a:shade val="63000"/>
+                <a:tint val="100000"/>
+                <a:shade val="48000"/>
                 <a:satMod val="120000"/>
               </a:schemeClr>
             </a:gs>
           </a:gsLst>
-          <a:lin ang="5400000" scaled="0"/>
+          <a:lin ang="16200000" scaled="0"/>
         </a:gradFill>
       </a:bgFillStyleLst>
     </a:fmtScheme>
@@ -4415,7 +8508,7 @@
   <a:extraClrSchemeLst/>
   <a:extLst>
     <a:ext uri="{05A4C25C-085E-4340-85A3-A5531E510DB2}">
-      <thm15:themeFamily xmlns:thm15="http://schemas.microsoft.com/office/thememl/2012/main" name="Office Theme" id="{62F939B6-93AF-4DB8-9C6B-D6C7DFDC589F}" vid="{4A3C46E8-61CC-4603-A589-7422A47A8E4A}"/>
+      <thm15:themeFamily xmlns:thm15="http://schemas.microsoft.com/office/thememl/2012/main" name="Retrospect" id="{5F128B03-DCCA-4EEB-AB3B-CF2899314A46}" vid="{3F1AAB62-24C6-49D2-8E01-B56FAC9A3DCD}"/>
     </a:ext>
   </a:extLst>
 </a:theme>
